--- a/Untitled presentation.pptx
+++ b/Untitled presentation.pptx
@@ -1,41 +1,45 @@
 
 <file path=ppt/presentation.xml><?xml version="1.0" encoding="utf-8"?>
-<p:presentation xmlns:a="http://schemas.openxmlformats.org/drawingml/2006/main" xmlns:r="http://schemas.openxmlformats.org/officeDocument/2006/relationships" xmlns:mc="http://schemas.openxmlformats.org/markup-compatibility/2006" xmlns:mv="urn:schemas-microsoft-com:mac:vml" xmlns:p="http://schemas.openxmlformats.org/presentationml/2006/main" xmlns:c="http://schemas.openxmlformats.org/drawingml/2006/chart" xmlns:dgm="http://schemas.openxmlformats.org/drawingml/2006/diagram" xmlns:o="urn:schemas-microsoft-com:office:office" xmlns:v="urn:schemas-microsoft-com:vml" xmlns:pvml="urn:schemas-microsoft-com:office:powerpoint" xmlns:com="http://schemas.openxmlformats.org/drawingml/2006/compatibility" xmlns:p14="http://schemas.microsoft.com/office/powerpoint/2010/main" xmlns:p15="http://schemas.microsoft.com/office/powerpoint/2012/main" xmlns:ahyp="http://schemas.microsoft.com/office/drawing/2018/hyperlinkcolor" autoCompressPictures="0" embedTrueTypeFonts="1" strictFirstAndLastChars="0" saveSubsetFonts="1">
+<p:presentation xmlns:a="http://schemas.openxmlformats.org/drawingml/2006/main" xmlns:r="http://schemas.openxmlformats.org/officeDocument/2006/relationships" xmlns:p="http://schemas.openxmlformats.org/presentationml/2006/main" strictFirstAndLastChars="0" embedTrueTypeFonts="1" saveSubsetFonts="1" autoCompressPictures="0">
   <p:sldMasterIdLst>
-    <p:sldMasterId id="2147483659" r:id="rId4"/>
+    <p:sldMasterId id="2147483659" r:id="rId1"/>
   </p:sldMasterIdLst>
   <p:notesMasterIdLst>
-    <p:notesMasterId r:id="rId5"/>
+    <p:notesMasterId r:id="rId12"/>
   </p:notesMasterIdLst>
   <p:sldIdLst>
-    <p:sldId id="256" r:id="rId6"/>
-    <p:sldId id="257" r:id="rId7"/>
-    <p:sldId id="258" r:id="rId8"/>
-    <p:sldId id="259" r:id="rId9"/>
-    <p:sldId id="260" r:id="rId10"/>
-    <p:sldId id="261" r:id="rId11"/>
-    <p:sldId id="262" r:id="rId12"/>
-    <p:sldId id="263" r:id="rId13"/>
-    <p:sldId id="264" r:id="rId14"/>
-    <p:sldId id="265" r:id="rId15"/>
+    <p:sldId id="256" r:id="rId2"/>
+    <p:sldId id="257" r:id="rId3"/>
+    <p:sldId id="258" r:id="rId4"/>
+    <p:sldId id="259" r:id="rId5"/>
+    <p:sldId id="260" r:id="rId6"/>
+    <p:sldId id="261" r:id="rId7"/>
+    <p:sldId id="262" r:id="rId8"/>
+    <p:sldId id="263" r:id="rId9"/>
+    <p:sldId id="264" r:id="rId10"/>
+    <p:sldId id="265" r:id="rId11"/>
   </p:sldIdLst>
-  <p:sldSz cy="5143500" cx="9144000"/>
+  <p:sldSz cx="9144000" cy="5143500" type="screen16x9"/>
   <p:notesSz cx="6858000" cy="9144000"/>
   <p:embeddedFontLst>
     <p:embeddedFont>
-      <p:font typeface="Pacifico"/>
-      <p:regular r:id="rId16"/>
+      <p:font typeface="Impact" panose="020B0806030902050204" pitchFamily="34" charset="0"/>
+      <p:regular r:id="rId13"/>
     </p:embeddedFont>
     <p:embeddedFont>
-      <p:font typeface="Roboto Mono"/>
-      <p:regular r:id="rId17"/>
-      <p:bold r:id="rId18"/>
-      <p:italic r:id="rId19"/>
-      <p:boldItalic r:id="rId20"/>
+      <p:font typeface="Roboto Mono" panose="020B0604020202020204" charset="0"/>
+      <p:regular r:id="rId14"/>
+      <p:bold r:id="rId15"/>
+      <p:italic r:id="rId16"/>
+      <p:boldItalic r:id="rId17"/>
+    </p:embeddedFont>
+    <p:embeddedFont>
+      <p:font typeface="Pacifico" panose="020B0604020202020204" charset="0"/>
+      <p:regular r:id="rId18"/>
     </p:embeddedFont>
   </p:embeddedFontLst>
   <p:defaultTextStyle>
-    <a:defPPr lvl="0" marR="0" rtl="0" algn="l">
+    <a:defPPr marR="0" lvl="0" algn="l" rtl="0">
       <a:lnSpc>
         <a:spcPct val="100000"/>
       </a:lnSpc>
@@ -46,7 +50,7 @@
         <a:spcPts val="0"/>
       </a:spcAft>
     </a:defPPr>
-    <a:lvl1pPr lvl="0" marR="0" rtl="0" algn="l">
+    <a:lvl1pPr marR="0" lvl="0" algn="l" rtl="0">
       <a:lnSpc>
         <a:spcPct val="100000"/>
       </a:lnSpc>
@@ -60,7 +64,7 @@
         <a:srgbClr val="000000"/>
       </a:buClr>
       <a:buFont typeface="Arial"/>
-      <a:defRPr b="0" i="0" sz="1400" u="none" cap="none" strike="noStrike">
+      <a:defRPr sz="1400" b="0" i="0" u="none" strike="noStrike" cap="none">
         <a:solidFill>
           <a:srgbClr val="000000"/>
         </a:solidFill>
@@ -70,7 +74,7 @@
         <a:sym typeface="Arial"/>
       </a:defRPr>
     </a:lvl1pPr>
-    <a:lvl2pPr lvl="1" marR="0" rtl="0" algn="l">
+    <a:lvl2pPr marR="0" lvl="1" algn="l" rtl="0">
       <a:lnSpc>
         <a:spcPct val="100000"/>
       </a:lnSpc>
@@ -84,7 +88,7 @@
         <a:srgbClr val="000000"/>
       </a:buClr>
       <a:buFont typeface="Arial"/>
-      <a:defRPr b="0" i="0" sz="1400" u="none" cap="none" strike="noStrike">
+      <a:defRPr sz="1400" b="0" i="0" u="none" strike="noStrike" cap="none">
         <a:solidFill>
           <a:srgbClr val="000000"/>
         </a:solidFill>
@@ -94,7 +98,7 @@
         <a:sym typeface="Arial"/>
       </a:defRPr>
     </a:lvl2pPr>
-    <a:lvl3pPr lvl="2" marR="0" rtl="0" algn="l">
+    <a:lvl3pPr marR="0" lvl="2" algn="l" rtl="0">
       <a:lnSpc>
         <a:spcPct val="100000"/>
       </a:lnSpc>
@@ -108,7 +112,7 @@
         <a:srgbClr val="000000"/>
       </a:buClr>
       <a:buFont typeface="Arial"/>
-      <a:defRPr b="0" i="0" sz="1400" u="none" cap="none" strike="noStrike">
+      <a:defRPr sz="1400" b="0" i="0" u="none" strike="noStrike" cap="none">
         <a:solidFill>
           <a:srgbClr val="000000"/>
         </a:solidFill>
@@ -118,7 +122,7 @@
         <a:sym typeface="Arial"/>
       </a:defRPr>
     </a:lvl3pPr>
-    <a:lvl4pPr lvl="3" marR="0" rtl="0" algn="l">
+    <a:lvl4pPr marR="0" lvl="3" algn="l" rtl="0">
       <a:lnSpc>
         <a:spcPct val="100000"/>
       </a:lnSpc>
@@ -132,7 +136,7 @@
         <a:srgbClr val="000000"/>
       </a:buClr>
       <a:buFont typeface="Arial"/>
-      <a:defRPr b="0" i="0" sz="1400" u="none" cap="none" strike="noStrike">
+      <a:defRPr sz="1400" b="0" i="0" u="none" strike="noStrike" cap="none">
         <a:solidFill>
           <a:srgbClr val="000000"/>
         </a:solidFill>
@@ -142,7 +146,7 @@
         <a:sym typeface="Arial"/>
       </a:defRPr>
     </a:lvl4pPr>
-    <a:lvl5pPr lvl="4" marR="0" rtl="0" algn="l">
+    <a:lvl5pPr marR="0" lvl="4" algn="l" rtl="0">
       <a:lnSpc>
         <a:spcPct val="100000"/>
       </a:lnSpc>
@@ -156,7 +160,7 @@
         <a:srgbClr val="000000"/>
       </a:buClr>
       <a:buFont typeface="Arial"/>
-      <a:defRPr b="0" i="0" sz="1400" u="none" cap="none" strike="noStrike">
+      <a:defRPr sz="1400" b="0" i="0" u="none" strike="noStrike" cap="none">
         <a:solidFill>
           <a:srgbClr val="000000"/>
         </a:solidFill>
@@ -166,7 +170,7 @@
         <a:sym typeface="Arial"/>
       </a:defRPr>
     </a:lvl5pPr>
-    <a:lvl6pPr lvl="5" marR="0" rtl="0" algn="l">
+    <a:lvl6pPr marR="0" lvl="5" algn="l" rtl="0">
       <a:lnSpc>
         <a:spcPct val="100000"/>
       </a:lnSpc>
@@ -180,7 +184,7 @@
         <a:srgbClr val="000000"/>
       </a:buClr>
       <a:buFont typeface="Arial"/>
-      <a:defRPr b="0" i="0" sz="1400" u="none" cap="none" strike="noStrike">
+      <a:defRPr sz="1400" b="0" i="0" u="none" strike="noStrike" cap="none">
         <a:solidFill>
           <a:srgbClr val="000000"/>
         </a:solidFill>
@@ -190,7 +194,7 @@
         <a:sym typeface="Arial"/>
       </a:defRPr>
     </a:lvl6pPr>
-    <a:lvl7pPr lvl="6" marR="0" rtl="0" algn="l">
+    <a:lvl7pPr marR="0" lvl="6" algn="l" rtl="0">
       <a:lnSpc>
         <a:spcPct val="100000"/>
       </a:lnSpc>
@@ -204,7 +208,7 @@
         <a:srgbClr val="000000"/>
       </a:buClr>
       <a:buFont typeface="Arial"/>
-      <a:defRPr b="0" i="0" sz="1400" u="none" cap="none" strike="noStrike">
+      <a:defRPr sz="1400" b="0" i="0" u="none" strike="noStrike" cap="none">
         <a:solidFill>
           <a:srgbClr val="000000"/>
         </a:solidFill>
@@ -214,7 +218,7 @@
         <a:sym typeface="Arial"/>
       </a:defRPr>
     </a:lvl7pPr>
-    <a:lvl8pPr lvl="7" marR="0" rtl="0" algn="l">
+    <a:lvl8pPr marR="0" lvl="7" algn="l" rtl="0">
       <a:lnSpc>
         <a:spcPct val="100000"/>
       </a:lnSpc>
@@ -228,7 +232,7 @@
         <a:srgbClr val="000000"/>
       </a:buClr>
       <a:buFont typeface="Arial"/>
-      <a:defRPr b="0" i="0" sz="1400" u="none" cap="none" strike="noStrike">
+      <a:defRPr sz="1400" b="0" i="0" u="none" strike="noStrike" cap="none">
         <a:solidFill>
           <a:srgbClr val="000000"/>
         </a:solidFill>
@@ -238,7 +242,7 @@
         <a:sym typeface="Arial"/>
       </a:defRPr>
     </a:lvl8pPr>
-    <a:lvl9pPr lvl="8" marR="0" rtl="0" algn="l">
+    <a:lvl9pPr marR="0" lvl="8" algn="l" rtl="0">
       <a:lnSpc>
         <a:spcPct val="100000"/>
       </a:lnSpc>
@@ -252,7 +256,7 @@
         <a:srgbClr val="000000"/>
       </a:buClr>
       <a:buFont typeface="Arial"/>
-      <a:defRPr b="0" i="0" sz="1400" u="none" cap="none" strike="noStrike">
+      <a:defRPr sz="1400" b="0" i="0" u="none" strike="noStrike" cap="none">
         <a:solidFill>
           <a:srgbClr val="000000"/>
         </a:solidFill>
@@ -265,7 +269,7 @@
   </p:defaultTextStyle>
   <p:extLst>
     <p:ext uri="{EFAFB233-063F-42B5-8137-9DF3F51BA10A}">
-      <p15:sldGuideLst>
+      <p15:sldGuideLst xmlns:p15="http://schemas.microsoft.com/office/powerpoint/2012/main">
         <p15:guide id="1" orient="horz" pos="1620">
           <p15:clr>
             <a:srgbClr val="747775"/>
@@ -283,11 +287,16 @@
 </file>
 
 <file path=ppt/notesMasters/notesMaster1.xml><?xml version="1.0" encoding="utf-8"?>
-<p:notesMaster xmlns:a="http://schemas.openxmlformats.org/drawingml/2006/main" xmlns:r="http://schemas.openxmlformats.org/officeDocument/2006/relationships" xmlns:mc="http://schemas.openxmlformats.org/markup-compatibility/2006" xmlns:mv="urn:schemas-microsoft-com:mac:vml" xmlns:p="http://schemas.openxmlformats.org/presentationml/2006/main" xmlns:c="http://schemas.openxmlformats.org/drawingml/2006/chart" xmlns:dgm="http://schemas.openxmlformats.org/drawingml/2006/diagram" xmlns:o="urn:schemas-microsoft-com:office:office" xmlns:v="urn:schemas-microsoft-com:vml" xmlns:pvml="urn:schemas-microsoft-com:office:powerpoint" xmlns:com="http://schemas.openxmlformats.org/drawingml/2006/compatibility" xmlns:p14="http://schemas.microsoft.com/office/powerpoint/2010/main" xmlns:p15="http://schemas.microsoft.com/office/powerpoint/2012/main" xmlns:ahyp="http://schemas.microsoft.com/office/drawing/2018/hyperlinkcolor">
+<p:notesMaster xmlns:a="http://schemas.openxmlformats.org/drawingml/2006/main" xmlns:r="http://schemas.openxmlformats.org/officeDocument/2006/relationships" xmlns:p="http://schemas.openxmlformats.org/presentationml/2006/main">
   <p:cSld>
+    <p:bg>
+      <p:bgRef idx="1001">
+        <a:schemeClr val="bg1"/>
+      </p:bgRef>
+    </p:bg>
     <p:spTree>
       <p:nvGrpSpPr>
-        <p:cNvPr id="2" name="Shape 2"/>
+        <p:cNvPr id="1" name="Shape 2"/>
         <p:cNvGrpSpPr/>
         <p:nvPr/>
       </p:nvGrpSpPr>
@@ -302,9 +311,11 @@
       <p:sp>
         <p:nvSpPr>
           <p:cNvPr id="3" name="Google Shape;3;n"/>
-          <p:cNvSpPr/>
+          <p:cNvSpPr>
+            <a:spLocks noGrp="1" noRot="1" noChangeAspect="1"/>
+          </p:cNvSpPr>
           <p:nvPr>
-            <p:ph idx="2" type="sldImg"/>
+            <p:ph type="sldImg" idx="2"/>
           </p:nvPr>
         </p:nvSpPr>
         <p:spPr>
@@ -313,9 +324,13 @@
             <a:ext cx="6096075" cy="3429000"/>
           </a:xfrm>
           <a:custGeom>
-            <a:rect b="b" l="l" r="r" t="t"/>
+            <a:avLst/>
+            <a:gdLst/>
+            <a:ahLst/>
+            <a:cxnLst/>
+            <a:rect l="l" t="t" r="r" b="b"/>
             <a:pathLst>
-              <a:path extrusionOk="0" h="120000" w="120000">
+              <a:path w="120000" h="120000" extrusionOk="0">
                 <a:moveTo>
                   <a:pt x="0" y="0"/>
                 </a:moveTo>
@@ -333,23 +348,25 @@
             </a:pathLst>
           </a:custGeom>
           <a:noFill/>
-          <a:ln cap="flat" cmpd="sng" w="9525">
+          <a:ln w="9525" cap="flat" cmpd="sng">
             <a:solidFill>
               <a:srgbClr val="000000"/>
             </a:solidFill>
             <a:prstDash val="solid"/>
             <a:round/>
-            <a:headEnd len="sm" w="sm" type="none"/>
-            <a:tailEnd len="sm" w="sm" type="none"/>
+            <a:headEnd type="none" w="sm" len="sm"/>
+            <a:tailEnd type="none" w="sm" len="sm"/>
           </a:ln>
         </p:spPr>
       </p:sp>
       <p:sp>
         <p:nvSpPr>
           <p:cNvPr id="4" name="Google Shape;4;n"/>
-          <p:cNvSpPr txBox="1"/>
+          <p:cNvSpPr txBox="1">
+            <a:spLocks noGrp="1"/>
+          </p:cNvSpPr>
           <p:nvPr>
-            <p:ph idx="1" type="body"/>
+            <p:ph type="body" idx="1"/>
           </p:nvPr>
         </p:nvSpPr>
         <p:spPr>
@@ -366,11 +383,11 @@
           </a:ln>
         </p:spPr>
         <p:txBody>
-          <a:bodyPr anchorCtr="0" anchor="t" bIns="91425" lIns="91425" spcFirstLastPara="1" rIns="91425" wrap="square" tIns="91425">
+          <a:bodyPr spcFirstLastPara="1" wrap="square" lIns="91425" tIns="91425" rIns="91425" bIns="91425" anchor="t" anchorCtr="0">
             <a:noAutofit/>
           </a:bodyPr>
           <a:lstStyle>
-            <a:lvl1pPr indent="-298450" lvl="0" marL="457200">
+            <a:lvl1pPr marL="457200" lvl="0" indent="-298450">
               <a:spcBef>
                 <a:spcPts val="0"/>
               </a:spcBef>
@@ -381,7 +398,7 @@
               <a:buChar char="●"/>
               <a:defRPr sz="1100"/>
             </a:lvl1pPr>
-            <a:lvl2pPr indent="-298450" lvl="1" marL="914400">
+            <a:lvl2pPr marL="914400" lvl="1" indent="-298450">
               <a:spcBef>
                 <a:spcPts val="0"/>
               </a:spcBef>
@@ -392,7 +409,7 @@
               <a:buChar char="○"/>
               <a:defRPr sz="1100"/>
             </a:lvl2pPr>
-            <a:lvl3pPr indent="-298450" lvl="2" marL="1371600">
+            <a:lvl3pPr marL="1371600" lvl="2" indent="-298450">
               <a:spcBef>
                 <a:spcPts val="0"/>
               </a:spcBef>
@@ -403,7 +420,7 @@
               <a:buChar char="■"/>
               <a:defRPr sz="1100"/>
             </a:lvl3pPr>
-            <a:lvl4pPr indent="-298450" lvl="3" marL="1828800">
+            <a:lvl4pPr marL="1828800" lvl="3" indent="-298450">
               <a:spcBef>
                 <a:spcPts val="0"/>
               </a:spcBef>
@@ -414,7 +431,7 @@
               <a:buChar char="●"/>
               <a:defRPr sz="1100"/>
             </a:lvl4pPr>
-            <a:lvl5pPr indent="-298450" lvl="4" marL="2286000">
+            <a:lvl5pPr marL="2286000" lvl="4" indent="-298450">
               <a:spcBef>
                 <a:spcPts val="0"/>
               </a:spcBef>
@@ -425,7 +442,7 @@
               <a:buChar char="○"/>
               <a:defRPr sz="1100"/>
             </a:lvl5pPr>
-            <a:lvl6pPr indent="-298450" lvl="5" marL="2743200">
+            <a:lvl6pPr marL="2743200" lvl="5" indent="-298450">
               <a:spcBef>
                 <a:spcPts val="0"/>
               </a:spcBef>
@@ -436,7 +453,7 @@
               <a:buChar char="■"/>
               <a:defRPr sz="1100"/>
             </a:lvl6pPr>
-            <a:lvl7pPr indent="-298450" lvl="6" marL="3200400">
+            <a:lvl7pPr marL="3200400" lvl="6" indent="-298450">
               <a:spcBef>
                 <a:spcPts val="0"/>
               </a:spcBef>
@@ -447,7 +464,7 @@
               <a:buChar char="●"/>
               <a:defRPr sz="1100"/>
             </a:lvl7pPr>
-            <a:lvl8pPr indent="-298450" lvl="7" marL="3657600">
+            <a:lvl8pPr marL="3657600" lvl="7" indent="-298450">
               <a:spcBef>
                 <a:spcPts val="0"/>
               </a:spcBef>
@@ -458,7 +475,7 @@
               <a:buChar char="○"/>
               <a:defRPr sz="1100"/>
             </a:lvl8pPr>
-            <a:lvl9pPr indent="-298450" lvl="8" marL="4114800">
+            <a:lvl9pPr marL="4114800" lvl="8" indent="-298450">
               <a:spcBef>
                 <a:spcPts val="0"/>
               </a:spcBef>
@@ -470,14 +487,16 @@
               <a:defRPr sz="1100"/>
             </a:lvl9pPr>
           </a:lstStyle>
-          <a:p/>
+          <a:p>
+            <a:endParaRPr/>
+          </a:p>
         </p:txBody>
       </p:sp>
     </p:spTree>
   </p:cSld>
-  <p:clrMap accent1="accent1" accent2="accent2" accent3="accent3" accent4="accent4" accent5="accent5" accent6="accent6" bg1="lt1" bg2="dk2" tx1="dk1" tx2="lt2" folHlink="folHlink" hlink="hlink"/>
+  <p:clrMap bg1="lt1" tx1="dk1" bg2="dk2" tx2="lt2" accent1="accent1" accent2="accent2" accent3="accent3" accent4="accent4" accent5="accent5" accent6="accent6" hlink="hlink" folHlink="folHlink"/>
   <p:notesStyle>
-    <a:defPPr lvl="0" marR="0" rtl="0" algn="l">
+    <a:defPPr marR="0" lvl="0" algn="l" rtl="0">
       <a:lnSpc>
         <a:spcPct val="100000"/>
       </a:lnSpc>
@@ -488,7 +507,7 @@
         <a:spcPts val="0"/>
       </a:spcAft>
     </a:defPPr>
-    <a:lvl1pPr lvl="0" marR="0" rtl="0" algn="l">
+    <a:lvl1pPr marR="0" lvl="0" algn="l" rtl="0">
       <a:lnSpc>
         <a:spcPct val="100000"/>
       </a:lnSpc>
@@ -502,7 +521,7 @@
         <a:srgbClr val="000000"/>
       </a:buClr>
       <a:buFont typeface="Arial"/>
-      <a:defRPr b="0" i="0" sz="1400" u="none" cap="none" strike="noStrike">
+      <a:defRPr sz="1400" b="0" i="0" u="none" strike="noStrike" cap="none">
         <a:solidFill>
           <a:srgbClr val="000000"/>
         </a:solidFill>
@@ -512,7 +531,7 @@
         <a:sym typeface="Arial"/>
       </a:defRPr>
     </a:lvl1pPr>
-    <a:lvl2pPr lvl="1" marR="0" rtl="0" algn="l">
+    <a:lvl2pPr marR="0" lvl="1" algn="l" rtl="0">
       <a:lnSpc>
         <a:spcPct val="100000"/>
       </a:lnSpc>
@@ -526,7 +545,7 @@
         <a:srgbClr val="000000"/>
       </a:buClr>
       <a:buFont typeface="Arial"/>
-      <a:defRPr b="0" i="0" sz="1400" u="none" cap="none" strike="noStrike">
+      <a:defRPr sz="1400" b="0" i="0" u="none" strike="noStrike" cap="none">
         <a:solidFill>
           <a:srgbClr val="000000"/>
         </a:solidFill>
@@ -536,7 +555,7 @@
         <a:sym typeface="Arial"/>
       </a:defRPr>
     </a:lvl2pPr>
-    <a:lvl3pPr lvl="2" marR="0" rtl="0" algn="l">
+    <a:lvl3pPr marR="0" lvl="2" algn="l" rtl="0">
       <a:lnSpc>
         <a:spcPct val="100000"/>
       </a:lnSpc>
@@ -550,7 +569,7 @@
         <a:srgbClr val="000000"/>
       </a:buClr>
       <a:buFont typeface="Arial"/>
-      <a:defRPr b="0" i="0" sz="1400" u="none" cap="none" strike="noStrike">
+      <a:defRPr sz="1400" b="0" i="0" u="none" strike="noStrike" cap="none">
         <a:solidFill>
           <a:srgbClr val="000000"/>
         </a:solidFill>
@@ -560,7 +579,7 @@
         <a:sym typeface="Arial"/>
       </a:defRPr>
     </a:lvl3pPr>
-    <a:lvl4pPr lvl="3" marR="0" rtl="0" algn="l">
+    <a:lvl4pPr marR="0" lvl="3" algn="l" rtl="0">
       <a:lnSpc>
         <a:spcPct val="100000"/>
       </a:lnSpc>
@@ -574,7 +593,7 @@
         <a:srgbClr val="000000"/>
       </a:buClr>
       <a:buFont typeface="Arial"/>
-      <a:defRPr b="0" i="0" sz="1400" u="none" cap="none" strike="noStrike">
+      <a:defRPr sz="1400" b="0" i="0" u="none" strike="noStrike" cap="none">
         <a:solidFill>
           <a:srgbClr val="000000"/>
         </a:solidFill>
@@ -584,7 +603,7 @@
         <a:sym typeface="Arial"/>
       </a:defRPr>
     </a:lvl4pPr>
-    <a:lvl5pPr lvl="4" marR="0" rtl="0" algn="l">
+    <a:lvl5pPr marR="0" lvl="4" algn="l" rtl="0">
       <a:lnSpc>
         <a:spcPct val="100000"/>
       </a:lnSpc>
@@ -598,7 +617,7 @@
         <a:srgbClr val="000000"/>
       </a:buClr>
       <a:buFont typeface="Arial"/>
-      <a:defRPr b="0" i="0" sz="1400" u="none" cap="none" strike="noStrike">
+      <a:defRPr sz="1400" b="0" i="0" u="none" strike="noStrike" cap="none">
         <a:solidFill>
           <a:srgbClr val="000000"/>
         </a:solidFill>
@@ -608,7 +627,7 @@
         <a:sym typeface="Arial"/>
       </a:defRPr>
     </a:lvl5pPr>
-    <a:lvl6pPr lvl="5" marR="0" rtl="0" algn="l">
+    <a:lvl6pPr marR="0" lvl="5" algn="l" rtl="0">
       <a:lnSpc>
         <a:spcPct val="100000"/>
       </a:lnSpc>
@@ -622,7 +641,7 @@
         <a:srgbClr val="000000"/>
       </a:buClr>
       <a:buFont typeface="Arial"/>
-      <a:defRPr b="0" i="0" sz="1400" u="none" cap="none" strike="noStrike">
+      <a:defRPr sz="1400" b="0" i="0" u="none" strike="noStrike" cap="none">
         <a:solidFill>
           <a:srgbClr val="000000"/>
         </a:solidFill>
@@ -632,7 +651,7 @@
         <a:sym typeface="Arial"/>
       </a:defRPr>
     </a:lvl6pPr>
-    <a:lvl7pPr lvl="6" marR="0" rtl="0" algn="l">
+    <a:lvl7pPr marR="0" lvl="6" algn="l" rtl="0">
       <a:lnSpc>
         <a:spcPct val="100000"/>
       </a:lnSpc>
@@ -646,7 +665,7 @@
         <a:srgbClr val="000000"/>
       </a:buClr>
       <a:buFont typeface="Arial"/>
-      <a:defRPr b="0" i="0" sz="1400" u="none" cap="none" strike="noStrike">
+      <a:defRPr sz="1400" b="0" i="0" u="none" strike="noStrike" cap="none">
         <a:solidFill>
           <a:srgbClr val="000000"/>
         </a:solidFill>
@@ -656,7 +675,7 @@
         <a:sym typeface="Arial"/>
       </a:defRPr>
     </a:lvl7pPr>
-    <a:lvl8pPr lvl="7" marR="0" rtl="0" algn="l">
+    <a:lvl8pPr marR="0" lvl="7" algn="l" rtl="0">
       <a:lnSpc>
         <a:spcPct val="100000"/>
       </a:lnSpc>
@@ -670,7 +689,7 @@
         <a:srgbClr val="000000"/>
       </a:buClr>
       <a:buFont typeface="Arial"/>
-      <a:defRPr b="0" i="0" sz="1400" u="none" cap="none" strike="noStrike">
+      <a:defRPr sz="1400" b="0" i="0" u="none" strike="noStrike" cap="none">
         <a:solidFill>
           <a:srgbClr val="000000"/>
         </a:solidFill>
@@ -680,7 +699,7 @@
         <a:sym typeface="Arial"/>
       </a:defRPr>
     </a:lvl8pPr>
-    <a:lvl9pPr lvl="8" marR="0" rtl="0" algn="l">
+    <a:lvl9pPr marR="0" lvl="8" algn="l" rtl="0">
       <a:lnSpc>
         <a:spcPct val="100000"/>
       </a:lnSpc>
@@ -694,7 +713,7 @@
         <a:srgbClr val="000000"/>
       </a:buClr>
       <a:buFont typeface="Arial"/>
-      <a:defRPr b="0" i="0" sz="1400" u="none" cap="none" strike="noStrike">
+      <a:defRPr sz="1400" b="0" i="0" u="none" strike="noStrike" cap="none">
         <a:solidFill>
           <a:srgbClr val="000000"/>
         </a:solidFill>
@@ -709,11 +728,11 @@
 </file>
 
 <file path=ppt/notesSlides/notesSlide1.xml><?xml version="1.0" encoding="utf-8"?>
-<p:notes xmlns:a="http://schemas.openxmlformats.org/drawingml/2006/main" xmlns:r="http://schemas.openxmlformats.org/officeDocument/2006/relationships" xmlns:mc="http://schemas.openxmlformats.org/markup-compatibility/2006" xmlns:mv="urn:schemas-microsoft-com:mac:vml" xmlns:p="http://schemas.openxmlformats.org/presentationml/2006/main" xmlns:c="http://schemas.openxmlformats.org/drawingml/2006/chart" xmlns:dgm="http://schemas.openxmlformats.org/drawingml/2006/diagram" xmlns:o="urn:schemas-microsoft-com:office:office" xmlns:v="urn:schemas-microsoft-com:vml" xmlns:pvml="urn:schemas-microsoft-com:office:powerpoint" xmlns:com="http://schemas.openxmlformats.org/drawingml/2006/compatibility" xmlns:p14="http://schemas.microsoft.com/office/powerpoint/2010/main" xmlns:p15="http://schemas.microsoft.com/office/powerpoint/2012/main" xmlns:ahyp="http://schemas.microsoft.com/office/drawing/2018/hyperlinkcolor" showMasterPhAnim="0" showMasterSp="0">
+<p:notes xmlns:a="http://schemas.openxmlformats.org/drawingml/2006/main" xmlns:r="http://schemas.openxmlformats.org/officeDocument/2006/relationships" xmlns:p="http://schemas.openxmlformats.org/presentationml/2006/main" showMasterSp="0" showMasterPhAnim="0">
   <p:cSld>
     <p:spTree>
       <p:nvGrpSpPr>
-        <p:cNvPr id="50" name="Shape 50"/>
+        <p:cNvPr id="1" name="Shape 50"/>
         <p:cNvGrpSpPr/>
         <p:nvPr/>
       </p:nvGrpSpPr>
@@ -728,20 +747,26 @@
       <p:sp>
         <p:nvSpPr>
           <p:cNvPr id="51" name="Google Shape;51;p:notes"/>
-          <p:cNvSpPr/>
+          <p:cNvSpPr>
+            <a:spLocks noGrp="1" noRot="1" noChangeAspect="1"/>
+          </p:cNvSpPr>
           <p:nvPr>
-            <p:ph idx="2" type="sldImg"/>
+            <p:ph type="sldImg" idx="2"/>
           </p:nvPr>
         </p:nvSpPr>
         <p:spPr>
           <a:xfrm>
-            <a:off x="381300" y="685800"/>
-            <a:ext cx="6096075" cy="3429000"/>
+            <a:off x="381000" y="685800"/>
+            <a:ext cx="6096000" cy="3429000"/>
           </a:xfrm>
           <a:custGeom>
-            <a:rect b="b" l="l" r="r" t="t"/>
+            <a:avLst/>
+            <a:gdLst/>
+            <a:ahLst/>
+            <a:cxnLst/>
+            <a:rect l="l" t="t" r="r" b="b"/>
             <a:pathLst>
-              <a:path extrusionOk="0" h="120000" w="120000">
+              <a:path w="120000" h="120000" extrusionOk="0">
                 <a:moveTo>
                   <a:pt x="0" y="0"/>
                 </a:moveTo>
@@ -763,9 +788,11 @@
       <p:sp>
         <p:nvSpPr>
           <p:cNvPr id="52" name="Google Shape;52;p:notes"/>
-          <p:cNvSpPr txBox="1"/>
+          <p:cNvSpPr txBox="1">
+            <a:spLocks noGrp="1"/>
+          </p:cNvSpPr>
           <p:nvPr>
-            <p:ph idx="1" type="body"/>
+            <p:ph type="body" idx="1"/>
           </p:nvPr>
         </p:nvSpPr>
         <p:spPr>
@@ -778,12 +805,12 @@
           </a:prstGeom>
         </p:spPr>
         <p:txBody>
-          <a:bodyPr anchorCtr="0" anchor="t" bIns="91425" lIns="91425" spcFirstLastPara="1" rIns="91425" wrap="square" tIns="91425">
+          <a:bodyPr spcFirstLastPara="1" wrap="square" lIns="91425" tIns="91425" rIns="91425" bIns="91425" anchor="t" anchorCtr="0">
             <a:noAutofit/>
           </a:bodyPr>
           <a:lstStyle/>
           <a:p>
-            <a:pPr indent="0" lvl="0" marL="0" rtl="0" algn="l">
+            <a:pPr marL="0" lvl="0" indent="0" algn="l" rtl="0">
               <a:spcBef>
                 <a:spcPts val="0"/>
               </a:spcBef>
@@ -792,9 +819,6 @@
               </a:spcAft>
               <a:buNone/>
             </a:pPr>
-            <a:r>
-              <a:t/>
-            </a:r>
             <a:endParaRPr sz="900"/>
           </a:p>
         </p:txBody>
@@ -808,11 +832,11 @@
 </file>
 
 <file path=ppt/notesSlides/notesSlide10.xml><?xml version="1.0" encoding="utf-8"?>
-<p:notes xmlns:a="http://schemas.openxmlformats.org/drawingml/2006/main" xmlns:r="http://schemas.openxmlformats.org/officeDocument/2006/relationships" xmlns:mc="http://schemas.openxmlformats.org/markup-compatibility/2006" xmlns:mv="urn:schemas-microsoft-com:mac:vml" xmlns:p="http://schemas.openxmlformats.org/presentationml/2006/main" xmlns:c="http://schemas.openxmlformats.org/drawingml/2006/chart" xmlns:dgm="http://schemas.openxmlformats.org/drawingml/2006/diagram" xmlns:o="urn:schemas-microsoft-com:office:office" xmlns:v="urn:schemas-microsoft-com:vml" xmlns:pvml="urn:schemas-microsoft-com:office:powerpoint" xmlns:com="http://schemas.openxmlformats.org/drawingml/2006/compatibility" xmlns:p14="http://schemas.microsoft.com/office/powerpoint/2010/main" xmlns:p15="http://schemas.microsoft.com/office/powerpoint/2012/main" xmlns:ahyp="http://schemas.microsoft.com/office/drawing/2018/hyperlinkcolor" showMasterPhAnim="0" showMasterSp="0">
+<p:notes xmlns:a="http://schemas.openxmlformats.org/drawingml/2006/main" xmlns:r="http://schemas.openxmlformats.org/officeDocument/2006/relationships" xmlns:p="http://schemas.openxmlformats.org/presentationml/2006/main" showMasterSp="0" showMasterPhAnim="0">
   <p:cSld>
     <p:spTree>
       <p:nvGrpSpPr>
-        <p:cNvPr id="149" name="Shape 149"/>
+        <p:cNvPr id="1" name="Shape 149"/>
         <p:cNvGrpSpPr/>
         <p:nvPr/>
       </p:nvGrpSpPr>
@@ -827,20 +851,26 @@
       <p:sp>
         <p:nvSpPr>
           <p:cNvPr id="150" name="Google Shape;150;g30fe15e4283_1_123:notes"/>
-          <p:cNvSpPr/>
+          <p:cNvSpPr>
+            <a:spLocks noGrp="1" noRot="1" noChangeAspect="1"/>
+          </p:cNvSpPr>
           <p:nvPr>
-            <p:ph idx="2" type="sldImg"/>
+            <p:ph type="sldImg" idx="2"/>
           </p:nvPr>
         </p:nvSpPr>
         <p:spPr>
           <a:xfrm>
-            <a:off x="381300" y="685800"/>
+            <a:off x="381000" y="685800"/>
             <a:ext cx="6096000" cy="3429000"/>
           </a:xfrm>
           <a:custGeom>
-            <a:rect b="b" l="l" r="r" t="t"/>
+            <a:avLst/>
+            <a:gdLst/>
+            <a:ahLst/>
+            <a:cxnLst/>
+            <a:rect l="l" t="t" r="r" b="b"/>
             <a:pathLst>
-              <a:path extrusionOk="0" h="120000" w="120000">
+              <a:path w="120000" h="120000" extrusionOk="0">
                 <a:moveTo>
                   <a:pt x="0" y="0"/>
                 </a:moveTo>
@@ -862,9 +892,11 @@
       <p:sp>
         <p:nvSpPr>
           <p:cNvPr id="151" name="Google Shape;151;g30fe15e4283_1_123:notes"/>
-          <p:cNvSpPr txBox="1"/>
+          <p:cNvSpPr txBox="1">
+            <a:spLocks noGrp="1"/>
+          </p:cNvSpPr>
           <p:nvPr>
-            <p:ph idx="1" type="body"/>
+            <p:ph type="body" idx="1"/>
           </p:nvPr>
         </p:nvSpPr>
         <p:spPr>
@@ -877,12 +909,12 @@
           </a:prstGeom>
         </p:spPr>
         <p:txBody>
-          <a:bodyPr anchorCtr="0" anchor="t" bIns="91425" lIns="91425" spcFirstLastPara="1" rIns="91425" wrap="square" tIns="91425">
+          <a:bodyPr spcFirstLastPara="1" wrap="square" lIns="91425" tIns="91425" rIns="91425" bIns="91425" anchor="t" anchorCtr="0">
             <a:noAutofit/>
           </a:bodyPr>
           <a:lstStyle/>
           <a:p>
-            <a:pPr indent="0" lvl="0" marL="0" rtl="0" algn="l">
+            <a:pPr marL="0" lvl="0" indent="0" algn="l" rtl="0">
               <a:spcBef>
                 <a:spcPts val="0"/>
               </a:spcBef>
@@ -891,9 +923,6 @@
               </a:spcAft>
               <a:buNone/>
             </a:pPr>
-            <a:r>
-              <a:t/>
-            </a:r>
             <a:endParaRPr sz="900"/>
           </a:p>
         </p:txBody>
@@ -907,11 +936,11 @@
 </file>
 
 <file path=ppt/notesSlides/notesSlide2.xml><?xml version="1.0" encoding="utf-8"?>
-<p:notes xmlns:a="http://schemas.openxmlformats.org/drawingml/2006/main" xmlns:r="http://schemas.openxmlformats.org/officeDocument/2006/relationships" xmlns:mc="http://schemas.openxmlformats.org/markup-compatibility/2006" xmlns:mv="urn:schemas-microsoft-com:mac:vml" xmlns:p="http://schemas.openxmlformats.org/presentationml/2006/main" xmlns:c="http://schemas.openxmlformats.org/drawingml/2006/chart" xmlns:dgm="http://schemas.openxmlformats.org/drawingml/2006/diagram" xmlns:o="urn:schemas-microsoft-com:office:office" xmlns:v="urn:schemas-microsoft-com:vml" xmlns:pvml="urn:schemas-microsoft-com:office:powerpoint" xmlns:com="http://schemas.openxmlformats.org/drawingml/2006/compatibility" xmlns:p14="http://schemas.microsoft.com/office/powerpoint/2010/main" xmlns:p15="http://schemas.microsoft.com/office/powerpoint/2012/main" xmlns:ahyp="http://schemas.microsoft.com/office/drawing/2018/hyperlinkcolor" showMasterPhAnim="0" showMasterSp="0">
+<p:notes xmlns:a="http://schemas.openxmlformats.org/drawingml/2006/main" xmlns:r="http://schemas.openxmlformats.org/officeDocument/2006/relationships" xmlns:p="http://schemas.openxmlformats.org/presentationml/2006/main" showMasterSp="0" showMasterPhAnim="0">
   <p:cSld>
     <p:spTree>
       <p:nvGrpSpPr>
-        <p:cNvPr id="62" name="Shape 62"/>
+        <p:cNvPr id="1" name="Shape 62"/>
         <p:cNvGrpSpPr/>
         <p:nvPr/>
       </p:nvGrpSpPr>
@@ -926,20 +955,26 @@
       <p:sp>
         <p:nvSpPr>
           <p:cNvPr id="63" name="Google Shape;63;g30fe15e4283_1_154:notes"/>
-          <p:cNvSpPr/>
+          <p:cNvSpPr>
+            <a:spLocks noGrp="1" noRot="1" noChangeAspect="1"/>
+          </p:cNvSpPr>
           <p:nvPr>
-            <p:ph idx="2" type="sldImg"/>
+            <p:ph type="sldImg" idx="2"/>
           </p:nvPr>
         </p:nvSpPr>
         <p:spPr>
           <a:xfrm>
-            <a:off x="381300" y="685800"/>
+            <a:off x="381000" y="685800"/>
             <a:ext cx="6096000" cy="3429000"/>
           </a:xfrm>
           <a:custGeom>
-            <a:rect b="b" l="l" r="r" t="t"/>
+            <a:avLst/>
+            <a:gdLst/>
+            <a:ahLst/>
+            <a:cxnLst/>
+            <a:rect l="l" t="t" r="r" b="b"/>
             <a:pathLst>
-              <a:path extrusionOk="0" h="120000" w="120000">
+              <a:path w="120000" h="120000" extrusionOk="0">
                 <a:moveTo>
                   <a:pt x="0" y="0"/>
                 </a:moveTo>
@@ -961,9 +996,11 @@
       <p:sp>
         <p:nvSpPr>
           <p:cNvPr id="64" name="Google Shape;64;g30fe15e4283_1_154:notes"/>
-          <p:cNvSpPr txBox="1"/>
+          <p:cNvSpPr txBox="1">
+            <a:spLocks noGrp="1"/>
+          </p:cNvSpPr>
           <p:nvPr>
-            <p:ph idx="1" type="body"/>
+            <p:ph type="body" idx="1"/>
           </p:nvPr>
         </p:nvSpPr>
         <p:spPr>
@@ -976,12 +1013,12 @@
           </a:prstGeom>
         </p:spPr>
         <p:txBody>
-          <a:bodyPr anchorCtr="0" anchor="t" bIns="91425" lIns="91425" spcFirstLastPara="1" rIns="91425" wrap="square" tIns="91425">
+          <a:bodyPr spcFirstLastPara="1" wrap="square" lIns="91425" tIns="91425" rIns="91425" bIns="91425" anchor="t" anchorCtr="0">
             <a:noAutofit/>
           </a:bodyPr>
           <a:lstStyle/>
           <a:p>
-            <a:pPr indent="0" lvl="0" marL="0" rtl="0" algn="l">
+            <a:pPr marL="0" lvl="0" indent="0" algn="l" rtl="0">
               <a:spcBef>
                 <a:spcPts val="0"/>
               </a:spcBef>
@@ -990,9 +1027,6 @@
               </a:spcAft>
               <a:buNone/>
             </a:pPr>
-            <a:r>
-              <a:t/>
-            </a:r>
             <a:endParaRPr sz="900"/>
           </a:p>
         </p:txBody>
@@ -1006,11 +1040,11 @@
 </file>
 
 <file path=ppt/notesSlides/notesSlide3.xml><?xml version="1.0" encoding="utf-8"?>
-<p:notes xmlns:a="http://schemas.openxmlformats.org/drawingml/2006/main" xmlns:r="http://schemas.openxmlformats.org/officeDocument/2006/relationships" xmlns:mc="http://schemas.openxmlformats.org/markup-compatibility/2006" xmlns:mv="urn:schemas-microsoft-com:mac:vml" xmlns:p="http://schemas.openxmlformats.org/presentationml/2006/main" xmlns:c="http://schemas.openxmlformats.org/drawingml/2006/chart" xmlns:dgm="http://schemas.openxmlformats.org/drawingml/2006/diagram" xmlns:o="urn:schemas-microsoft-com:office:office" xmlns:v="urn:schemas-microsoft-com:vml" xmlns:pvml="urn:schemas-microsoft-com:office:powerpoint" xmlns:com="http://schemas.openxmlformats.org/drawingml/2006/compatibility" xmlns:p14="http://schemas.microsoft.com/office/powerpoint/2010/main" xmlns:p15="http://schemas.microsoft.com/office/powerpoint/2012/main" xmlns:ahyp="http://schemas.microsoft.com/office/drawing/2018/hyperlinkcolor" showMasterPhAnim="0" showMasterSp="0">
+<p:notes xmlns:a="http://schemas.openxmlformats.org/drawingml/2006/main" xmlns:r="http://schemas.openxmlformats.org/officeDocument/2006/relationships" xmlns:p="http://schemas.openxmlformats.org/presentationml/2006/main" showMasterSp="0" showMasterPhAnim="0">
   <p:cSld>
     <p:spTree>
       <p:nvGrpSpPr>
-        <p:cNvPr id="72" name="Shape 72"/>
+        <p:cNvPr id="1" name="Shape 72"/>
         <p:cNvGrpSpPr/>
         <p:nvPr/>
       </p:nvGrpSpPr>
@@ -1025,20 +1059,26 @@
       <p:sp>
         <p:nvSpPr>
           <p:cNvPr id="73" name="Google Shape;73;g30fe15e4283_1_24:notes"/>
-          <p:cNvSpPr/>
+          <p:cNvSpPr>
+            <a:spLocks noGrp="1" noRot="1" noChangeAspect="1"/>
+          </p:cNvSpPr>
           <p:nvPr>
-            <p:ph idx="2" type="sldImg"/>
+            <p:ph type="sldImg" idx="2"/>
           </p:nvPr>
         </p:nvSpPr>
         <p:spPr>
           <a:xfrm>
-            <a:off x="381300" y="685800"/>
+            <a:off x="381000" y="685800"/>
             <a:ext cx="6096000" cy="3429000"/>
           </a:xfrm>
           <a:custGeom>
-            <a:rect b="b" l="l" r="r" t="t"/>
+            <a:avLst/>
+            <a:gdLst/>
+            <a:ahLst/>
+            <a:cxnLst/>
+            <a:rect l="l" t="t" r="r" b="b"/>
             <a:pathLst>
-              <a:path extrusionOk="0" h="120000" w="120000">
+              <a:path w="120000" h="120000" extrusionOk="0">
                 <a:moveTo>
                   <a:pt x="0" y="0"/>
                 </a:moveTo>
@@ -1060,9 +1100,11 @@
       <p:sp>
         <p:nvSpPr>
           <p:cNvPr id="74" name="Google Shape;74;g30fe15e4283_1_24:notes"/>
-          <p:cNvSpPr txBox="1"/>
+          <p:cNvSpPr txBox="1">
+            <a:spLocks noGrp="1"/>
+          </p:cNvSpPr>
           <p:nvPr>
-            <p:ph idx="1" type="body"/>
+            <p:ph type="body" idx="1"/>
           </p:nvPr>
         </p:nvSpPr>
         <p:spPr>
@@ -1075,12 +1117,12 @@
           </a:prstGeom>
         </p:spPr>
         <p:txBody>
-          <a:bodyPr anchorCtr="0" anchor="t" bIns="91425" lIns="91425" spcFirstLastPara="1" rIns="91425" wrap="square" tIns="91425">
+          <a:bodyPr spcFirstLastPara="1" wrap="square" lIns="91425" tIns="91425" rIns="91425" bIns="91425" anchor="t" anchorCtr="0">
             <a:noAutofit/>
           </a:bodyPr>
           <a:lstStyle/>
           <a:p>
-            <a:pPr indent="0" lvl="0" marL="0" rtl="0" algn="l">
+            <a:pPr marL="0" lvl="0" indent="0" algn="l" rtl="0">
               <a:spcBef>
                 <a:spcPts val="0"/>
               </a:spcBef>
@@ -1089,9 +1131,6 @@
               </a:spcAft>
               <a:buNone/>
             </a:pPr>
-            <a:r>
-              <a:t/>
-            </a:r>
             <a:endParaRPr sz="900"/>
           </a:p>
         </p:txBody>
@@ -1105,11 +1144,11 @@
 </file>
 
 <file path=ppt/notesSlides/notesSlide4.xml><?xml version="1.0" encoding="utf-8"?>
-<p:notes xmlns:a="http://schemas.openxmlformats.org/drawingml/2006/main" xmlns:r="http://schemas.openxmlformats.org/officeDocument/2006/relationships" xmlns:mc="http://schemas.openxmlformats.org/markup-compatibility/2006" xmlns:mv="urn:schemas-microsoft-com:mac:vml" xmlns:p="http://schemas.openxmlformats.org/presentationml/2006/main" xmlns:c="http://schemas.openxmlformats.org/drawingml/2006/chart" xmlns:dgm="http://schemas.openxmlformats.org/drawingml/2006/diagram" xmlns:o="urn:schemas-microsoft-com:office:office" xmlns:v="urn:schemas-microsoft-com:vml" xmlns:pvml="urn:schemas-microsoft-com:office:powerpoint" xmlns:com="http://schemas.openxmlformats.org/drawingml/2006/compatibility" xmlns:p14="http://schemas.microsoft.com/office/powerpoint/2010/main" xmlns:p15="http://schemas.microsoft.com/office/powerpoint/2012/main" xmlns:ahyp="http://schemas.microsoft.com/office/drawing/2018/hyperlinkcolor" showMasterPhAnim="0" showMasterSp="0">
+<p:notes xmlns:a="http://schemas.openxmlformats.org/drawingml/2006/main" xmlns:r="http://schemas.openxmlformats.org/officeDocument/2006/relationships" xmlns:p="http://schemas.openxmlformats.org/presentationml/2006/main" showMasterSp="0" showMasterPhAnim="0">
   <p:cSld>
     <p:spTree>
       <p:nvGrpSpPr>
-        <p:cNvPr id="83" name="Shape 83"/>
+        <p:cNvPr id="1" name="Shape 83"/>
         <p:cNvGrpSpPr/>
         <p:nvPr/>
       </p:nvGrpSpPr>
@@ -1124,20 +1163,26 @@
       <p:sp>
         <p:nvSpPr>
           <p:cNvPr id="84" name="Google Shape;84;g30fe15e4283_1_95:notes"/>
-          <p:cNvSpPr/>
+          <p:cNvSpPr>
+            <a:spLocks noGrp="1" noRot="1" noChangeAspect="1"/>
+          </p:cNvSpPr>
           <p:nvPr>
-            <p:ph idx="2" type="sldImg"/>
+            <p:ph type="sldImg" idx="2"/>
           </p:nvPr>
         </p:nvSpPr>
         <p:spPr>
           <a:xfrm>
-            <a:off x="381300" y="685800"/>
+            <a:off x="381000" y="685800"/>
             <a:ext cx="6096000" cy="3429000"/>
           </a:xfrm>
           <a:custGeom>
-            <a:rect b="b" l="l" r="r" t="t"/>
+            <a:avLst/>
+            <a:gdLst/>
+            <a:ahLst/>
+            <a:cxnLst/>
+            <a:rect l="l" t="t" r="r" b="b"/>
             <a:pathLst>
-              <a:path extrusionOk="0" h="120000" w="120000">
+              <a:path w="120000" h="120000" extrusionOk="0">
                 <a:moveTo>
                   <a:pt x="0" y="0"/>
                 </a:moveTo>
@@ -1159,9 +1204,11 @@
       <p:sp>
         <p:nvSpPr>
           <p:cNvPr id="85" name="Google Shape;85;g30fe15e4283_1_95:notes"/>
-          <p:cNvSpPr txBox="1"/>
+          <p:cNvSpPr txBox="1">
+            <a:spLocks noGrp="1"/>
+          </p:cNvSpPr>
           <p:nvPr>
-            <p:ph idx="1" type="body"/>
+            <p:ph type="body" idx="1"/>
           </p:nvPr>
         </p:nvSpPr>
         <p:spPr>
@@ -1174,12 +1221,12 @@
           </a:prstGeom>
         </p:spPr>
         <p:txBody>
-          <a:bodyPr anchorCtr="0" anchor="t" bIns="91425" lIns="91425" spcFirstLastPara="1" rIns="91425" wrap="square" tIns="91425">
+          <a:bodyPr spcFirstLastPara="1" wrap="square" lIns="91425" tIns="91425" rIns="91425" bIns="91425" anchor="t" anchorCtr="0">
             <a:noAutofit/>
           </a:bodyPr>
           <a:lstStyle/>
           <a:p>
-            <a:pPr indent="0" lvl="0" marL="0" rtl="0" algn="l">
+            <a:pPr marL="0" lvl="0" indent="0" algn="l" rtl="0">
               <a:spcBef>
                 <a:spcPts val="0"/>
               </a:spcBef>
@@ -1188,9 +1235,6 @@
               </a:spcAft>
               <a:buNone/>
             </a:pPr>
-            <a:r>
-              <a:t/>
-            </a:r>
             <a:endParaRPr sz="900"/>
           </a:p>
         </p:txBody>
@@ -1204,11 +1248,11 @@
 </file>
 
 <file path=ppt/notesSlides/notesSlide5.xml><?xml version="1.0" encoding="utf-8"?>
-<p:notes xmlns:a="http://schemas.openxmlformats.org/drawingml/2006/main" xmlns:r="http://schemas.openxmlformats.org/officeDocument/2006/relationships" xmlns:mc="http://schemas.openxmlformats.org/markup-compatibility/2006" xmlns:mv="urn:schemas-microsoft-com:mac:vml" xmlns:p="http://schemas.openxmlformats.org/presentationml/2006/main" xmlns:c="http://schemas.openxmlformats.org/drawingml/2006/chart" xmlns:dgm="http://schemas.openxmlformats.org/drawingml/2006/diagram" xmlns:o="urn:schemas-microsoft-com:office:office" xmlns:v="urn:schemas-microsoft-com:vml" xmlns:pvml="urn:schemas-microsoft-com:office:powerpoint" xmlns:com="http://schemas.openxmlformats.org/drawingml/2006/compatibility" xmlns:p14="http://schemas.microsoft.com/office/powerpoint/2010/main" xmlns:p15="http://schemas.microsoft.com/office/powerpoint/2012/main" xmlns:ahyp="http://schemas.microsoft.com/office/drawing/2018/hyperlinkcolor" showMasterPhAnim="0" showMasterSp="0">
+<p:notes xmlns:a="http://schemas.openxmlformats.org/drawingml/2006/main" xmlns:r="http://schemas.openxmlformats.org/officeDocument/2006/relationships" xmlns:p="http://schemas.openxmlformats.org/presentationml/2006/main" showMasterSp="0" showMasterPhAnim="0">
   <p:cSld>
     <p:spTree>
       <p:nvGrpSpPr>
-        <p:cNvPr id="94" name="Shape 94"/>
+        <p:cNvPr id="1" name="Shape 94"/>
         <p:cNvGrpSpPr/>
         <p:nvPr/>
       </p:nvGrpSpPr>
@@ -1223,20 +1267,26 @@
       <p:sp>
         <p:nvSpPr>
           <p:cNvPr id="95" name="Google Shape;95;g30fe15e4283_1_85:notes"/>
-          <p:cNvSpPr/>
+          <p:cNvSpPr>
+            <a:spLocks noGrp="1" noRot="1" noChangeAspect="1"/>
+          </p:cNvSpPr>
           <p:nvPr>
-            <p:ph idx="2" type="sldImg"/>
+            <p:ph type="sldImg" idx="2"/>
           </p:nvPr>
         </p:nvSpPr>
         <p:spPr>
           <a:xfrm>
-            <a:off x="381300" y="685800"/>
+            <a:off x="381000" y="685800"/>
             <a:ext cx="6096000" cy="3429000"/>
           </a:xfrm>
           <a:custGeom>
-            <a:rect b="b" l="l" r="r" t="t"/>
+            <a:avLst/>
+            <a:gdLst/>
+            <a:ahLst/>
+            <a:cxnLst/>
+            <a:rect l="l" t="t" r="r" b="b"/>
             <a:pathLst>
-              <a:path extrusionOk="0" h="120000" w="120000">
+              <a:path w="120000" h="120000" extrusionOk="0">
                 <a:moveTo>
                   <a:pt x="0" y="0"/>
                 </a:moveTo>
@@ -1258,9 +1308,11 @@
       <p:sp>
         <p:nvSpPr>
           <p:cNvPr id="96" name="Google Shape;96;g30fe15e4283_1_85:notes"/>
-          <p:cNvSpPr txBox="1"/>
+          <p:cNvSpPr txBox="1">
+            <a:spLocks noGrp="1"/>
+          </p:cNvSpPr>
           <p:nvPr>
-            <p:ph idx="1" type="body"/>
+            <p:ph type="body" idx="1"/>
           </p:nvPr>
         </p:nvSpPr>
         <p:spPr>
@@ -1273,12 +1325,12 @@
           </a:prstGeom>
         </p:spPr>
         <p:txBody>
-          <a:bodyPr anchorCtr="0" anchor="t" bIns="91425" lIns="91425" spcFirstLastPara="1" rIns="91425" wrap="square" tIns="91425">
+          <a:bodyPr spcFirstLastPara="1" wrap="square" lIns="91425" tIns="91425" rIns="91425" bIns="91425" anchor="t" anchorCtr="0">
             <a:noAutofit/>
           </a:bodyPr>
           <a:lstStyle/>
           <a:p>
-            <a:pPr indent="0" lvl="0" marL="0" rtl="0" algn="l">
+            <a:pPr marL="0" lvl="0" indent="0" algn="l" rtl="0">
               <a:spcBef>
                 <a:spcPts val="0"/>
               </a:spcBef>
@@ -1287,9 +1339,6 @@
               </a:spcAft>
               <a:buNone/>
             </a:pPr>
-            <a:r>
-              <a:t/>
-            </a:r>
             <a:endParaRPr sz="900"/>
           </a:p>
         </p:txBody>
@@ -1303,11 +1352,11 @@
 </file>
 
 <file path=ppt/notesSlides/notesSlide6.xml><?xml version="1.0" encoding="utf-8"?>
-<p:notes xmlns:a="http://schemas.openxmlformats.org/drawingml/2006/main" xmlns:r="http://schemas.openxmlformats.org/officeDocument/2006/relationships" xmlns:mc="http://schemas.openxmlformats.org/markup-compatibility/2006" xmlns:mv="urn:schemas-microsoft-com:mac:vml" xmlns:p="http://schemas.openxmlformats.org/presentationml/2006/main" xmlns:c="http://schemas.openxmlformats.org/drawingml/2006/chart" xmlns:dgm="http://schemas.openxmlformats.org/drawingml/2006/diagram" xmlns:o="urn:schemas-microsoft-com:office:office" xmlns:v="urn:schemas-microsoft-com:vml" xmlns:pvml="urn:schemas-microsoft-com:office:powerpoint" xmlns:com="http://schemas.openxmlformats.org/drawingml/2006/compatibility" xmlns:p14="http://schemas.microsoft.com/office/powerpoint/2010/main" xmlns:p15="http://schemas.microsoft.com/office/powerpoint/2012/main" xmlns:ahyp="http://schemas.microsoft.com/office/drawing/2018/hyperlinkcolor" showMasterPhAnim="0" showMasterSp="0">
+<p:notes xmlns:a="http://schemas.openxmlformats.org/drawingml/2006/main" xmlns:r="http://schemas.openxmlformats.org/officeDocument/2006/relationships" xmlns:p="http://schemas.openxmlformats.org/presentationml/2006/main" showMasterSp="0" showMasterPhAnim="0">
   <p:cSld>
     <p:spTree>
       <p:nvGrpSpPr>
-        <p:cNvPr id="105" name="Shape 105"/>
+        <p:cNvPr id="1" name="Shape 105"/>
         <p:cNvGrpSpPr/>
         <p:nvPr/>
       </p:nvGrpSpPr>
@@ -1322,20 +1371,26 @@
       <p:sp>
         <p:nvSpPr>
           <p:cNvPr id="106" name="Google Shape;106;g30fe15e4283_1_75:notes"/>
-          <p:cNvSpPr/>
+          <p:cNvSpPr>
+            <a:spLocks noGrp="1" noRot="1" noChangeAspect="1"/>
+          </p:cNvSpPr>
           <p:nvPr>
-            <p:ph idx="2" type="sldImg"/>
+            <p:ph type="sldImg" idx="2"/>
           </p:nvPr>
         </p:nvSpPr>
         <p:spPr>
           <a:xfrm>
-            <a:off x="381300" y="685800"/>
+            <a:off x="381000" y="685800"/>
             <a:ext cx="6096000" cy="3429000"/>
           </a:xfrm>
           <a:custGeom>
-            <a:rect b="b" l="l" r="r" t="t"/>
+            <a:avLst/>
+            <a:gdLst/>
+            <a:ahLst/>
+            <a:cxnLst/>
+            <a:rect l="l" t="t" r="r" b="b"/>
             <a:pathLst>
-              <a:path extrusionOk="0" h="120000" w="120000">
+              <a:path w="120000" h="120000" extrusionOk="0">
                 <a:moveTo>
                   <a:pt x="0" y="0"/>
                 </a:moveTo>
@@ -1357,9 +1412,11 @@
       <p:sp>
         <p:nvSpPr>
           <p:cNvPr id="107" name="Google Shape;107;g30fe15e4283_1_75:notes"/>
-          <p:cNvSpPr txBox="1"/>
+          <p:cNvSpPr txBox="1">
+            <a:spLocks noGrp="1"/>
+          </p:cNvSpPr>
           <p:nvPr>
-            <p:ph idx="1" type="body"/>
+            <p:ph type="body" idx="1"/>
           </p:nvPr>
         </p:nvSpPr>
         <p:spPr>
@@ -1372,12 +1429,12 @@
           </a:prstGeom>
         </p:spPr>
         <p:txBody>
-          <a:bodyPr anchorCtr="0" anchor="t" bIns="91425" lIns="91425" spcFirstLastPara="1" rIns="91425" wrap="square" tIns="91425">
+          <a:bodyPr spcFirstLastPara="1" wrap="square" lIns="91425" tIns="91425" rIns="91425" bIns="91425" anchor="t" anchorCtr="0">
             <a:noAutofit/>
           </a:bodyPr>
           <a:lstStyle/>
           <a:p>
-            <a:pPr indent="0" lvl="0" marL="0" rtl="0" algn="l">
+            <a:pPr marL="0" lvl="0" indent="0" algn="l" rtl="0">
               <a:spcBef>
                 <a:spcPts val="0"/>
               </a:spcBef>
@@ -1386,9 +1443,6 @@
               </a:spcAft>
               <a:buNone/>
             </a:pPr>
-            <a:r>
-              <a:t/>
-            </a:r>
             <a:endParaRPr sz="900"/>
           </a:p>
         </p:txBody>
@@ -1402,11 +1456,11 @@
 </file>
 
 <file path=ppt/notesSlides/notesSlide7.xml><?xml version="1.0" encoding="utf-8"?>
-<p:notes xmlns:a="http://schemas.openxmlformats.org/drawingml/2006/main" xmlns:r="http://schemas.openxmlformats.org/officeDocument/2006/relationships" xmlns:mc="http://schemas.openxmlformats.org/markup-compatibility/2006" xmlns:mv="urn:schemas-microsoft-com:mac:vml" xmlns:p="http://schemas.openxmlformats.org/presentationml/2006/main" xmlns:c="http://schemas.openxmlformats.org/drawingml/2006/chart" xmlns:dgm="http://schemas.openxmlformats.org/drawingml/2006/diagram" xmlns:o="urn:schemas-microsoft-com:office:office" xmlns:v="urn:schemas-microsoft-com:vml" xmlns:pvml="urn:schemas-microsoft-com:office:powerpoint" xmlns:com="http://schemas.openxmlformats.org/drawingml/2006/compatibility" xmlns:p14="http://schemas.microsoft.com/office/powerpoint/2010/main" xmlns:p15="http://schemas.microsoft.com/office/powerpoint/2012/main" xmlns:ahyp="http://schemas.microsoft.com/office/drawing/2018/hyperlinkcolor" showMasterPhAnim="0" showMasterSp="0">
+<p:notes xmlns:a="http://schemas.openxmlformats.org/drawingml/2006/main" xmlns:r="http://schemas.openxmlformats.org/officeDocument/2006/relationships" xmlns:p="http://schemas.openxmlformats.org/presentationml/2006/main" showMasterSp="0" showMasterPhAnim="0">
   <p:cSld>
     <p:spTree>
       <p:nvGrpSpPr>
-        <p:cNvPr id="116" name="Shape 116"/>
+        <p:cNvPr id="1" name="Shape 116"/>
         <p:cNvGrpSpPr/>
         <p:nvPr/>
       </p:nvGrpSpPr>
@@ -1421,20 +1475,26 @@
       <p:sp>
         <p:nvSpPr>
           <p:cNvPr id="117" name="Google Shape;117;g30fe15e4283_1_65:notes"/>
-          <p:cNvSpPr/>
+          <p:cNvSpPr>
+            <a:spLocks noGrp="1" noRot="1" noChangeAspect="1"/>
+          </p:cNvSpPr>
           <p:nvPr>
-            <p:ph idx="2" type="sldImg"/>
+            <p:ph type="sldImg" idx="2"/>
           </p:nvPr>
         </p:nvSpPr>
         <p:spPr>
           <a:xfrm>
-            <a:off x="381300" y="685800"/>
+            <a:off x="381000" y="685800"/>
             <a:ext cx="6096000" cy="3429000"/>
           </a:xfrm>
           <a:custGeom>
-            <a:rect b="b" l="l" r="r" t="t"/>
+            <a:avLst/>
+            <a:gdLst/>
+            <a:ahLst/>
+            <a:cxnLst/>
+            <a:rect l="l" t="t" r="r" b="b"/>
             <a:pathLst>
-              <a:path extrusionOk="0" h="120000" w="120000">
+              <a:path w="120000" h="120000" extrusionOk="0">
                 <a:moveTo>
                   <a:pt x="0" y="0"/>
                 </a:moveTo>
@@ -1456,9 +1516,11 @@
       <p:sp>
         <p:nvSpPr>
           <p:cNvPr id="118" name="Google Shape;118;g30fe15e4283_1_65:notes"/>
-          <p:cNvSpPr txBox="1"/>
+          <p:cNvSpPr txBox="1">
+            <a:spLocks noGrp="1"/>
+          </p:cNvSpPr>
           <p:nvPr>
-            <p:ph idx="1" type="body"/>
+            <p:ph type="body" idx="1"/>
           </p:nvPr>
         </p:nvSpPr>
         <p:spPr>
@@ -1471,12 +1533,12 @@
           </a:prstGeom>
         </p:spPr>
         <p:txBody>
-          <a:bodyPr anchorCtr="0" anchor="t" bIns="91425" lIns="91425" spcFirstLastPara="1" rIns="91425" wrap="square" tIns="91425">
+          <a:bodyPr spcFirstLastPara="1" wrap="square" lIns="91425" tIns="91425" rIns="91425" bIns="91425" anchor="t" anchorCtr="0">
             <a:noAutofit/>
           </a:bodyPr>
           <a:lstStyle/>
           <a:p>
-            <a:pPr indent="0" lvl="0" marL="0" rtl="0" algn="l">
+            <a:pPr marL="0" lvl="0" indent="0" algn="l" rtl="0">
               <a:spcBef>
                 <a:spcPts val="0"/>
               </a:spcBef>
@@ -1485,9 +1547,6 @@
               </a:spcAft>
               <a:buNone/>
             </a:pPr>
-            <a:r>
-              <a:t/>
-            </a:r>
             <a:endParaRPr sz="900"/>
           </a:p>
         </p:txBody>
@@ -1501,11 +1560,11 @@
 </file>
 
 <file path=ppt/notesSlides/notesSlide8.xml><?xml version="1.0" encoding="utf-8"?>
-<p:notes xmlns:a="http://schemas.openxmlformats.org/drawingml/2006/main" xmlns:r="http://schemas.openxmlformats.org/officeDocument/2006/relationships" xmlns:mc="http://schemas.openxmlformats.org/markup-compatibility/2006" xmlns:mv="urn:schemas-microsoft-com:mac:vml" xmlns:p="http://schemas.openxmlformats.org/presentationml/2006/main" xmlns:c="http://schemas.openxmlformats.org/drawingml/2006/chart" xmlns:dgm="http://schemas.openxmlformats.org/drawingml/2006/diagram" xmlns:o="urn:schemas-microsoft-com:office:office" xmlns:v="urn:schemas-microsoft-com:vml" xmlns:pvml="urn:schemas-microsoft-com:office:powerpoint" xmlns:com="http://schemas.openxmlformats.org/drawingml/2006/compatibility" xmlns:p14="http://schemas.microsoft.com/office/powerpoint/2010/main" xmlns:p15="http://schemas.microsoft.com/office/powerpoint/2012/main" xmlns:ahyp="http://schemas.microsoft.com/office/drawing/2018/hyperlinkcolor" showMasterPhAnim="0" showMasterSp="0">
+<p:notes xmlns:a="http://schemas.openxmlformats.org/drawingml/2006/main" xmlns:r="http://schemas.openxmlformats.org/officeDocument/2006/relationships" xmlns:p="http://schemas.openxmlformats.org/presentationml/2006/main" showMasterSp="0" showMasterPhAnim="0">
   <p:cSld>
     <p:spTree>
       <p:nvGrpSpPr>
-        <p:cNvPr id="127" name="Shape 127"/>
+        <p:cNvPr id="1" name="Shape 127"/>
         <p:cNvGrpSpPr/>
         <p:nvPr/>
       </p:nvGrpSpPr>
@@ -1520,20 +1579,26 @@
       <p:sp>
         <p:nvSpPr>
           <p:cNvPr id="128" name="Google Shape;128;g30fe15e4283_1_113:notes"/>
-          <p:cNvSpPr/>
+          <p:cNvSpPr>
+            <a:spLocks noGrp="1" noRot="1" noChangeAspect="1"/>
+          </p:cNvSpPr>
           <p:nvPr>
-            <p:ph idx="2" type="sldImg"/>
+            <p:ph type="sldImg" idx="2"/>
           </p:nvPr>
         </p:nvSpPr>
         <p:spPr>
           <a:xfrm>
-            <a:off x="381300" y="685800"/>
+            <a:off x="381000" y="685800"/>
             <a:ext cx="6096000" cy="3429000"/>
           </a:xfrm>
           <a:custGeom>
-            <a:rect b="b" l="l" r="r" t="t"/>
+            <a:avLst/>
+            <a:gdLst/>
+            <a:ahLst/>
+            <a:cxnLst/>
+            <a:rect l="l" t="t" r="r" b="b"/>
             <a:pathLst>
-              <a:path extrusionOk="0" h="120000" w="120000">
+              <a:path w="120000" h="120000" extrusionOk="0">
                 <a:moveTo>
                   <a:pt x="0" y="0"/>
                 </a:moveTo>
@@ -1555,9 +1620,11 @@
       <p:sp>
         <p:nvSpPr>
           <p:cNvPr id="129" name="Google Shape;129;g30fe15e4283_1_113:notes"/>
-          <p:cNvSpPr txBox="1"/>
+          <p:cNvSpPr txBox="1">
+            <a:spLocks noGrp="1"/>
+          </p:cNvSpPr>
           <p:nvPr>
-            <p:ph idx="1" type="body"/>
+            <p:ph type="body" idx="1"/>
           </p:nvPr>
         </p:nvSpPr>
         <p:spPr>
@@ -1570,12 +1637,12 @@
           </a:prstGeom>
         </p:spPr>
         <p:txBody>
-          <a:bodyPr anchorCtr="0" anchor="t" bIns="91425" lIns="91425" spcFirstLastPara="1" rIns="91425" wrap="square" tIns="91425">
+          <a:bodyPr spcFirstLastPara="1" wrap="square" lIns="91425" tIns="91425" rIns="91425" bIns="91425" anchor="t" anchorCtr="0">
             <a:noAutofit/>
           </a:bodyPr>
           <a:lstStyle/>
           <a:p>
-            <a:pPr indent="0" lvl="0" marL="0" rtl="0" algn="l">
+            <a:pPr marL="0" lvl="0" indent="0" algn="l" rtl="0">
               <a:spcBef>
                 <a:spcPts val="0"/>
               </a:spcBef>
@@ -1584,9 +1651,6 @@
               </a:spcAft>
               <a:buNone/>
             </a:pPr>
-            <a:r>
-              <a:t/>
-            </a:r>
             <a:endParaRPr sz="900"/>
           </a:p>
         </p:txBody>
@@ -1600,11 +1664,11 @@
 </file>
 
 <file path=ppt/notesSlides/notesSlide9.xml><?xml version="1.0" encoding="utf-8"?>
-<p:notes xmlns:a="http://schemas.openxmlformats.org/drawingml/2006/main" xmlns:r="http://schemas.openxmlformats.org/officeDocument/2006/relationships" xmlns:mc="http://schemas.openxmlformats.org/markup-compatibility/2006" xmlns:mv="urn:schemas-microsoft-com:mac:vml" xmlns:p="http://schemas.openxmlformats.org/presentationml/2006/main" xmlns:c="http://schemas.openxmlformats.org/drawingml/2006/chart" xmlns:dgm="http://schemas.openxmlformats.org/drawingml/2006/diagram" xmlns:o="urn:schemas-microsoft-com:office:office" xmlns:v="urn:schemas-microsoft-com:vml" xmlns:pvml="urn:schemas-microsoft-com:office:powerpoint" xmlns:com="http://schemas.openxmlformats.org/drawingml/2006/compatibility" xmlns:p14="http://schemas.microsoft.com/office/powerpoint/2010/main" xmlns:p15="http://schemas.microsoft.com/office/powerpoint/2012/main" xmlns:ahyp="http://schemas.microsoft.com/office/drawing/2018/hyperlinkcolor" showMasterPhAnim="0" showMasterSp="0">
+<p:notes xmlns:a="http://schemas.openxmlformats.org/drawingml/2006/main" xmlns:r="http://schemas.openxmlformats.org/officeDocument/2006/relationships" xmlns:p="http://schemas.openxmlformats.org/presentationml/2006/main" showMasterSp="0" showMasterPhAnim="0">
   <p:cSld>
     <p:spTree>
       <p:nvGrpSpPr>
-        <p:cNvPr id="138" name="Shape 138"/>
+        <p:cNvPr id="1" name="Shape 138"/>
         <p:cNvGrpSpPr/>
         <p:nvPr/>
       </p:nvGrpSpPr>
@@ -1619,20 +1683,26 @@
       <p:sp>
         <p:nvSpPr>
           <p:cNvPr id="139" name="Google Shape;139;g30fe15e4283_1_54:notes"/>
-          <p:cNvSpPr/>
+          <p:cNvSpPr>
+            <a:spLocks noGrp="1" noRot="1" noChangeAspect="1"/>
+          </p:cNvSpPr>
           <p:nvPr>
-            <p:ph idx="2" type="sldImg"/>
+            <p:ph type="sldImg" idx="2"/>
           </p:nvPr>
         </p:nvSpPr>
         <p:spPr>
           <a:xfrm>
-            <a:off x="381300" y="685800"/>
+            <a:off x="381000" y="685800"/>
             <a:ext cx="6096000" cy="3429000"/>
           </a:xfrm>
           <a:custGeom>
-            <a:rect b="b" l="l" r="r" t="t"/>
+            <a:avLst/>
+            <a:gdLst/>
+            <a:ahLst/>
+            <a:cxnLst/>
+            <a:rect l="l" t="t" r="r" b="b"/>
             <a:pathLst>
-              <a:path extrusionOk="0" h="120000" w="120000">
+              <a:path w="120000" h="120000" extrusionOk="0">
                 <a:moveTo>
                   <a:pt x="0" y="0"/>
                 </a:moveTo>
@@ -1654,9 +1724,11 @@
       <p:sp>
         <p:nvSpPr>
           <p:cNvPr id="140" name="Google Shape;140;g30fe15e4283_1_54:notes"/>
-          <p:cNvSpPr txBox="1"/>
+          <p:cNvSpPr txBox="1">
+            <a:spLocks noGrp="1"/>
+          </p:cNvSpPr>
           <p:nvPr>
-            <p:ph idx="1" type="body"/>
+            <p:ph type="body" idx="1"/>
           </p:nvPr>
         </p:nvSpPr>
         <p:spPr>
@@ -1669,12 +1741,12 @@
           </a:prstGeom>
         </p:spPr>
         <p:txBody>
-          <a:bodyPr anchorCtr="0" anchor="t" bIns="91425" lIns="91425" spcFirstLastPara="1" rIns="91425" wrap="square" tIns="91425">
+          <a:bodyPr spcFirstLastPara="1" wrap="square" lIns="91425" tIns="91425" rIns="91425" bIns="91425" anchor="t" anchorCtr="0">
             <a:noAutofit/>
           </a:bodyPr>
           <a:lstStyle/>
           <a:p>
-            <a:pPr indent="0" lvl="0" marL="0" rtl="0" algn="l">
+            <a:pPr marL="0" lvl="0" indent="0" algn="l" rtl="0">
               <a:spcBef>
                 <a:spcPts val="0"/>
               </a:spcBef>
@@ -1683,9 +1755,6 @@
               </a:spcAft>
               <a:buNone/>
             </a:pPr>
-            <a:r>
-              <a:t/>
-            </a:r>
             <a:endParaRPr sz="900"/>
           </a:p>
         </p:txBody>
@@ -1699,11 +1768,11 @@
 </file>
 
 <file path=ppt/slideLayouts/slideLayout1.xml><?xml version="1.0" encoding="utf-8"?>
-<p:sldLayout xmlns:a="http://schemas.openxmlformats.org/drawingml/2006/main" xmlns:r="http://schemas.openxmlformats.org/officeDocument/2006/relationships" xmlns:mc="http://schemas.openxmlformats.org/markup-compatibility/2006" xmlns:mv="urn:schemas-microsoft-com:mac:vml" xmlns:p="http://schemas.openxmlformats.org/presentationml/2006/main" xmlns:c="http://schemas.openxmlformats.org/drawingml/2006/chart" xmlns:dgm="http://schemas.openxmlformats.org/drawingml/2006/diagram" xmlns:o="urn:schemas-microsoft-com:office:office" xmlns:v="urn:schemas-microsoft-com:vml" xmlns:pvml="urn:schemas-microsoft-com:office:powerpoint" xmlns:com="http://schemas.openxmlformats.org/drawingml/2006/compatibility" xmlns:p14="http://schemas.microsoft.com/office/powerpoint/2010/main" xmlns:p15="http://schemas.microsoft.com/office/powerpoint/2012/main" xmlns:ahyp="http://schemas.microsoft.com/office/drawing/2018/hyperlinkcolor" matchingName="Title slide" type="title">
+<p:sldLayout xmlns:a="http://schemas.openxmlformats.org/drawingml/2006/main" xmlns:r="http://schemas.openxmlformats.org/officeDocument/2006/relationships" xmlns:p="http://schemas.openxmlformats.org/presentationml/2006/main" matchingName="Title slide" type="title">
   <p:cSld name="TITLE">
     <p:spTree>
       <p:nvGrpSpPr>
-        <p:cNvPr id="9" name="Shape 9"/>
+        <p:cNvPr id="1" name="Shape 9"/>
         <p:cNvGrpSpPr/>
         <p:nvPr/>
       </p:nvGrpSpPr>
@@ -1718,7 +1787,9 @@
       <p:sp>
         <p:nvSpPr>
           <p:cNvPr id="10" name="Google Shape;10;p2"/>
-          <p:cNvSpPr txBox="1"/>
+          <p:cNvSpPr txBox="1">
+            <a:spLocks noGrp="1"/>
+          </p:cNvSpPr>
           <p:nvPr>
             <p:ph type="ctrTitle"/>
           </p:nvPr>
@@ -1733,7 +1804,7 @@
           </a:prstGeom>
         </p:spPr>
         <p:txBody>
-          <a:bodyPr anchorCtr="0" anchor="b" bIns="91425" lIns="91425" spcFirstLastPara="1" rIns="91425" wrap="square" tIns="91425">
+          <a:bodyPr spcFirstLastPara="1" wrap="square" lIns="91425" tIns="91425" rIns="91425" bIns="91425" anchor="b" anchorCtr="0">
             <a:normAutofit/>
           </a:bodyPr>
           <a:lstStyle>
@@ -1837,15 +1908,19 @@
               <a:defRPr sz="5200"/>
             </a:lvl9pPr>
           </a:lstStyle>
-          <a:p/>
+          <a:p>
+            <a:endParaRPr/>
+          </a:p>
         </p:txBody>
       </p:sp>
       <p:sp>
         <p:nvSpPr>
           <p:cNvPr id="11" name="Google Shape;11;p2"/>
-          <p:cNvSpPr txBox="1"/>
+          <p:cNvSpPr txBox="1">
+            <a:spLocks noGrp="1"/>
+          </p:cNvSpPr>
           <p:nvPr>
-            <p:ph idx="1" type="subTitle"/>
+            <p:ph type="subTitle" idx="1"/>
           </p:nvPr>
         </p:nvSpPr>
         <p:spPr>
@@ -1858,7 +1933,7 @@
           </a:prstGeom>
         </p:spPr>
         <p:txBody>
-          <a:bodyPr anchorCtr="0" anchor="t" bIns="91425" lIns="91425" spcFirstLastPara="1" rIns="91425" wrap="square" tIns="91425">
+          <a:bodyPr spcFirstLastPara="1" wrap="square" lIns="91425" tIns="91425" rIns="91425" bIns="91425" anchor="t" anchorCtr="0">
             <a:normAutofit/>
           </a:bodyPr>
           <a:lstStyle>
@@ -1989,15 +2064,19 @@
               <a:defRPr sz="2800"/>
             </a:lvl9pPr>
           </a:lstStyle>
-          <a:p/>
+          <a:p>
+            <a:endParaRPr/>
+          </a:p>
         </p:txBody>
       </p:sp>
       <p:sp>
         <p:nvSpPr>
           <p:cNvPr id="12" name="Google Shape;12;p2"/>
-          <p:cNvSpPr txBox="1"/>
+          <p:cNvSpPr txBox="1">
+            <a:spLocks noGrp="1"/>
+          </p:cNvSpPr>
           <p:nvPr>
-            <p:ph idx="12" type="sldNum"/>
+            <p:ph type="sldNum" idx="12"/>
           </p:nvPr>
         </p:nvSpPr>
         <p:spPr>
@@ -2010,7 +2089,7 @@
           </a:prstGeom>
         </p:spPr>
         <p:txBody>
-          <a:bodyPr anchorCtr="0" anchor="ctr" bIns="91425" lIns="91425" spcFirstLastPara="1" rIns="91425" wrap="square" tIns="91425">
+          <a:bodyPr spcFirstLastPara="1" wrap="square" lIns="91425" tIns="91425" rIns="91425" bIns="91425" anchor="ctr" anchorCtr="0">
             <a:normAutofit/>
           </a:bodyPr>
           <a:lstStyle>
@@ -2052,7 +2131,7 @@
             </a:lvl9pPr>
           </a:lstStyle>
           <a:p>
-            <a:pPr indent="0" lvl="0" marL="0" rtl="0" algn="r">
+            <a:pPr marL="0" lvl="0" indent="0" algn="r" rtl="0">
               <a:spcBef>
                 <a:spcPts val="0"/>
               </a:spcBef>
@@ -2074,15 +2153,27 @@
   <p:clrMapOvr>
     <a:masterClrMapping/>
   </p:clrMapOvr>
+  <mc:AlternateContent xmlns:mc="http://schemas.openxmlformats.org/markup-compatibility/2006" xmlns:p14="http://schemas.microsoft.com/office/powerpoint/2010/main">
+    <mc:Choice Requires="p14">
+      <p:transition p14:dur="10" advClick="0">
+        <p:pull/>
+      </p:transition>
+    </mc:Choice>
+    <mc:Fallback xmlns="">
+      <p:transition advClick="0">
+        <p:pull/>
+      </p:transition>
+    </mc:Fallback>
+  </mc:AlternateContent>
 </p:sldLayout>
 </file>
 
 <file path=ppt/slideLayouts/slideLayout10.xml><?xml version="1.0" encoding="utf-8"?>
-<p:sldLayout xmlns:a="http://schemas.openxmlformats.org/drawingml/2006/main" xmlns:r="http://schemas.openxmlformats.org/officeDocument/2006/relationships" xmlns:mc="http://schemas.openxmlformats.org/markup-compatibility/2006" xmlns:mv="urn:schemas-microsoft-com:mac:vml" xmlns:p="http://schemas.openxmlformats.org/presentationml/2006/main" xmlns:c="http://schemas.openxmlformats.org/drawingml/2006/chart" xmlns:dgm="http://schemas.openxmlformats.org/drawingml/2006/diagram" xmlns:o="urn:schemas-microsoft-com:office:office" xmlns:v="urn:schemas-microsoft-com:vml" xmlns:pvml="urn:schemas-microsoft-com:office:powerpoint" xmlns:com="http://schemas.openxmlformats.org/drawingml/2006/compatibility" xmlns:p14="http://schemas.microsoft.com/office/powerpoint/2010/main" xmlns:p15="http://schemas.microsoft.com/office/powerpoint/2012/main" xmlns:ahyp="http://schemas.microsoft.com/office/drawing/2018/hyperlinkcolor" matchingName="Big number">
+<p:sldLayout xmlns:a="http://schemas.openxmlformats.org/drawingml/2006/main" xmlns:r="http://schemas.openxmlformats.org/officeDocument/2006/relationships" xmlns:p="http://schemas.openxmlformats.org/presentationml/2006/main" matchingName="Big number">
   <p:cSld name="BIG_NUMBER">
     <p:spTree>
       <p:nvGrpSpPr>
-        <p:cNvPr id="44" name="Shape 44"/>
+        <p:cNvPr id="1" name="Shape 44"/>
         <p:cNvGrpSpPr/>
         <p:nvPr/>
       </p:nvGrpSpPr>
@@ -2097,9 +2188,11 @@
       <p:sp>
         <p:nvSpPr>
           <p:cNvPr id="45" name="Google Shape;45;p11"/>
-          <p:cNvSpPr txBox="1"/>
+          <p:cNvSpPr txBox="1">
+            <a:spLocks noGrp="1"/>
+          </p:cNvSpPr>
           <p:nvPr>
-            <p:ph hasCustomPrompt="1" type="title"/>
+            <p:ph type="title" hasCustomPrompt="1"/>
           </p:nvPr>
         </p:nvSpPr>
         <p:spPr>
@@ -2112,7 +2205,7 @@
           </a:prstGeom>
         </p:spPr>
         <p:txBody>
-          <a:bodyPr anchorCtr="0" anchor="b" bIns="91425" lIns="91425" spcFirstLastPara="1" rIns="91425" wrap="square" tIns="91425">
+          <a:bodyPr spcFirstLastPara="1" wrap="square" lIns="91425" tIns="91425" rIns="91425" bIns="91425" anchor="b" anchorCtr="0">
             <a:normAutofit/>
           </a:bodyPr>
           <a:lstStyle>
@@ -2226,9 +2319,11 @@
       <p:sp>
         <p:nvSpPr>
           <p:cNvPr id="46" name="Google Shape;46;p11"/>
-          <p:cNvSpPr txBox="1"/>
+          <p:cNvSpPr txBox="1">
+            <a:spLocks noGrp="1"/>
+          </p:cNvSpPr>
           <p:nvPr>
-            <p:ph idx="1" type="body"/>
+            <p:ph type="body" idx="1"/>
           </p:nvPr>
         </p:nvSpPr>
         <p:spPr>
@@ -2241,11 +2336,11 @@
           </a:prstGeom>
         </p:spPr>
         <p:txBody>
-          <a:bodyPr anchorCtr="0" anchor="t" bIns="91425" lIns="91425" spcFirstLastPara="1" rIns="91425" wrap="square" tIns="91425">
+          <a:bodyPr spcFirstLastPara="1" wrap="square" lIns="91425" tIns="91425" rIns="91425" bIns="91425" anchor="t" anchorCtr="0">
             <a:normAutofit/>
           </a:bodyPr>
           <a:lstStyle>
-            <a:lvl1pPr indent="-342900" lvl="0" marL="457200" algn="ctr">
+            <a:lvl1pPr marL="457200" lvl="0" indent="-342900" algn="ctr">
               <a:spcBef>
                 <a:spcPts val="0"/>
               </a:spcBef>
@@ -2256,7 +2351,7 @@
               <a:buChar char="●"/>
               <a:defRPr/>
             </a:lvl1pPr>
-            <a:lvl2pPr indent="-317500" lvl="1" marL="914400" algn="ctr">
+            <a:lvl2pPr marL="914400" lvl="1" indent="-317500" algn="ctr">
               <a:spcBef>
                 <a:spcPts val="0"/>
               </a:spcBef>
@@ -2267,7 +2362,7 @@
               <a:buChar char="○"/>
               <a:defRPr/>
             </a:lvl2pPr>
-            <a:lvl3pPr indent="-317500" lvl="2" marL="1371600" algn="ctr">
+            <a:lvl3pPr marL="1371600" lvl="2" indent="-317500" algn="ctr">
               <a:spcBef>
                 <a:spcPts val="0"/>
               </a:spcBef>
@@ -2278,7 +2373,7 @@
               <a:buChar char="■"/>
               <a:defRPr/>
             </a:lvl3pPr>
-            <a:lvl4pPr indent="-317500" lvl="3" marL="1828800" algn="ctr">
+            <a:lvl4pPr marL="1828800" lvl="3" indent="-317500" algn="ctr">
               <a:spcBef>
                 <a:spcPts val="0"/>
               </a:spcBef>
@@ -2289,7 +2384,7 @@
               <a:buChar char="●"/>
               <a:defRPr/>
             </a:lvl4pPr>
-            <a:lvl5pPr indent="-317500" lvl="4" marL="2286000" algn="ctr">
+            <a:lvl5pPr marL="2286000" lvl="4" indent="-317500" algn="ctr">
               <a:spcBef>
                 <a:spcPts val="0"/>
               </a:spcBef>
@@ -2300,7 +2395,7 @@
               <a:buChar char="○"/>
               <a:defRPr/>
             </a:lvl5pPr>
-            <a:lvl6pPr indent="-317500" lvl="5" marL="2743200" algn="ctr">
+            <a:lvl6pPr marL="2743200" lvl="5" indent="-317500" algn="ctr">
               <a:spcBef>
                 <a:spcPts val="0"/>
               </a:spcBef>
@@ -2311,7 +2406,7 @@
               <a:buChar char="■"/>
               <a:defRPr/>
             </a:lvl6pPr>
-            <a:lvl7pPr indent="-317500" lvl="6" marL="3200400" algn="ctr">
+            <a:lvl7pPr marL="3200400" lvl="6" indent="-317500" algn="ctr">
               <a:spcBef>
                 <a:spcPts val="0"/>
               </a:spcBef>
@@ -2322,7 +2417,7 @@
               <a:buChar char="●"/>
               <a:defRPr/>
             </a:lvl7pPr>
-            <a:lvl8pPr indent="-317500" lvl="7" marL="3657600" algn="ctr">
+            <a:lvl8pPr marL="3657600" lvl="7" indent="-317500" algn="ctr">
               <a:spcBef>
                 <a:spcPts val="0"/>
               </a:spcBef>
@@ -2333,7 +2428,7 @@
               <a:buChar char="○"/>
               <a:defRPr/>
             </a:lvl8pPr>
-            <a:lvl9pPr indent="-317500" lvl="8" marL="4114800" algn="ctr">
+            <a:lvl9pPr marL="4114800" lvl="8" indent="-317500" algn="ctr">
               <a:spcBef>
                 <a:spcPts val="0"/>
               </a:spcBef>
@@ -2345,15 +2440,19 @@
               <a:defRPr/>
             </a:lvl9pPr>
           </a:lstStyle>
-          <a:p/>
+          <a:p>
+            <a:endParaRPr/>
+          </a:p>
         </p:txBody>
       </p:sp>
       <p:sp>
         <p:nvSpPr>
           <p:cNvPr id="47" name="Google Shape;47;p11"/>
-          <p:cNvSpPr txBox="1"/>
+          <p:cNvSpPr txBox="1">
+            <a:spLocks noGrp="1"/>
+          </p:cNvSpPr>
           <p:nvPr>
-            <p:ph idx="12" type="sldNum"/>
+            <p:ph type="sldNum" idx="12"/>
           </p:nvPr>
         </p:nvSpPr>
         <p:spPr>
@@ -2366,7 +2465,7 @@
           </a:prstGeom>
         </p:spPr>
         <p:txBody>
-          <a:bodyPr anchorCtr="0" anchor="ctr" bIns="91425" lIns="91425" spcFirstLastPara="1" rIns="91425" wrap="square" tIns="91425">
+          <a:bodyPr spcFirstLastPara="1" wrap="square" lIns="91425" tIns="91425" rIns="91425" bIns="91425" anchor="ctr" anchorCtr="0">
             <a:normAutofit/>
           </a:bodyPr>
           <a:lstStyle>
@@ -2408,7 +2507,7 @@
             </a:lvl9pPr>
           </a:lstStyle>
           <a:p>
-            <a:pPr indent="0" lvl="0" marL="0" rtl="0" algn="r">
+            <a:pPr marL="0" lvl="0" indent="0" algn="r" rtl="0">
               <a:spcBef>
                 <a:spcPts val="0"/>
               </a:spcBef>
@@ -2430,15 +2529,27 @@
   <p:clrMapOvr>
     <a:masterClrMapping/>
   </p:clrMapOvr>
+  <mc:AlternateContent xmlns:mc="http://schemas.openxmlformats.org/markup-compatibility/2006" xmlns:p14="http://schemas.microsoft.com/office/powerpoint/2010/main">
+    <mc:Choice Requires="p14">
+      <p:transition p14:dur="10" advClick="0">
+        <p:pull/>
+      </p:transition>
+    </mc:Choice>
+    <mc:Fallback xmlns="">
+      <p:transition advClick="0">
+        <p:pull/>
+      </p:transition>
+    </mc:Fallback>
+  </mc:AlternateContent>
 </p:sldLayout>
 </file>
 
 <file path=ppt/slideLayouts/slideLayout11.xml><?xml version="1.0" encoding="utf-8"?>
-<p:sldLayout xmlns:a="http://schemas.openxmlformats.org/drawingml/2006/main" xmlns:r="http://schemas.openxmlformats.org/officeDocument/2006/relationships" xmlns:mc="http://schemas.openxmlformats.org/markup-compatibility/2006" xmlns:mv="urn:schemas-microsoft-com:mac:vml" xmlns:p="http://schemas.openxmlformats.org/presentationml/2006/main" xmlns:c="http://schemas.openxmlformats.org/drawingml/2006/chart" xmlns:dgm="http://schemas.openxmlformats.org/drawingml/2006/diagram" xmlns:o="urn:schemas-microsoft-com:office:office" xmlns:v="urn:schemas-microsoft-com:vml" xmlns:pvml="urn:schemas-microsoft-com:office:powerpoint" xmlns:com="http://schemas.openxmlformats.org/drawingml/2006/compatibility" xmlns:p14="http://schemas.microsoft.com/office/powerpoint/2010/main" xmlns:p15="http://schemas.microsoft.com/office/powerpoint/2012/main" xmlns:ahyp="http://schemas.microsoft.com/office/drawing/2018/hyperlinkcolor" matchingName="Blank" type="blank">
+<p:sldLayout xmlns:a="http://schemas.openxmlformats.org/drawingml/2006/main" xmlns:r="http://schemas.openxmlformats.org/officeDocument/2006/relationships" xmlns:p="http://schemas.openxmlformats.org/presentationml/2006/main" matchingName="Blank" type="blank">
   <p:cSld name="BLANK">
     <p:spTree>
       <p:nvGrpSpPr>
-        <p:cNvPr id="48" name="Shape 48"/>
+        <p:cNvPr id="1" name="Shape 48"/>
         <p:cNvGrpSpPr/>
         <p:nvPr/>
       </p:nvGrpSpPr>
@@ -2453,9 +2564,11 @@
       <p:sp>
         <p:nvSpPr>
           <p:cNvPr id="49" name="Google Shape;49;p12"/>
-          <p:cNvSpPr txBox="1"/>
+          <p:cNvSpPr txBox="1">
+            <a:spLocks noGrp="1"/>
+          </p:cNvSpPr>
           <p:nvPr>
-            <p:ph idx="12" type="sldNum"/>
+            <p:ph type="sldNum" idx="12"/>
           </p:nvPr>
         </p:nvSpPr>
         <p:spPr>
@@ -2468,7 +2581,7 @@
           </a:prstGeom>
         </p:spPr>
         <p:txBody>
-          <a:bodyPr anchorCtr="0" anchor="ctr" bIns="91425" lIns="91425" spcFirstLastPara="1" rIns="91425" wrap="square" tIns="91425">
+          <a:bodyPr spcFirstLastPara="1" wrap="square" lIns="91425" tIns="91425" rIns="91425" bIns="91425" anchor="ctr" anchorCtr="0">
             <a:normAutofit/>
           </a:bodyPr>
           <a:lstStyle>
@@ -2510,7 +2623,7 @@
             </a:lvl9pPr>
           </a:lstStyle>
           <a:p>
-            <a:pPr indent="0" lvl="0" marL="0" rtl="0" algn="r">
+            <a:pPr marL="0" lvl="0" indent="0" algn="r" rtl="0">
               <a:spcBef>
                 <a:spcPts val="0"/>
               </a:spcBef>
@@ -2532,15 +2645,27 @@
   <p:clrMapOvr>
     <a:masterClrMapping/>
   </p:clrMapOvr>
+  <mc:AlternateContent xmlns:mc="http://schemas.openxmlformats.org/markup-compatibility/2006" xmlns:p14="http://schemas.microsoft.com/office/powerpoint/2010/main">
+    <mc:Choice Requires="p14">
+      <p:transition p14:dur="10" advClick="0">
+        <p:pull/>
+      </p:transition>
+    </mc:Choice>
+    <mc:Fallback xmlns="">
+      <p:transition advClick="0">
+        <p:pull/>
+      </p:transition>
+    </mc:Fallback>
+  </mc:AlternateContent>
 </p:sldLayout>
 </file>
 
 <file path=ppt/slideLayouts/slideLayout2.xml><?xml version="1.0" encoding="utf-8"?>
-<p:sldLayout xmlns:a="http://schemas.openxmlformats.org/drawingml/2006/main" xmlns:r="http://schemas.openxmlformats.org/officeDocument/2006/relationships" xmlns:mc="http://schemas.openxmlformats.org/markup-compatibility/2006" xmlns:mv="urn:schemas-microsoft-com:mac:vml" xmlns:p="http://schemas.openxmlformats.org/presentationml/2006/main" xmlns:c="http://schemas.openxmlformats.org/drawingml/2006/chart" xmlns:dgm="http://schemas.openxmlformats.org/drawingml/2006/diagram" xmlns:o="urn:schemas-microsoft-com:office:office" xmlns:v="urn:schemas-microsoft-com:vml" xmlns:pvml="urn:schemas-microsoft-com:office:powerpoint" xmlns:com="http://schemas.openxmlformats.org/drawingml/2006/compatibility" xmlns:p14="http://schemas.microsoft.com/office/powerpoint/2010/main" xmlns:p15="http://schemas.microsoft.com/office/powerpoint/2012/main" xmlns:ahyp="http://schemas.microsoft.com/office/drawing/2018/hyperlinkcolor" matchingName="Section header" type="secHead">
+<p:sldLayout xmlns:a="http://schemas.openxmlformats.org/drawingml/2006/main" xmlns:r="http://schemas.openxmlformats.org/officeDocument/2006/relationships" xmlns:p="http://schemas.openxmlformats.org/presentationml/2006/main" matchingName="Section header" type="secHead">
   <p:cSld name="SECTION_HEADER">
     <p:spTree>
       <p:nvGrpSpPr>
-        <p:cNvPr id="13" name="Shape 13"/>
+        <p:cNvPr id="1" name="Shape 13"/>
         <p:cNvGrpSpPr/>
         <p:nvPr/>
       </p:nvGrpSpPr>
@@ -2555,7 +2680,9 @@
       <p:sp>
         <p:nvSpPr>
           <p:cNvPr id="14" name="Google Shape;14;p3"/>
-          <p:cNvSpPr txBox="1"/>
+          <p:cNvSpPr txBox="1">
+            <a:spLocks noGrp="1"/>
+          </p:cNvSpPr>
           <p:nvPr>
             <p:ph type="title"/>
           </p:nvPr>
@@ -2570,7 +2697,7 @@
           </a:prstGeom>
         </p:spPr>
         <p:txBody>
-          <a:bodyPr anchorCtr="0" anchor="ctr" bIns="91425" lIns="91425" spcFirstLastPara="1" rIns="91425" wrap="square" tIns="91425">
+          <a:bodyPr spcFirstLastPara="1" wrap="square" lIns="91425" tIns="91425" rIns="91425" bIns="91425" anchor="ctr" anchorCtr="0">
             <a:normAutofit/>
           </a:bodyPr>
           <a:lstStyle>
@@ -2674,15 +2801,19 @@
               <a:defRPr sz="3600"/>
             </a:lvl9pPr>
           </a:lstStyle>
-          <a:p/>
+          <a:p>
+            <a:endParaRPr/>
+          </a:p>
         </p:txBody>
       </p:sp>
       <p:sp>
         <p:nvSpPr>
           <p:cNvPr id="15" name="Google Shape;15;p3"/>
-          <p:cNvSpPr txBox="1"/>
+          <p:cNvSpPr txBox="1">
+            <a:spLocks noGrp="1"/>
+          </p:cNvSpPr>
           <p:nvPr>
-            <p:ph idx="12" type="sldNum"/>
+            <p:ph type="sldNum" idx="12"/>
           </p:nvPr>
         </p:nvSpPr>
         <p:spPr>
@@ -2695,7 +2826,7 @@
           </a:prstGeom>
         </p:spPr>
         <p:txBody>
-          <a:bodyPr anchorCtr="0" anchor="ctr" bIns="91425" lIns="91425" spcFirstLastPara="1" rIns="91425" wrap="square" tIns="91425">
+          <a:bodyPr spcFirstLastPara="1" wrap="square" lIns="91425" tIns="91425" rIns="91425" bIns="91425" anchor="ctr" anchorCtr="0">
             <a:normAutofit/>
           </a:bodyPr>
           <a:lstStyle>
@@ -2737,7 +2868,7 @@
             </a:lvl9pPr>
           </a:lstStyle>
           <a:p>
-            <a:pPr indent="0" lvl="0" marL="0" rtl="0" algn="r">
+            <a:pPr marL="0" lvl="0" indent="0" algn="r" rtl="0">
               <a:spcBef>
                 <a:spcPts val="0"/>
               </a:spcBef>
@@ -2759,15 +2890,27 @@
   <p:clrMapOvr>
     <a:masterClrMapping/>
   </p:clrMapOvr>
+  <mc:AlternateContent xmlns:mc="http://schemas.openxmlformats.org/markup-compatibility/2006" xmlns:p14="http://schemas.microsoft.com/office/powerpoint/2010/main">
+    <mc:Choice Requires="p14">
+      <p:transition p14:dur="10" advClick="0">
+        <p:pull/>
+      </p:transition>
+    </mc:Choice>
+    <mc:Fallback xmlns="">
+      <p:transition advClick="0">
+        <p:pull/>
+      </p:transition>
+    </mc:Fallback>
+  </mc:AlternateContent>
 </p:sldLayout>
 </file>
 
 <file path=ppt/slideLayouts/slideLayout3.xml><?xml version="1.0" encoding="utf-8"?>
-<p:sldLayout xmlns:a="http://schemas.openxmlformats.org/drawingml/2006/main" xmlns:r="http://schemas.openxmlformats.org/officeDocument/2006/relationships" xmlns:mc="http://schemas.openxmlformats.org/markup-compatibility/2006" xmlns:mv="urn:schemas-microsoft-com:mac:vml" xmlns:p="http://schemas.openxmlformats.org/presentationml/2006/main" xmlns:c="http://schemas.openxmlformats.org/drawingml/2006/chart" xmlns:dgm="http://schemas.openxmlformats.org/drawingml/2006/diagram" xmlns:o="urn:schemas-microsoft-com:office:office" xmlns:v="urn:schemas-microsoft-com:vml" xmlns:pvml="urn:schemas-microsoft-com:office:powerpoint" xmlns:com="http://schemas.openxmlformats.org/drawingml/2006/compatibility" xmlns:p14="http://schemas.microsoft.com/office/powerpoint/2010/main" xmlns:p15="http://schemas.microsoft.com/office/powerpoint/2012/main" xmlns:ahyp="http://schemas.microsoft.com/office/drawing/2018/hyperlinkcolor" matchingName="Title and body" type="tx">
+<p:sldLayout xmlns:a="http://schemas.openxmlformats.org/drawingml/2006/main" xmlns:r="http://schemas.openxmlformats.org/officeDocument/2006/relationships" xmlns:p="http://schemas.openxmlformats.org/presentationml/2006/main" matchingName="Title and body" type="tx">
   <p:cSld name="TITLE_AND_BODY">
     <p:spTree>
       <p:nvGrpSpPr>
-        <p:cNvPr id="16" name="Shape 16"/>
+        <p:cNvPr id="1" name="Shape 16"/>
         <p:cNvGrpSpPr/>
         <p:nvPr/>
       </p:nvGrpSpPr>
@@ -2782,7 +2925,9 @@
       <p:sp>
         <p:nvSpPr>
           <p:cNvPr id="17" name="Google Shape;17;p4"/>
-          <p:cNvSpPr txBox="1"/>
+          <p:cNvSpPr txBox="1">
+            <a:spLocks noGrp="1"/>
+          </p:cNvSpPr>
           <p:nvPr>
             <p:ph type="title"/>
           </p:nvPr>
@@ -2797,7 +2942,7 @@
           </a:prstGeom>
         </p:spPr>
         <p:txBody>
-          <a:bodyPr anchorCtr="0" anchor="t" bIns="91425" lIns="91425" spcFirstLastPara="1" rIns="91425" wrap="square" tIns="91425">
+          <a:bodyPr spcFirstLastPara="1" wrap="square" lIns="91425" tIns="91425" rIns="91425" bIns="91425" anchor="t" anchorCtr="0">
             <a:normAutofit/>
           </a:bodyPr>
           <a:lstStyle>
@@ -2901,15 +3046,19 @@
               <a:defRPr/>
             </a:lvl9pPr>
           </a:lstStyle>
-          <a:p/>
+          <a:p>
+            <a:endParaRPr/>
+          </a:p>
         </p:txBody>
       </p:sp>
       <p:sp>
         <p:nvSpPr>
           <p:cNvPr id="18" name="Google Shape;18;p4"/>
-          <p:cNvSpPr txBox="1"/>
+          <p:cNvSpPr txBox="1">
+            <a:spLocks noGrp="1"/>
+          </p:cNvSpPr>
           <p:nvPr>
-            <p:ph idx="1" type="body"/>
+            <p:ph type="body" idx="1"/>
           </p:nvPr>
         </p:nvSpPr>
         <p:spPr>
@@ -2922,11 +3071,11 @@
           </a:prstGeom>
         </p:spPr>
         <p:txBody>
-          <a:bodyPr anchorCtr="0" anchor="t" bIns="91425" lIns="91425" spcFirstLastPara="1" rIns="91425" wrap="square" tIns="91425">
+          <a:bodyPr spcFirstLastPara="1" wrap="square" lIns="91425" tIns="91425" rIns="91425" bIns="91425" anchor="t" anchorCtr="0">
             <a:normAutofit/>
           </a:bodyPr>
           <a:lstStyle>
-            <a:lvl1pPr indent="-342900" lvl="0" marL="457200">
+            <a:lvl1pPr marL="457200" lvl="0" indent="-342900">
               <a:spcBef>
                 <a:spcPts val="0"/>
               </a:spcBef>
@@ -2937,7 +3086,7 @@
               <a:buChar char="●"/>
               <a:defRPr/>
             </a:lvl1pPr>
-            <a:lvl2pPr indent="-317500" lvl="1" marL="914400">
+            <a:lvl2pPr marL="914400" lvl="1" indent="-317500">
               <a:spcBef>
                 <a:spcPts val="0"/>
               </a:spcBef>
@@ -2948,7 +3097,7 @@
               <a:buChar char="○"/>
               <a:defRPr/>
             </a:lvl2pPr>
-            <a:lvl3pPr indent="-317500" lvl="2" marL="1371600">
+            <a:lvl3pPr marL="1371600" lvl="2" indent="-317500">
               <a:spcBef>
                 <a:spcPts val="0"/>
               </a:spcBef>
@@ -2959,7 +3108,7 @@
               <a:buChar char="■"/>
               <a:defRPr/>
             </a:lvl3pPr>
-            <a:lvl4pPr indent="-317500" lvl="3" marL="1828800">
+            <a:lvl4pPr marL="1828800" lvl="3" indent="-317500">
               <a:spcBef>
                 <a:spcPts val="0"/>
               </a:spcBef>
@@ -2970,7 +3119,7 @@
               <a:buChar char="●"/>
               <a:defRPr/>
             </a:lvl4pPr>
-            <a:lvl5pPr indent="-317500" lvl="4" marL="2286000">
+            <a:lvl5pPr marL="2286000" lvl="4" indent="-317500">
               <a:spcBef>
                 <a:spcPts val="0"/>
               </a:spcBef>
@@ -2981,7 +3130,7 @@
               <a:buChar char="○"/>
               <a:defRPr/>
             </a:lvl5pPr>
-            <a:lvl6pPr indent="-317500" lvl="5" marL="2743200">
+            <a:lvl6pPr marL="2743200" lvl="5" indent="-317500">
               <a:spcBef>
                 <a:spcPts val="0"/>
               </a:spcBef>
@@ -2992,7 +3141,7 @@
               <a:buChar char="■"/>
               <a:defRPr/>
             </a:lvl6pPr>
-            <a:lvl7pPr indent="-317500" lvl="6" marL="3200400">
+            <a:lvl7pPr marL="3200400" lvl="6" indent="-317500">
               <a:spcBef>
                 <a:spcPts val="0"/>
               </a:spcBef>
@@ -3003,7 +3152,7 @@
               <a:buChar char="●"/>
               <a:defRPr/>
             </a:lvl7pPr>
-            <a:lvl8pPr indent="-317500" lvl="7" marL="3657600">
+            <a:lvl8pPr marL="3657600" lvl="7" indent="-317500">
               <a:spcBef>
                 <a:spcPts val="0"/>
               </a:spcBef>
@@ -3014,7 +3163,7 @@
               <a:buChar char="○"/>
               <a:defRPr/>
             </a:lvl8pPr>
-            <a:lvl9pPr indent="-317500" lvl="8" marL="4114800">
+            <a:lvl9pPr marL="4114800" lvl="8" indent="-317500">
               <a:spcBef>
                 <a:spcPts val="0"/>
               </a:spcBef>
@@ -3026,15 +3175,19 @@
               <a:defRPr/>
             </a:lvl9pPr>
           </a:lstStyle>
-          <a:p/>
+          <a:p>
+            <a:endParaRPr/>
+          </a:p>
         </p:txBody>
       </p:sp>
       <p:sp>
         <p:nvSpPr>
           <p:cNvPr id="19" name="Google Shape;19;p4"/>
-          <p:cNvSpPr txBox="1"/>
+          <p:cNvSpPr txBox="1">
+            <a:spLocks noGrp="1"/>
+          </p:cNvSpPr>
           <p:nvPr>
-            <p:ph idx="12" type="sldNum"/>
+            <p:ph type="sldNum" idx="12"/>
           </p:nvPr>
         </p:nvSpPr>
         <p:spPr>
@@ -3047,7 +3200,7 @@
           </a:prstGeom>
         </p:spPr>
         <p:txBody>
-          <a:bodyPr anchorCtr="0" anchor="ctr" bIns="91425" lIns="91425" spcFirstLastPara="1" rIns="91425" wrap="square" tIns="91425">
+          <a:bodyPr spcFirstLastPara="1" wrap="square" lIns="91425" tIns="91425" rIns="91425" bIns="91425" anchor="ctr" anchorCtr="0">
             <a:normAutofit/>
           </a:bodyPr>
           <a:lstStyle>
@@ -3089,7 +3242,7 @@
             </a:lvl9pPr>
           </a:lstStyle>
           <a:p>
-            <a:pPr indent="0" lvl="0" marL="0" rtl="0" algn="r">
+            <a:pPr marL="0" lvl="0" indent="0" algn="r" rtl="0">
               <a:spcBef>
                 <a:spcPts val="0"/>
               </a:spcBef>
@@ -3111,15 +3264,27 @@
   <p:clrMapOvr>
     <a:masterClrMapping/>
   </p:clrMapOvr>
+  <mc:AlternateContent xmlns:mc="http://schemas.openxmlformats.org/markup-compatibility/2006" xmlns:p14="http://schemas.microsoft.com/office/powerpoint/2010/main">
+    <mc:Choice Requires="p14">
+      <p:transition p14:dur="10" advClick="0">
+        <p:pull/>
+      </p:transition>
+    </mc:Choice>
+    <mc:Fallback xmlns="">
+      <p:transition advClick="0">
+        <p:pull/>
+      </p:transition>
+    </mc:Fallback>
+  </mc:AlternateContent>
 </p:sldLayout>
 </file>
 
 <file path=ppt/slideLayouts/slideLayout4.xml><?xml version="1.0" encoding="utf-8"?>
-<p:sldLayout xmlns:a="http://schemas.openxmlformats.org/drawingml/2006/main" xmlns:r="http://schemas.openxmlformats.org/officeDocument/2006/relationships" xmlns:mc="http://schemas.openxmlformats.org/markup-compatibility/2006" xmlns:mv="urn:schemas-microsoft-com:mac:vml" xmlns:p="http://schemas.openxmlformats.org/presentationml/2006/main" xmlns:c="http://schemas.openxmlformats.org/drawingml/2006/chart" xmlns:dgm="http://schemas.openxmlformats.org/drawingml/2006/diagram" xmlns:o="urn:schemas-microsoft-com:office:office" xmlns:v="urn:schemas-microsoft-com:vml" xmlns:pvml="urn:schemas-microsoft-com:office:powerpoint" xmlns:com="http://schemas.openxmlformats.org/drawingml/2006/compatibility" xmlns:p14="http://schemas.microsoft.com/office/powerpoint/2010/main" xmlns:p15="http://schemas.microsoft.com/office/powerpoint/2012/main" xmlns:ahyp="http://schemas.microsoft.com/office/drawing/2018/hyperlinkcolor" matchingName="Title and two columns" type="twoColTx">
+<p:sldLayout xmlns:a="http://schemas.openxmlformats.org/drawingml/2006/main" xmlns:r="http://schemas.openxmlformats.org/officeDocument/2006/relationships" xmlns:p="http://schemas.openxmlformats.org/presentationml/2006/main" matchingName="Title and two columns" type="twoColTx">
   <p:cSld name="TITLE_AND_TWO_COLUMNS">
     <p:spTree>
       <p:nvGrpSpPr>
-        <p:cNvPr id="20" name="Shape 20"/>
+        <p:cNvPr id="1" name="Shape 20"/>
         <p:cNvGrpSpPr/>
         <p:nvPr/>
       </p:nvGrpSpPr>
@@ -3134,7 +3299,9 @@
       <p:sp>
         <p:nvSpPr>
           <p:cNvPr id="21" name="Google Shape;21;p5"/>
-          <p:cNvSpPr txBox="1"/>
+          <p:cNvSpPr txBox="1">
+            <a:spLocks noGrp="1"/>
+          </p:cNvSpPr>
           <p:nvPr>
             <p:ph type="title"/>
           </p:nvPr>
@@ -3149,7 +3316,7 @@
           </a:prstGeom>
         </p:spPr>
         <p:txBody>
-          <a:bodyPr anchorCtr="0" anchor="t" bIns="91425" lIns="91425" spcFirstLastPara="1" rIns="91425" wrap="square" tIns="91425">
+          <a:bodyPr spcFirstLastPara="1" wrap="square" lIns="91425" tIns="91425" rIns="91425" bIns="91425" anchor="t" anchorCtr="0">
             <a:normAutofit/>
           </a:bodyPr>
           <a:lstStyle>
@@ -3253,15 +3420,19 @@
               <a:defRPr/>
             </a:lvl9pPr>
           </a:lstStyle>
-          <a:p/>
+          <a:p>
+            <a:endParaRPr/>
+          </a:p>
         </p:txBody>
       </p:sp>
       <p:sp>
         <p:nvSpPr>
           <p:cNvPr id="22" name="Google Shape;22;p5"/>
-          <p:cNvSpPr txBox="1"/>
+          <p:cNvSpPr txBox="1">
+            <a:spLocks noGrp="1"/>
+          </p:cNvSpPr>
           <p:nvPr>
-            <p:ph idx="1" type="body"/>
+            <p:ph type="body" idx="1"/>
           </p:nvPr>
         </p:nvSpPr>
         <p:spPr>
@@ -3274,11 +3445,11 @@
           </a:prstGeom>
         </p:spPr>
         <p:txBody>
-          <a:bodyPr anchorCtr="0" anchor="t" bIns="91425" lIns="91425" spcFirstLastPara="1" rIns="91425" wrap="square" tIns="91425">
+          <a:bodyPr spcFirstLastPara="1" wrap="square" lIns="91425" tIns="91425" rIns="91425" bIns="91425" anchor="t" anchorCtr="0">
             <a:normAutofit/>
           </a:bodyPr>
           <a:lstStyle>
-            <a:lvl1pPr indent="-317500" lvl="0" marL="457200">
+            <a:lvl1pPr marL="457200" lvl="0" indent="-317500">
               <a:spcBef>
                 <a:spcPts val="0"/>
               </a:spcBef>
@@ -3289,7 +3460,7 @@
               <a:buChar char="●"/>
               <a:defRPr sz="1400"/>
             </a:lvl1pPr>
-            <a:lvl2pPr indent="-304800" lvl="1" marL="914400">
+            <a:lvl2pPr marL="914400" lvl="1" indent="-304800">
               <a:spcBef>
                 <a:spcPts val="0"/>
               </a:spcBef>
@@ -3300,7 +3471,7 @@
               <a:buChar char="○"/>
               <a:defRPr sz="1200"/>
             </a:lvl2pPr>
-            <a:lvl3pPr indent="-304800" lvl="2" marL="1371600">
+            <a:lvl3pPr marL="1371600" lvl="2" indent="-304800">
               <a:spcBef>
                 <a:spcPts val="0"/>
               </a:spcBef>
@@ -3311,7 +3482,7 @@
               <a:buChar char="■"/>
               <a:defRPr sz="1200"/>
             </a:lvl3pPr>
-            <a:lvl4pPr indent="-304800" lvl="3" marL="1828800">
+            <a:lvl4pPr marL="1828800" lvl="3" indent="-304800">
               <a:spcBef>
                 <a:spcPts val="0"/>
               </a:spcBef>
@@ -3322,7 +3493,7 @@
               <a:buChar char="●"/>
               <a:defRPr sz="1200"/>
             </a:lvl4pPr>
-            <a:lvl5pPr indent="-304800" lvl="4" marL="2286000">
+            <a:lvl5pPr marL="2286000" lvl="4" indent="-304800">
               <a:spcBef>
                 <a:spcPts val="0"/>
               </a:spcBef>
@@ -3333,7 +3504,7 @@
               <a:buChar char="○"/>
               <a:defRPr sz="1200"/>
             </a:lvl5pPr>
-            <a:lvl6pPr indent="-304800" lvl="5" marL="2743200">
+            <a:lvl6pPr marL="2743200" lvl="5" indent="-304800">
               <a:spcBef>
                 <a:spcPts val="0"/>
               </a:spcBef>
@@ -3344,7 +3515,7 @@
               <a:buChar char="■"/>
               <a:defRPr sz="1200"/>
             </a:lvl6pPr>
-            <a:lvl7pPr indent="-304800" lvl="6" marL="3200400">
+            <a:lvl7pPr marL="3200400" lvl="6" indent="-304800">
               <a:spcBef>
                 <a:spcPts val="0"/>
               </a:spcBef>
@@ -3355,7 +3526,7 @@
               <a:buChar char="●"/>
               <a:defRPr sz="1200"/>
             </a:lvl7pPr>
-            <a:lvl8pPr indent="-304800" lvl="7" marL="3657600">
+            <a:lvl8pPr marL="3657600" lvl="7" indent="-304800">
               <a:spcBef>
                 <a:spcPts val="0"/>
               </a:spcBef>
@@ -3366,7 +3537,7 @@
               <a:buChar char="○"/>
               <a:defRPr sz="1200"/>
             </a:lvl8pPr>
-            <a:lvl9pPr indent="-304800" lvl="8" marL="4114800">
+            <a:lvl9pPr marL="4114800" lvl="8" indent="-304800">
               <a:spcBef>
                 <a:spcPts val="0"/>
               </a:spcBef>
@@ -3378,15 +3549,19 @@
               <a:defRPr sz="1200"/>
             </a:lvl9pPr>
           </a:lstStyle>
-          <a:p/>
+          <a:p>
+            <a:endParaRPr/>
+          </a:p>
         </p:txBody>
       </p:sp>
       <p:sp>
         <p:nvSpPr>
           <p:cNvPr id="23" name="Google Shape;23;p5"/>
-          <p:cNvSpPr txBox="1"/>
+          <p:cNvSpPr txBox="1">
+            <a:spLocks noGrp="1"/>
+          </p:cNvSpPr>
           <p:nvPr>
-            <p:ph idx="2" type="body"/>
+            <p:ph type="body" idx="2"/>
           </p:nvPr>
         </p:nvSpPr>
         <p:spPr>
@@ -3399,11 +3574,11 @@
           </a:prstGeom>
         </p:spPr>
         <p:txBody>
-          <a:bodyPr anchorCtr="0" anchor="t" bIns="91425" lIns="91425" spcFirstLastPara="1" rIns="91425" wrap="square" tIns="91425">
+          <a:bodyPr spcFirstLastPara="1" wrap="square" lIns="91425" tIns="91425" rIns="91425" bIns="91425" anchor="t" anchorCtr="0">
             <a:normAutofit/>
           </a:bodyPr>
           <a:lstStyle>
-            <a:lvl1pPr indent="-317500" lvl="0" marL="457200">
+            <a:lvl1pPr marL="457200" lvl="0" indent="-317500">
               <a:spcBef>
                 <a:spcPts val="0"/>
               </a:spcBef>
@@ -3414,7 +3589,7 @@
               <a:buChar char="●"/>
               <a:defRPr sz="1400"/>
             </a:lvl1pPr>
-            <a:lvl2pPr indent="-304800" lvl="1" marL="914400">
+            <a:lvl2pPr marL="914400" lvl="1" indent="-304800">
               <a:spcBef>
                 <a:spcPts val="0"/>
               </a:spcBef>
@@ -3425,7 +3600,7 @@
               <a:buChar char="○"/>
               <a:defRPr sz="1200"/>
             </a:lvl2pPr>
-            <a:lvl3pPr indent="-304800" lvl="2" marL="1371600">
+            <a:lvl3pPr marL="1371600" lvl="2" indent="-304800">
               <a:spcBef>
                 <a:spcPts val="0"/>
               </a:spcBef>
@@ -3436,7 +3611,7 @@
               <a:buChar char="■"/>
               <a:defRPr sz="1200"/>
             </a:lvl3pPr>
-            <a:lvl4pPr indent="-304800" lvl="3" marL="1828800">
+            <a:lvl4pPr marL="1828800" lvl="3" indent="-304800">
               <a:spcBef>
                 <a:spcPts val="0"/>
               </a:spcBef>
@@ -3447,7 +3622,7 @@
               <a:buChar char="●"/>
               <a:defRPr sz="1200"/>
             </a:lvl4pPr>
-            <a:lvl5pPr indent="-304800" lvl="4" marL="2286000">
+            <a:lvl5pPr marL="2286000" lvl="4" indent="-304800">
               <a:spcBef>
                 <a:spcPts val="0"/>
               </a:spcBef>
@@ -3458,7 +3633,7 @@
               <a:buChar char="○"/>
               <a:defRPr sz="1200"/>
             </a:lvl5pPr>
-            <a:lvl6pPr indent="-304800" lvl="5" marL="2743200">
+            <a:lvl6pPr marL="2743200" lvl="5" indent="-304800">
               <a:spcBef>
                 <a:spcPts val="0"/>
               </a:spcBef>
@@ -3469,7 +3644,7 @@
               <a:buChar char="■"/>
               <a:defRPr sz="1200"/>
             </a:lvl6pPr>
-            <a:lvl7pPr indent="-304800" lvl="6" marL="3200400">
+            <a:lvl7pPr marL="3200400" lvl="6" indent="-304800">
               <a:spcBef>
                 <a:spcPts val="0"/>
               </a:spcBef>
@@ -3480,7 +3655,7 @@
               <a:buChar char="●"/>
               <a:defRPr sz="1200"/>
             </a:lvl7pPr>
-            <a:lvl8pPr indent="-304800" lvl="7" marL="3657600">
+            <a:lvl8pPr marL="3657600" lvl="7" indent="-304800">
               <a:spcBef>
                 <a:spcPts val="0"/>
               </a:spcBef>
@@ -3491,7 +3666,7 @@
               <a:buChar char="○"/>
               <a:defRPr sz="1200"/>
             </a:lvl8pPr>
-            <a:lvl9pPr indent="-304800" lvl="8" marL="4114800">
+            <a:lvl9pPr marL="4114800" lvl="8" indent="-304800">
               <a:spcBef>
                 <a:spcPts val="0"/>
               </a:spcBef>
@@ -3503,15 +3678,19 @@
               <a:defRPr sz="1200"/>
             </a:lvl9pPr>
           </a:lstStyle>
-          <a:p/>
+          <a:p>
+            <a:endParaRPr/>
+          </a:p>
         </p:txBody>
       </p:sp>
       <p:sp>
         <p:nvSpPr>
           <p:cNvPr id="24" name="Google Shape;24;p5"/>
-          <p:cNvSpPr txBox="1"/>
+          <p:cNvSpPr txBox="1">
+            <a:spLocks noGrp="1"/>
+          </p:cNvSpPr>
           <p:nvPr>
-            <p:ph idx="12" type="sldNum"/>
+            <p:ph type="sldNum" idx="12"/>
           </p:nvPr>
         </p:nvSpPr>
         <p:spPr>
@@ -3524,7 +3703,7 @@
           </a:prstGeom>
         </p:spPr>
         <p:txBody>
-          <a:bodyPr anchorCtr="0" anchor="ctr" bIns="91425" lIns="91425" spcFirstLastPara="1" rIns="91425" wrap="square" tIns="91425">
+          <a:bodyPr spcFirstLastPara="1" wrap="square" lIns="91425" tIns="91425" rIns="91425" bIns="91425" anchor="ctr" anchorCtr="0">
             <a:normAutofit/>
           </a:bodyPr>
           <a:lstStyle>
@@ -3566,7 +3745,7 @@
             </a:lvl9pPr>
           </a:lstStyle>
           <a:p>
-            <a:pPr indent="0" lvl="0" marL="0" rtl="0" algn="r">
+            <a:pPr marL="0" lvl="0" indent="0" algn="r" rtl="0">
               <a:spcBef>
                 <a:spcPts val="0"/>
               </a:spcBef>
@@ -3588,15 +3767,27 @@
   <p:clrMapOvr>
     <a:masterClrMapping/>
   </p:clrMapOvr>
+  <mc:AlternateContent xmlns:mc="http://schemas.openxmlformats.org/markup-compatibility/2006" xmlns:p14="http://schemas.microsoft.com/office/powerpoint/2010/main">
+    <mc:Choice Requires="p14">
+      <p:transition p14:dur="10" advClick="0">
+        <p:pull/>
+      </p:transition>
+    </mc:Choice>
+    <mc:Fallback xmlns="">
+      <p:transition advClick="0">
+        <p:pull/>
+      </p:transition>
+    </mc:Fallback>
+  </mc:AlternateContent>
 </p:sldLayout>
 </file>
 
 <file path=ppt/slideLayouts/slideLayout5.xml><?xml version="1.0" encoding="utf-8"?>
-<p:sldLayout xmlns:a="http://schemas.openxmlformats.org/drawingml/2006/main" xmlns:r="http://schemas.openxmlformats.org/officeDocument/2006/relationships" xmlns:mc="http://schemas.openxmlformats.org/markup-compatibility/2006" xmlns:mv="urn:schemas-microsoft-com:mac:vml" xmlns:p="http://schemas.openxmlformats.org/presentationml/2006/main" xmlns:c="http://schemas.openxmlformats.org/drawingml/2006/chart" xmlns:dgm="http://schemas.openxmlformats.org/drawingml/2006/diagram" xmlns:o="urn:schemas-microsoft-com:office:office" xmlns:v="urn:schemas-microsoft-com:vml" xmlns:pvml="urn:schemas-microsoft-com:office:powerpoint" xmlns:com="http://schemas.openxmlformats.org/drawingml/2006/compatibility" xmlns:p14="http://schemas.microsoft.com/office/powerpoint/2010/main" xmlns:p15="http://schemas.microsoft.com/office/powerpoint/2012/main" xmlns:ahyp="http://schemas.microsoft.com/office/drawing/2018/hyperlinkcolor" matchingName="Title only" type="titleOnly">
+<p:sldLayout xmlns:a="http://schemas.openxmlformats.org/drawingml/2006/main" xmlns:r="http://schemas.openxmlformats.org/officeDocument/2006/relationships" xmlns:p="http://schemas.openxmlformats.org/presentationml/2006/main" matchingName="Title only" type="titleOnly">
   <p:cSld name="TITLE_ONLY">
     <p:spTree>
       <p:nvGrpSpPr>
-        <p:cNvPr id="25" name="Shape 25"/>
+        <p:cNvPr id="1" name="Shape 25"/>
         <p:cNvGrpSpPr/>
         <p:nvPr/>
       </p:nvGrpSpPr>
@@ -3611,7 +3802,9 @@
       <p:sp>
         <p:nvSpPr>
           <p:cNvPr id="26" name="Google Shape;26;p6"/>
-          <p:cNvSpPr txBox="1"/>
+          <p:cNvSpPr txBox="1">
+            <a:spLocks noGrp="1"/>
+          </p:cNvSpPr>
           <p:nvPr>
             <p:ph type="title"/>
           </p:nvPr>
@@ -3626,7 +3819,7 @@
           </a:prstGeom>
         </p:spPr>
         <p:txBody>
-          <a:bodyPr anchorCtr="0" anchor="t" bIns="91425" lIns="91425" spcFirstLastPara="1" rIns="91425" wrap="square" tIns="91425">
+          <a:bodyPr spcFirstLastPara="1" wrap="square" lIns="91425" tIns="91425" rIns="91425" bIns="91425" anchor="t" anchorCtr="0">
             <a:normAutofit/>
           </a:bodyPr>
           <a:lstStyle>
@@ -3730,15 +3923,19 @@
               <a:defRPr/>
             </a:lvl9pPr>
           </a:lstStyle>
-          <a:p/>
+          <a:p>
+            <a:endParaRPr/>
+          </a:p>
         </p:txBody>
       </p:sp>
       <p:sp>
         <p:nvSpPr>
           <p:cNvPr id="27" name="Google Shape;27;p6"/>
-          <p:cNvSpPr txBox="1"/>
+          <p:cNvSpPr txBox="1">
+            <a:spLocks noGrp="1"/>
+          </p:cNvSpPr>
           <p:nvPr>
-            <p:ph idx="12" type="sldNum"/>
+            <p:ph type="sldNum" idx="12"/>
           </p:nvPr>
         </p:nvSpPr>
         <p:spPr>
@@ -3751,7 +3948,7 @@
           </a:prstGeom>
         </p:spPr>
         <p:txBody>
-          <a:bodyPr anchorCtr="0" anchor="ctr" bIns="91425" lIns="91425" spcFirstLastPara="1" rIns="91425" wrap="square" tIns="91425">
+          <a:bodyPr spcFirstLastPara="1" wrap="square" lIns="91425" tIns="91425" rIns="91425" bIns="91425" anchor="ctr" anchorCtr="0">
             <a:normAutofit/>
           </a:bodyPr>
           <a:lstStyle>
@@ -3793,7 +3990,7 @@
             </a:lvl9pPr>
           </a:lstStyle>
           <a:p>
-            <a:pPr indent="0" lvl="0" marL="0" rtl="0" algn="r">
+            <a:pPr marL="0" lvl="0" indent="0" algn="r" rtl="0">
               <a:spcBef>
                 <a:spcPts val="0"/>
               </a:spcBef>
@@ -3815,15 +4012,27 @@
   <p:clrMapOvr>
     <a:masterClrMapping/>
   </p:clrMapOvr>
+  <mc:AlternateContent xmlns:mc="http://schemas.openxmlformats.org/markup-compatibility/2006" xmlns:p14="http://schemas.microsoft.com/office/powerpoint/2010/main">
+    <mc:Choice Requires="p14">
+      <p:transition p14:dur="10" advClick="0">
+        <p:pull/>
+      </p:transition>
+    </mc:Choice>
+    <mc:Fallback xmlns="">
+      <p:transition advClick="0">
+        <p:pull/>
+      </p:transition>
+    </mc:Fallback>
+  </mc:AlternateContent>
 </p:sldLayout>
 </file>
 
 <file path=ppt/slideLayouts/slideLayout6.xml><?xml version="1.0" encoding="utf-8"?>
-<p:sldLayout xmlns:a="http://schemas.openxmlformats.org/drawingml/2006/main" xmlns:r="http://schemas.openxmlformats.org/officeDocument/2006/relationships" xmlns:mc="http://schemas.openxmlformats.org/markup-compatibility/2006" xmlns:mv="urn:schemas-microsoft-com:mac:vml" xmlns:p="http://schemas.openxmlformats.org/presentationml/2006/main" xmlns:c="http://schemas.openxmlformats.org/drawingml/2006/chart" xmlns:dgm="http://schemas.openxmlformats.org/drawingml/2006/diagram" xmlns:o="urn:schemas-microsoft-com:office:office" xmlns:v="urn:schemas-microsoft-com:vml" xmlns:pvml="urn:schemas-microsoft-com:office:powerpoint" xmlns:com="http://schemas.openxmlformats.org/drawingml/2006/compatibility" xmlns:p14="http://schemas.microsoft.com/office/powerpoint/2010/main" xmlns:p15="http://schemas.microsoft.com/office/powerpoint/2012/main" xmlns:ahyp="http://schemas.microsoft.com/office/drawing/2018/hyperlinkcolor" matchingName="One column text">
+<p:sldLayout xmlns:a="http://schemas.openxmlformats.org/drawingml/2006/main" xmlns:r="http://schemas.openxmlformats.org/officeDocument/2006/relationships" xmlns:p="http://schemas.openxmlformats.org/presentationml/2006/main" matchingName="One column text">
   <p:cSld name="ONE_COLUMN_TEXT">
     <p:spTree>
       <p:nvGrpSpPr>
-        <p:cNvPr id="28" name="Shape 28"/>
+        <p:cNvPr id="1" name="Shape 28"/>
         <p:cNvGrpSpPr/>
         <p:nvPr/>
       </p:nvGrpSpPr>
@@ -3838,7 +4047,9 @@
       <p:sp>
         <p:nvSpPr>
           <p:cNvPr id="29" name="Google Shape;29;p7"/>
-          <p:cNvSpPr txBox="1"/>
+          <p:cNvSpPr txBox="1">
+            <a:spLocks noGrp="1"/>
+          </p:cNvSpPr>
           <p:nvPr>
             <p:ph type="title"/>
           </p:nvPr>
@@ -3853,7 +4064,7 @@
           </a:prstGeom>
         </p:spPr>
         <p:txBody>
-          <a:bodyPr anchorCtr="0" anchor="b" bIns="91425" lIns="91425" spcFirstLastPara="1" rIns="91425" wrap="square" tIns="91425">
+          <a:bodyPr spcFirstLastPara="1" wrap="square" lIns="91425" tIns="91425" rIns="91425" bIns="91425" anchor="b" anchorCtr="0">
             <a:normAutofit/>
           </a:bodyPr>
           <a:lstStyle>
@@ -3957,15 +4168,19 @@
               <a:defRPr sz="2400"/>
             </a:lvl9pPr>
           </a:lstStyle>
-          <a:p/>
+          <a:p>
+            <a:endParaRPr/>
+          </a:p>
         </p:txBody>
       </p:sp>
       <p:sp>
         <p:nvSpPr>
           <p:cNvPr id="30" name="Google Shape;30;p7"/>
-          <p:cNvSpPr txBox="1"/>
+          <p:cNvSpPr txBox="1">
+            <a:spLocks noGrp="1"/>
+          </p:cNvSpPr>
           <p:nvPr>
-            <p:ph idx="1" type="body"/>
+            <p:ph type="body" idx="1"/>
           </p:nvPr>
         </p:nvSpPr>
         <p:spPr>
@@ -3978,11 +4193,11 @@
           </a:prstGeom>
         </p:spPr>
         <p:txBody>
-          <a:bodyPr anchorCtr="0" anchor="t" bIns="91425" lIns="91425" spcFirstLastPara="1" rIns="91425" wrap="square" tIns="91425">
+          <a:bodyPr spcFirstLastPara="1" wrap="square" lIns="91425" tIns="91425" rIns="91425" bIns="91425" anchor="t" anchorCtr="0">
             <a:normAutofit/>
           </a:bodyPr>
           <a:lstStyle>
-            <a:lvl1pPr indent="-304800" lvl="0" marL="457200">
+            <a:lvl1pPr marL="457200" lvl="0" indent="-304800">
               <a:spcBef>
                 <a:spcPts val="0"/>
               </a:spcBef>
@@ -3993,7 +4208,7 @@
               <a:buChar char="●"/>
               <a:defRPr sz="1200"/>
             </a:lvl1pPr>
-            <a:lvl2pPr indent="-304800" lvl="1" marL="914400">
+            <a:lvl2pPr marL="914400" lvl="1" indent="-304800">
               <a:spcBef>
                 <a:spcPts val="0"/>
               </a:spcBef>
@@ -4004,7 +4219,7 @@
               <a:buChar char="○"/>
               <a:defRPr sz="1200"/>
             </a:lvl2pPr>
-            <a:lvl3pPr indent="-304800" lvl="2" marL="1371600">
+            <a:lvl3pPr marL="1371600" lvl="2" indent="-304800">
               <a:spcBef>
                 <a:spcPts val="0"/>
               </a:spcBef>
@@ -4015,7 +4230,7 @@
               <a:buChar char="■"/>
               <a:defRPr sz="1200"/>
             </a:lvl3pPr>
-            <a:lvl4pPr indent="-304800" lvl="3" marL="1828800">
+            <a:lvl4pPr marL="1828800" lvl="3" indent="-304800">
               <a:spcBef>
                 <a:spcPts val="0"/>
               </a:spcBef>
@@ -4026,7 +4241,7 @@
               <a:buChar char="●"/>
               <a:defRPr sz="1200"/>
             </a:lvl4pPr>
-            <a:lvl5pPr indent="-304800" lvl="4" marL="2286000">
+            <a:lvl5pPr marL="2286000" lvl="4" indent="-304800">
               <a:spcBef>
                 <a:spcPts val="0"/>
               </a:spcBef>
@@ -4037,7 +4252,7 @@
               <a:buChar char="○"/>
               <a:defRPr sz="1200"/>
             </a:lvl5pPr>
-            <a:lvl6pPr indent="-304800" lvl="5" marL="2743200">
+            <a:lvl6pPr marL="2743200" lvl="5" indent="-304800">
               <a:spcBef>
                 <a:spcPts val="0"/>
               </a:spcBef>
@@ -4048,7 +4263,7 @@
               <a:buChar char="■"/>
               <a:defRPr sz="1200"/>
             </a:lvl6pPr>
-            <a:lvl7pPr indent="-304800" lvl="6" marL="3200400">
+            <a:lvl7pPr marL="3200400" lvl="6" indent="-304800">
               <a:spcBef>
                 <a:spcPts val="0"/>
               </a:spcBef>
@@ -4059,7 +4274,7 @@
               <a:buChar char="●"/>
               <a:defRPr sz="1200"/>
             </a:lvl7pPr>
-            <a:lvl8pPr indent="-304800" lvl="7" marL="3657600">
+            <a:lvl8pPr marL="3657600" lvl="7" indent="-304800">
               <a:spcBef>
                 <a:spcPts val="0"/>
               </a:spcBef>
@@ -4070,7 +4285,7 @@
               <a:buChar char="○"/>
               <a:defRPr sz="1200"/>
             </a:lvl8pPr>
-            <a:lvl9pPr indent="-304800" lvl="8" marL="4114800">
+            <a:lvl9pPr marL="4114800" lvl="8" indent="-304800">
               <a:spcBef>
                 <a:spcPts val="0"/>
               </a:spcBef>
@@ -4082,15 +4297,19 @@
               <a:defRPr sz="1200"/>
             </a:lvl9pPr>
           </a:lstStyle>
-          <a:p/>
+          <a:p>
+            <a:endParaRPr/>
+          </a:p>
         </p:txBody>
       </p:sp>
       <p:sp>
         <p:nvSpPr>
           <p:cNvPr id="31" name="Google Shape;31;p7"/>
-          <p:cNvSpPr txBox="1"/>
+          <p:cNvSpPr txBox="1">
+            <a:spLocks noGrp="1"/>
+          </p:cNvSpPr>
           <p:nvPr>
-            <p:ph idx="12" type="sldNum"/>
+            <p:ph type="sldNum" idx="12"/>
           </p:nvPr>
         </p:nvSpPr>
         <p:spPr>
@@ -4103,7 +4322,7 @@
           </a:prstGeom>
         </p:spPr>
         <p:txBody>
-          <a:bodyPr anchorCtr="0" anchor="ctr" bIns="91425" lIns="91425" spcFirstLastPara="1" rIns="91425" wrap="square" tIns="91425">
+          <a:bodyPr spcFirstLastPara="1" wrap="square" lIns="91425" tIns="91425" rIns="91425" bIns="91425" anchor="ctr" anchorCtr="0">
             <a:normAutofit/>
           </a:bodyPr>
           <a:lstStyle>
@@ -4145,7 +4364,7 @@
             </a:lvl9pPr>
           </a:lstStyle>
           <a:p>
-            <a:pPr indent="0" lvl="0" marL="0" rtl="0" algn="r">
+            <a:pPr marL="0" lvl="0" indent="0" algn="r" rtl="0">
               <a:spcBef>
                 <a:spcPts val="0"/>
               </a:spcBef>
@@ -4167,15 +4386,27 @@
   <p:clrMapOvr>
     <a:masterClrMapping/>
   </p:clrMapOvr>
+  <mc:AlternateContent xmlns:mc="http://schemas.openxmlformats.org/markup-compatibility/2006" xmlns:p14="http://schemas.microsoft.com/office/powerpoint/2010/main">
+    <mc:Choice Requires="p14">
+      <p:transition p14:dur="10" advClick="0">
+        <p:pull/>
+      </p:transition>
+    </mc:Choice>
+    <mc:Fallback xmlns="">
+      <p:transition advClick="0">
+        <p:pull/>
+      </p:transition>
+    </mc:Fallback>
+  </mc:AlternateContent>
 </p:sldLayout>
 </file>
 
 <file path=ppt/slideLayouts/slideLayout7.xml><?xml version="1.0" encoding="utf-8"?>
-<p:sldLayout xmlns:a="http://schemas.openxmlformats.org/drawingml/2006/main" xmlns:r="http://schemas.openxmlformats.org/officeDocument/2006/relationships" xmlns:mc="http://schemas.openxmlformats.org/markup-compatibility/2006" xmlns:mv="urn:schemas-microsoft-com:mac:vml" xmlns:p="http://schemas.openxmlformats.org/presentationml/2006/main" xmlns:c="http://schemas.openxmlformats.org/drawingml/2006/chart" xmlns:dgm="http://schemas.openxmlformats.org/drawingml/2006/diagram" xmlns:o="urn:schemas-microsoft-com:office:office" xmlns:v="urn:schemas-microsoft-com:vml" xmlns:pvml="urn:schemas-microsoft-com:office:powerpoint" xmlns:com="http://schemas.openxmlformats.org/drawingml/2006/compatibility" xmlns:p14="http://schemas.microsoft.com/office/powerpoint/2010/main" xmlns:p15="http://schemas.microsoft.com/office/powerpoint/2012/main" xmlns:ahyp="http://schemas.microsoft.com/office/drawing/2018/hyperlinkcolor" matchingName="Main point">
+<p:sldLayout xmlns:a="http://schemas.openxmlformats.org/drawingml/2006/main" xmlns:r="http://schemas.openxmlformats.org/officeDocument/2006/relationships" xmlns:p="http://schemas.openxmlformats.org/presentationml/2006/main" matchingName="Main point">
   <p:cSld name="MAIN_POINT">
     <p:spTree>
       <p:nvGrpSpPr>
-        <p:cNvPr id="32" name="Shape 32"/>
+        <p:cNvPr id="1" name="Shape 32"/>
         <p:cNvGrpSpPr/>
         <p:nvPr/>
       </p:nvGrpSpPr>
@@ -4190,7 +4421,9 @@
       <p:sp>
         <p:nvSpPr>
           <p:cNvPr id="33" name="Google Shape;33;p8"/>
-          <p:cNvSpPr txBox="1"/>
+          <p:cNvSpPr txBox="1">
+            <a:spLocks noGrp="1"/>
+          </p:cNvSpPr>
           <p:nvPr>
             <p:ph type="title"/>
           </p:nvPr>
@@ -4205,7 +4438,7 @@
           </a:prstGeom>
         </p:spPr>
         <p:txBody>
-          <a:bodyPr anchorCtr="0" anchor="ctr" bIns="91425" lIns="91425" spcFirstLastPara="1" rIns="91425" wrap="square" tIns="91425">
+          <a:bodyPr spcFirstLastPara="1" wrap="square" lIns="91425" tIns="91425" rIns="91425" bIns="91425" anchor="ctr" anchorCtr="0">
             <a:normAutofit/>
           </a:bodyPr>
           <a:lstStyle>
@@ -4309,15 +4542,19 @@
               <a:defRPr sz="4800"/>
             </a:lvl9pPr>
           </a:lstStyle>
-          <a:p/>
+          <a:p>
+            <a:endParaRPr/>
+          </a:p>
         </p:txBody>
       </p:sp>
       <p:sp>
         <p:nvSpPr>
           <p:cNvPr id="34" name="Google Shape;34;p8"/>
-          <p:cNvSpPr txBox="1"/>
+          <p:cNvSpPr txBox="1">
+            <a:spLocks noGrp="1"/>
+          </p:cNvSpPr>
           <p:nvPr>
-            <p:ph idx="12" type="sldNum"/>
+            <p:ph type="sldNum" idx="12"/>
           </p:nvPr>
         </p:nvSpPr>
         <p:spPr>
@@ -4330,7 +4567,7 @@
           </a:prstGeom>
         </p:spPr>
         <p:txBody>
-          <a:bodyPr anchorCtr="0" anchor="ctr" bIns="91425" lIns="91425" spcFirstLastPara="1" rIns="91425" wrap="square" tIns="91425">
+          <a:bodyPr spcFirstLastPara="1" wrap="square" lIns="91425" tIns="91425" rIns="91425" bIns="91425" anchor="ctr" anchorCtr="0">
             <a:normAutofit/>
           </a:bodyPr>
           <a:lstStyle>
@@ -4372,7 +4609,7 @@
             </a:lvl9pPr>
           </a:lstStyle>
           <a:p>
-            <a:pPr indent="0" lvl="0" marL="0" rtl="0" algn="r">
+            <a:pPr marL="0" lvl="0" indent="0" algn="r" rtl="0">
               <a:spcBef>
                 <a:spcPts val="0"/>
               </a:spcBef>
@@ -4394,15 +4631,27 @@
   <p:clrMapOvr>
     <a:masterClrMapping/>
   </p:clrMapOvr>
+  <mc:AlternateContent xmlns:mc="http://schemas.openxmlformats.org/markup-compatibility/2006" xmlns:p14="http://schemas.microsoft.com/office/powerpoint/2010/main">
+    <mc:Choice Requires="p14">
+      <p:transition p14:dur="10" advClick="0">
+        <p:pull/>
+      </p:transition>
+    </mc:Choice>
+    <mc:Fallback xmlns="">
+      <p:transition advClick="0">
+        <p:pull/>
+      </p:transition>
+    </mc:Fallback>
+  </mc:AlternateContent>
 </p:sldLayout>
 </file>
 
 <file path=ppt/slideLayouts/slideLayout8.xml><?xml version="1.0" encoding="utf-8"?>
-<p:sldLayout xmlns:a="http://schemas.openxmlformats.org/drawingml/2006/main" xmlns:r="http://schemas.openxmlformats.org/officeDocument/2006/relationships" xmlns:mc="http://schemas.openxmlformats.org/markup-compatibility/2006" xmlns:mv="urn:schemas-microsoft-com:mac:vml" xmlns:p="http://schemas.openxmlformats.org/presentationml/2006/main" xmlns:c="http://schemas.openxmlformats.org/drawingml/2006/chart" xmlns:dgm="http://schemas.openxmlformats.org/drawingml/2006/diagram" xmlns:o="urn:schemas-microsoft-com:office:office" xmlns:v="urn:schemas-microsoft-com:vml" xmlns:pvml="urn:schemas-microsoft-com:office:powerpoint" xmlns:com="http://schemas.openxmlformats.org/drawingml/2006/compatibility" xmlns:p14="http://schemas.microsoft.com/office/powerpoint/2010/main" xmlns:p15="http://schemas.microsoft.com/office/powerpoint/2012/main" xmlns:ahyp="http://schemas.microsoft.com/office/drawing/2018/hyperlinkcolor" matchingName="Section title and description">
+<p:sldLayout xmlns:a="http://schemas.openxmlformats.org/drawingml/2006/main" xmlns:r="http://schemas.openxmlformats.org/officeDocument/2006/relationships" xmlns:p="http://schemas.openxmlformats.org/presentationml/2006/main" matchingName="Section title and description">
   <p:cSld name="SECTION_TITLE_AND_DESCRIPTION">
     <p:spTree>
       <p:nvGrpSpPr>
-        <p:cNvPr id="35" name="Shape 35"/>
+        <p:cNvPr id="1" name="Shape 35"/>
         <p:cNvGrpSpPr/>
         <p:nvPr/>
       </p:nvGrpSpPr>
@@ -4436,12 +4685,12 @@
           </a:ln>
         </p:spPr>
         <p:txBody>
-          <a:bodyPr anchorCtr="0" anchor="ctr" bIns="91425" lIns="91425" spcFirstLastPara="1" rIns="91425" wrap="square" tIns="91425">
+          <a:bodyPr spcFirstLastPara="1" wrap="square" lIns="91425" tIns="91425" rIns="91425" bIns="91425" anchor="ctr" anchorCtr="0">
             <a:noAutofit/>
           </a:bodyPr>
           <a:lstStyle/>
           <a:p>
-            <a:pPr indent="0" lvl="0" marL="0" rtl="0" algn="l">
+            <a:pPr marL="0" lvl="0" indent="0" algn="l" rtl="0">
               <a:spcBef>
                 <a:spcPts val="0"/>
               </a:spcBef>
@@ -4450,9 +4699,6 @@
               </a:spcAft>
               <a:buNone/>
             </a:pPr>
-            <a:r>
-              <a:t/>
-            </a:r>
             <a:endParaRPr/>
           </a:p>
         </p:txBody>
@@ -4460,7 +4706,9 @@
       <p:sp>
         <p:nvSpPr>
           <p:cNvPr id="37" name="Google Shape;37;p9"/>
-          <p:cNvSpPr txBox="1"/>
+          <p:cNvSpPr txBox="1">
+            <a:spLocks noGrp="1"/>
+          </p:cNvSpPr>
           <p:nvPr>
             <p:ph type="title"/>
           </p:nvPr>
@@ -4475,7 +4723,7 @@
           </a:prstGeom>
         </p:spPr>
         <p:txBody>
-          <a:bodyPr anchorCtr="0" anchor="b" bIns="91425" lIns="91425" spcFirstLastPara="1" rIns="91425" wrap="square" tIns="91425">
+          <a:bodyPr spcFirstLastPara="1" wrap="square" lIns="91425" tIns="91425" rIns="91425" bIns="91425" anchor="b" anchorCtr="0">
             <a:normAutofit/>
           </a:bodyPr>
           <a:lstStyle>
@@ -4579,15 +4827,19 @@
               <a:defRPr sz="4200"/>
             </a:lvl9pPr>
           </a:lstStyle>
-          <a:p/>
+          <a:p>
+            <a:endParaRPr/>
+          </a:p>
         </p:txBody>
       </p:sp>
       <p:sp>
         <p:nvSpPr>
           <p:cNvPr id="38" name="Google Shape;38;p9"/>
-          <p:cNvSpPr txBox="1"/>
+          <p:cNvSpPr txBox="1">
+            <a:spLocks noGrp="1"/>
+          </p:cNvSpPr>
           <p:nvPr>
-            <p:ph idx="1" type="subTitle"/>
+            <p:ph type="subTitle" idx="1"/>
           </p:nvPr>
         </p:nvSpPr>
         <p:spPr>
@@ -4600,7 +4852,7 @@
           </a:prstGeom>
         </p:spPr>
         <p:txBody>
-          <a:bodyPr anchorCtr="0" anchor="t" bIns="91425" lIns="91425" spcFirstLastPara="1" rIns="91425" wrap="square" tIns="91425">
+          <a:bodyPr spcFirstLastPara="1" wrap="square" lIns="91425" tIns="91425" rIns="91425" bIns="91425" anchor="t" anchorCtr="0">
             <a:normAutofit/>
           </a:bodyPr>
           <a:lstStyle>
@@ -4731,15 +4983,19 @@
               <a:defRPr sz="2100"/>
             </a:lvl9pPr>
           </a:lstStyle>
-          <a:p/>
+          <a:p>
+            <a:endParaRPr/>
+          </a:p>
         </p:txBody>
       </p:sp>
       <p:sp>
         <p:nvSpPr>
           <p:cNvPr id="39" name="Google Shape;39;p9"/>
-          <p:cNvSpPr txBox="1"/>
+          <p:cNvSpPr txBox="1">
+            <a:spLocks noGrp="1"/>
+          </p:cNvSpPr>
           <p:nvPr>
-            <p:ph idx="2" type="body"/>
+            <p:ph type="body" idx="2"/>
           </p:nvPr>
         </p:nvSpPr>
         <p:spPr>
@@ -4752,11 +5008,11 @@
           </a:prstGeom>
         </p:spPr>
         <p:txBody>
-          <a:bodyPr anchorCtr="0" anchor="ctr" bIns="91425" lIns="91425" spcFirstLastPara="1" rIns="91425" wrap="square" tIns="91425">
+          <a:bodyPr spcFirstLastPara="1" wrap="square" lIns="91425" tIns="91425" rIns="91425" bIns="91425" anchor="ctr" anchorCtr="0">
             <a:normAutofit/>
           </a:bodyPr>
           <a:lstStyle>
-            <a:lvl1pPr indent="-342900" lvl="0" marL="457200">
+            <a:lvl1pPr marL="457200" lvl="0" indent="-342900">
               <a:spcBef>
                 <a:spcPts val="0"/>
               </a:spcBef>
@@ -4767,7 +5023,7 @@
               <a:buChar char="●"/>
               <a:defRPr/>
             </a:lvl1pPr>
-            <a:lvl2pPr indent="-317500" lvl="1" marL="914400">
+            <a:lvl2pPr marL="914400" lvl="1" indent="-317500">
               <a:spcBef>
                 <a:spcPts val="0"/>
               </a:spcBef>
@@ -4778,7 +5034,7 @@
               <a:buChar char="○"/>
               <a:defRPr/>
             </a:lvl2pPr>
-            <a:lvl3pPr indent="-317500" lvl="2" marL="1371600">
+            <a:lvl3pPr marL="1371600" lvl="2" indent="-317500">
               <a:spcBef>
                 <a:spcPts val="0"/>
               </a:spcBef>
@@ -4789,7 +5045,7 @@
               <a:buChar char="■"/>
               <a:defRPr/>
             </a:lvl3pPr>
-            <a:lvl4pPr indent="-317500" lvl="3" marL="1828800">
+            <a:lvl4pPr marL="1828800" lvl="3" indent="-317500">
               <a:spcBef>
                 <a:spcPts val="0"/>
               </a:spcBef>
@@ -4800,7 +5056,7 @@
               <a:buChar char="●"/>
               <a:defRPr/>
             </a:lvl4pPr>
-            <a:lvl5pPr indent="-317500" lvl="4" marL="2286000">
+            <a:lvl5pPr marL="2286000" lvl="4" indent="-317500">
               <a:spcBef>
                 <a:spcPts val="0"/>
               </a:spcBef>
@@ -4811,7 +5067,7 @@
               <a:buChar char="○"/>
               <a:defRPr/>
             </a:lvl5pPr>
-            <a:lvl6pPr indent="-317500" lvl="5" marL="2743200">
+            <a:lvl6pPr marL="2743200" lvl="5" indent="-317500">
               <a:spcBef>
                 <a:spcPts val="0"/>
               </a:spcBef>
@@ -4822,7 +5078,7 @@
               <a:buChar char="■"/>
               <a:defRPr/>
             </a:lvl6pPr>
-            <a:lvl7pPr indent="-317500" lvl="6" marL="3200400">
+            <a:lvl7pPr marL="3200400" lvl="6" indent="-317500">
               <a:spcBef>
                 <a:spcPts val="0"/>
               </a:spcBef>
@@ -4833,7 +5089,7 @@
               <a:buChar char="●"/>
               <a:defRPr/>
             </a:lvl7pPr>
-            <a:lvl8pPr indent="-317500" lvl="7" marL="3657600">
+            <a:lvl8pPr marL="3657600" lvl="7" indent="-317500">
               <a:spcBef>
                 <a:spcPts val="0"/>
               </a:spcBef>
@@ -4844,7 +5100,7 @@
               <a:buChar char="○"/>
               <a:defRPr/>
             </a:lvl8pPr>
-            <a:lvl9pPr indent="-317500" lvl="8" marL="4114800">
+            <a:lvl9pPr marL="4114800" lvl="8" indent="-317500">
               <a:spcBef>
                 <a:spcPts val="0"/>
               </a:spcBef>
@@ -4856,15 +5112,19 @@
               <a:defRPr/>
             </a:lvl9pPr>
           </a:lstStyle>
-          <a:p/>
+          <a:p>
+            <a:endParaRPr/>
+          </a:p>
         </p:txBody>
       </p:sp>
       <p:sp>
         <p:nvSpPr>
           <p:cNvPr id="40" name="Google Shape;40;p9"/>
-          <p:cNvSpPr txBox="1"/>
+          <p:cNvSpPr txBox="1">
+            <a:spLocks noGrp="1"/>
+          </p:cNvSpPr>
           <p:nvPr>
-            <p:ph idx="12" type="sldNum"/>
+            <p:ph type="sldNum" idx="12"/>
           </p:nvPr>
         </p:nvSpPr>
         <p:spPr>
@@ -4877,7 +5137,7 @@
           </a:prstGeom>
         </p:spPr>
         <p:txBody>
-          <a:bodyPr anchorCtr="0" anchor="ctr" bIns="91425" lIns="91425" spcFirstLastPara="1" rIns="91425" wrap="square" tIns="91425">
+          <a:bodyPr spcFirstLastPara="1" wrap="square" lIns="91425" tIns="91425" rIns="91425" bIns="91425" anchor="ctr" anchorCtr="0">
             <a:normAutofit/>
           </a:bodyPr>
           <a:lstStyle>
@@ -4919,7 +5179,7 @@
             </a:lvl9pPr>
           </a:lstStyle>
           <a:p>
-            <a:pPr indent="0" lvl="0" marL="0" rtl="0" algn="r">
+            <a:pPr marL="0" lvl="0" indent="0" algn="r" rtl="0">
               <a:spcBef>
                 <a:spcPts val="0"/>
               </a:spcBef>
@@ -4941,15 +5201,27 @@
   <p:clrMapOvr>
     <a:masterClrMapping/>
   </p:clrMapOvr>
+  <mc:AlternateContent xmlns:mc="http://schemas.openxmlformats.org/markup-compatibility/2006" xmlns:p14="http://schemas.microsoft.com/office/powerpoint/2010/main">
+    <mc:Choice Requires="p14">
+      <p:transition p14:dur="10" advClick="0">
+        <p:pull/>
+      </p:transition>
+    </mc:Choice>
+    <mc:Fallback xmlns="">
+      <p:transition advClick="0">
+        <p:pull/>
+      </p:transition>
+    </mc:Fallback>
+  </mc:AlternateContent>
 </p:sldLayout>
 </file>
 
 <file path=ppt/slideLayouts/slideLayout9.xml><?xml version="1.0" encoding="utf-8"?>
-<p:sldLayout xmlns:a="http://schemas.openxmlformats.org/drawingml/2006/main" xmlns:r="http://schemas.openxmlformats.org/officeDocument/2006/relationships" xmlns:mc="http://schemas.openxmlformats.org/markup-compatibility/2006" xmlns:mv="urn:schemas-microsoft-com:mac:vml" xmlns:p="http://schemas.openxmlformats.org/presentationml/2006/main" xmlns:c="http://schemas.openxmlformats.org/drawingml/2006/chart" xmlns:dgm="http://schemas.openxmlformats.org/drawingml/2006/diagram" xmlns:o="urn:schemas-microsoft-com:office:office" xmlns:v="urn:schemas-microsoft-com:vml" xmlns:pvml="urn:schemas-microsoft-com:office:powerpoint" xmlns:com="http://schemas.openxmlformats.org/drawingml/2006/compatibility" xmlns:p14="http://schemas.microsoft.com/office/powerpoint/2010/main" xmlns:p15="http://schemas.microsoft.com/office/powerpoint/2012/main" xmlns:ahyp="http://schemas.microsoft.com/office/drawing/2018/hyperlinkcolor" matchingName="Caption">
+<p:sldLayout xmlns:a="http://schemas.openxmlformats.org/drawingml/2006/main" xmlns:r="http://schemas.openxmlformats.org/officeDocument/2006/relationships" xmlns:p="http://schemas.openxmlformats.org/presentationml/2006/main" matchingName="Caption">
   <p:cSld name="CAPTION_ONLY">
     <p:spTree>
       <p:nvGrpSpPr>
-        <p:cNvPr id="41" name="Shape 41"/>
+        <p:cNvPr id="1" name="Shape 41"/>
         <p:cNvGrpSpPr/>
         <p:nvPr/>
       </p:nvGrpSpPr>
@@ -4964,9 +5236,11 @@
       <p:sp>
         <p:nvSpPr>
           <p:cNvPr id="42" name="Google Shape;42;p10"/>
-          <p:cNvSpPr txBox="1"/>
+          <p:cNvSpPr txBox="1">
+            <a:spLocks noGrp="1"/>
+          </p:cNvSpPr>
           <p:nvPr>
-            <p:ph idx="1" type="body"/>
+            <p:ph type="body" idx="1"/>
           </p:nvPr>
         </p:nvSpPr>
         <p:spPr>
@@ -4979,11 +5253,11 @@
           </a:prstGeom>
         </p:spPr>
         <p:txBody>
-          <a:bodyPr anchorCtr="0" anchor="ctr" bIns="91425" lIns="91425" spcFirstLastPara="1" rIns="91425" wrap="square" tIns="91425">
+          <a:bodyPr spcFirstLastPara="1" wrap="square" lIns="91425" tIns="91425" rIns="91425" bIns="91425" anchor="ctr" anchorCtr="0">
             <a:normAutofit/>
           </a:bodyPr>
           <a:lstStyle>
-            <a:lvl1pPr indent="-228600" lvl="0" marL="457200">
+            <a:lvl1pPr marL="457200" lvl="0" indent="-228600">
               <a:lnSpc>
                 <a:spcPct val="100000"/>
               </a:lnSpc>
@@ -4998,15 +5272,19 @@
               <a:defRPr/>
             </a:lvl1pPr>
           </a:lstStyle>
-          <a:p/>
+          <a:p>
+            <a:endParaRPr/>
+          </a:p>
         </p:txBody>
       </p:sp>
       <p:sp>
         <p:nvSpPr>
           <p:cNvPr id="43" name="Google Shape;43;p10"/>
-          <p:cNvSpPr txBox="1"/>
+          <p:cNvSpPr txBox="1">
+            <a:spLocks noGrp="1"/>
+          </p:cNvSpPr>
           <p:nvPr>
-            <p:ph idx="12" type="sldNum"/>
+            <p:ph type="sldNum" idx="12"/>
           </p:nvPr>
         </p:nvSpPr>
         <p:spPr>
@@ -5019,7 +5297,7 @@
           </a:prstGeom>
         </p:spPr>
         <p:txBody>
-          <a:bodyPr anchorCtr="0" anchor="ctr" bIns="91425" lIns="91425" spcFirstLastPara="1" rIns="91425" wrap="square" tIns="91425">
+          <a:bodyPr spcFirstLastPara="1" wrap="square" lIns="91425" tIns="91425" rIns="91425" bIns="91425" anchor="ctr" anchorCtr="0">
             <a:normAutofit/>
           </a:bodyPr>
           <a:lstStyle>
@@ -5061,7 +5339,7 @@
             </a:lvl9pPr>
           </a:lstStyle>
           <a:p>
-            <a:pPr indent="0" lvl="0" marL="0" rtl="0" algn="r">
+            <a:pPr marL="0" lvl="0" indent="0" algn="r" rtl="0">
               <a:spcBef>
                 <a:spcPts val="0"/>
               </a:spcBef>
@@ -5083,22 +5361,35 @@
   <p:clrMapOvr>
     <a:masterClrMapping/>
   </p:clrMapOvr>
+  <mc:AlternateContent xmlns:mc="http://schemas.openxmlformats.org/markup-compatibility/2006" xmlns:p14="http://schemas.microsoft.com/office/powerpoint/2010/main">
+    <mc:Choice Requires="p14">
+      <p:transition p14:dur="10" advClick="0">
+        <p:pull/>
+      </p:transition>
+    </mc:Choice>
+    <mc:Fallback xmlns="">
+      <p:transition advClick="0">
+        <p:pull/>
+      </p:transition>
+    </mc:Fallback>
+  </mc:AlternateContent>
 </p:sldLayout>
 </file>
 
 <file path=ppt/slideMasters/slideMaster1.xml><?xml version="1.0" encoding="utf-8"?>
-<p:sldMaster xmlns:a="http://schemas.openxmlformats.org/drawingml/2006/main" xmlns:r="http://schemas.openxmlformats.org/officeDocument/2006/relationships" xmlns:mc="http://schemas.openxmlformats.org/markup-compatibility/2006" xmlns:mv="urn:schemas-microsoft-com:mac:vml" xmlns:p="http://schemas.openxmlformats.org/presentationml/2006/main" xmlns:c="http://schemas.openxmlformats.org/drawingml/2006/chart" xmlns:dgm="http://schemas.openxmlformats.org/drawingml/2006/diagram" xmlns:o="urn:schemas-microsoft-com:office:office" xmlns:v="urn:schemas-microsoft-com:vml" xmlns:pvml="urn:schemas-microsoft-com:office:powerpoint" xmlns:com="http://schemas.openxmlformats.org/drawingml/2006/compatibility" xmlns:p14="http://schemas.microsoft.com/office/powerpoint/2010/main" xmlns:p15="http://schemas.microsoft.com/office/powerpoint/2012/main" xmlns:ahyp="http://schemas.microsoft.com/office/drawing/2018/hyperlinkcolor">
+<p:sldMaster xmlns:a="http://schemas.openxmlformats.org/drawingml/2006/main" xmlns:r="http://schemas.openxmlformats.org/officeDocument/2006/relationships" xmlns:p="http://schemas.openxmlformats.org/presentationml/2006/main">
   <p:cSld name="simple-light-2">
     <p:bg>
       <p:bgPr>
         <a:solidFill>
           <a:schemeClr val="lt1"/>
         </a:solidFill>
+        <a:effectLst/>
       </p:bgPr>
     </p:bg>
     <p:spTree>
       <p:nvGrpSpPr>
-        <p:cNvPr id="5" name="Shape 5"/>
+        <p:cNvPr id="1" name="Shape 5"/>
         <p:cNvGrpSpPr/>
         <p:nvPr/>
       </p:nvGrpSpPr>
@@ -5113,7 +5404,9 @@
       <p:sp>
         <p:nvSpPr>
           <p:cNvPr id="6" name="Google Shape;6;p1"/>
-          <p:cNvSpPr txBox="1"/>
+          <p:cNvSpPr txBox="1">
+            <a:spLocks noGrp="1"/>
+          </p:cNvSpPr>
           <p:nvPr>
             <p:ph type="title"/>
           </p:nvPr>
@@ -5132,7 +5425,7 @@
           </a:ln>
         </p:spPr>
         <p:txBody>
-          <a:bodyPr anchorCtr="0" anchor="t" bIns="91425" lIns="91425" spcFirstLastPara="1" rIns="91425" wrap="square" tIns="91425">
+          <a:bodyPr spcFirstLastPara="1" wrap="square" lIns="91425" tIns="91425" rIns="91425" bIns="91425" anchor="t" anchorCtr="0">
             <a:normAutofit/>
           </a:bodyPr>
           <a:lstStyle>
@@ -5299,15 +5592,19 @@
               </a:defRPr>
             </a:lvl9pPr>
           </a:lstStyle>
-          <a:p/>
+          <a:p>
+            <a:endParaRPr/>
+          </a:p>
         </p:txBody>
       </p:sp>
       <p:sp>
         <p:nvSpPr>
           <p:cNvPr id="7" name="Google Shape;7;p1"/>
-          <p:cNvSpPr txBox="1"/>
+          <p:cNvSpPr txBox="1">
+            <a:spLocks noGrp="1"/>
+          </p:cNvSpPr>
           <p:nvPr>
-            <p:ph idx="1" type="body"/>
+            <p:ph type="body" idx="1"/>
           </p:nvPr>
         </p:nvSpPr>
         <p:spPr>
@@ -5324,11 +5621,11 @@
           </a:ln>
         </p:spPr>
         <p:txBody>
-          <a:bodyPr anchorCtr="0" anchor="t" bIns="91425" lIns="91425" spcFirstLastPara="1" rIns="91425" wrap="square" tIns="91425">
+          <a:bodyPr spcFirstLastPara="1" wrap="square" lIns="91425" tIns="91425" rIns="91425" bIns="91425" anchor="t" anchorCtr="0">
             <a:normAutofit/>
           </a:bodyPr>
           <a:lstStyle>
-            <a:lvl1pPr indent="-342900" lvl="0" marL="457200">
+            <a:lvl1pPr marL="457200" lvl="0" indent="-342900">
               <a:lnSpc>
                 <a:spcPct val="115000"/>
               </a:lnSpc>
@@ -5349,7 +5646,7 @@
                 </a:solidFill>
               </a:defRPr>
             </a:lvl1pPr>
-            <a:lvl2pPr indent="-317500" lvl="1" marL="914400">
+            <a:lvl2pPr marL="914400" lvl="1" indent="-317500">
               <a:lnSpc>
                 <a:spcPct val="115000"/>
               </a:lnSpc>
@@ -5370,7 +5667,7 @@
                 </a:solidFill>
               </a:defRPr>
             </a:lvl2pPr>
-            <a:lvl3pPr indent="-317500" lvl="2" marL="1371600">
+            <a:lvl3pPr marL="1371600" lvl="2" indent="-317500">
               <a:lnSpc>
                 <a:spcPct val="115000"/>
               </a:lnSpc>
@@ -5391,7 +5688,7 @@
                 </a:solidFill>
               </a:defRPr>
             </a:lvl3pPr>
-            <a:lvl4pPr indent="-317500" lvl="3" marL="1828800">
+            <a:lvl4pPr marL="1828800" lvl="3" indent="-317500">
               <a:lnSpc>
                 <a:spcPct val="115000"/>
               </a:lnSpc>
@@ -5412,7 +5709,7 @@
                 </a:solidFill>
               </a:defRPr>
             </a:lvl4pPr>
-            <a:lvl5pPr indent="-317500" lvl="4" marL="2286000">
+            <a:lvl5pPr marL="2286000" lvl="4" indent="-317500">
               <a:lnSpc>
                 <a:spcPct val="115000"/>
               </a:lnSpc>
@@ -5433,7 +5730,7 @@
                 </a:solidFill>
               </a:defRPr>
             </a:lvl5pPr>
-            <a:lvl6pPr indent="-317500" lvl="5" marL="2743200">
+            <a:lvl6pPr marL="2743200" lvl="5" indent="-317500">
               <a:lnSpc>
                 <a:spcPct val="115000"/>
               </a:lnSpc>
@@ -5454,7 +5751,7 @@
                 </a:solidFill>
               </a:defRPr>
             </a:lvl6pPr>
-            <a:lvl7pPr indent="-317500" lvl="6" marL="3200400">
+            <a:lvl7pPr marL="3200400" lvl="6" indent="-317500">
               <a:lnSpc>
                 <a:spcPct val="115000"/>
               </a:lnSpc>
@@ -5475,7 +5772,7 @@
                 </a:solidFill>
               </a:defRPr>
             </a:lvl7pPr>
-            <a:lvl8pPr indent="-317500" lvl="7" marL="3657600">
+            <a:lvl8pPr marL="3657600" lvl="7" indent="-317500">
               <a:lnSpc>
                 <a:spcPct val="115000"/>
               </a:lnSpc>
@@ -5496,7 +5793,7 @@
                 </a:solidFill>
               </a:defRPr>
             </a:lvl8pPr>
-            <a:lvl9pPr indent="-317500" lvl="8" marL="4114800">
+            <a:lvl9pPr marL="4114800" lvl="8" indent="-317500">
               <a:lnSpc>
                 <a:spcPct val="115000"/>
               </a:lnSpc>
@@ -5518,15 +5815,19 @@
               </a:defRPr>
             </a:lvl9pPr>
           </a:lstStyle>
-          <a:p/>
+          <a:p>
+            <a:endParaRPr/>
+          </a:p>
         </p:txBody>
       </p:sp>
       <p:sp>
         <p:nvSpPr>
           <p:cNvPr id="8" name="Google Shape;8;p1"/>
-          <p:cNvSpPr txBox="1"/>
+          <p:cNvSpPr txBox="1">
+            <a:spLocks noGrp="1"/>
+          </p:cNvSpPr>
           <p:nvPr>
-            <p:ph idx="12" type="sldNum"/>
+            <p:ph type="sldNum" idx="12"/>
           </p:nvPr>
         </p:nvSpPr>
         <p:spPr>
@@ -5543,7 +5844,7 @@
           </a:ln>
         </p:spPr>
         <p:txBody>
-          <a:bodyPr anchorCtr="0" anchor="ctr" bIns="91425" lIns="91425" spcFirstLastPara="1" rIns="91425" wrap="square" tIns="91425">
+          <a:bodyPr spcFirstLastPara="1" wrap="square" lIns="91425" tIns="91425" rIns="91425" bIns="91425" anchor="ctr" anchorCtr="0">
             <a:normAutofit/>
           </a:bodyPr>
           <a:lstStyle>
@@ -5621,7 +5922,7 @@
             </a:lvl9pPr>
           </a:lstStyle>
           <a:p>
-            <a:pPr indent="0" lvl="0" marL="0" rtl="0" algn="r">
+            <a:pPr marL="0" lvl="0" indent="0" algn="r" rtl="0">
               <a:spcBef>
                 <a:spcPts val="0"/>
               </a:spcBef>
@@ -5640,7 +5941,7 @@
       </p:sp>
     </p:spTree>
   </p:cSld>
-  <p:clrMap accent1="accent1" accent2="accent2" accent3="accent3" accent4="accent4" accent5="accent5" accent6="accent6" bg1="lt1" bg2="dk2" tx1="dk1" tx2="lt2" folHlink="folHlink" hlink="hlink"/>
+  <p:clrMap bg1="lt1" tx1="dk1" bg2="dk2" tx2="lt2" accent1="accent1" accent2="accent2" accent3="accent3" accent4="accent4" accent5="accent5" accent6="accent6" hlink="hlink" folHlink="folHlink"/>
   <p:sldLayoutIdLst>
     <p:sldLayoutId id="2147483648" r:id="rId1"/>
     <p:sldLayoutId id="2147483649" r:id="rId2"/>
@@ -5654,22 +5955,22 @@
     <p:sldLayoutId id="2147483657" r:id="rId10"/>
     <p:sldLayoutId id="2147483658" r:id="rId11"/>
   </p:sldLayoutIdLst>
-  <mc:AlternateContent>
+  <mc:AlternateContent xmlns:mc="http://schemas.openxmlformats.org/markup-compatibility/2006" xmlns:p14="http://schemas.microsoft.com/office/powerpoint/2010/main">
     <mc:Choice Requires="p14">
-      <p:transition spd="slow" p14:dur="4500">
-        <p14:flip dir="l"/>
+      <p:transition p14:dur="10" advClick="0">
+        <p:pull/>
       </p:transition>
     </mc:Choice>
-    <mc:Fallback>
-      <p:transition spd="slow">
-        <p:fade/>
+    <mc:Fallback xmlns="">
+      <p:transition advClick="0">
+        <p:pull/>
       </p:transition>
     </mc:Fallback>
   </mc:AlternateContent>
-  <p:hf dt="0" ftr="0" hdr="0" sldNum="0"/>
+  <p:hf sldNum="0" hdr="0" ftr="0" dt="0"/>
   <p:txStyles>
     <p:titleStyle>
-      <a:defPPr lvl="0" marR="0" rtl="0" algn="l">
+      <a:defPPr marR="0" lvl="0" algn="l" rtl="0">
         <a:lnSpc>
           <a:spcPct val="100000"/>
         </a:lnSpc>
@@ -5680,7 +5981,7 @@
           <a:spcPts val="0"/>
         </a:spcAft>
       </a:defPPr>
-      <a:lvl1pPr lvl="0" marR="0" rtl="0" algn="l">
+      <a:lvl1pPr marR="0" lvl="0" algn="l" rtl="0">
         <a:lnSpc>
           <a:spcPct val="100000"/>
         </a:lnSpc>
@@ -5694,7 +5995,7 @@
           <a:srgbClr val="000000"/>
         </a:buClr>
         <a:buFont typeface="Arial"/>
-        <a:defRPr b="0" i="0" sz="1400" u="none" cap="none" strike="noStrike">
+        <a:defRPr sz="1400" b="0" i="0" u="none" strike="noStrike" cap="none">
           <a:solidFill>
             <a:srgbClr val="000000"/>
           </a:solidFill>
@@ -5704,7 +6005,7 @@
           <a:sym typeface="Arial"/>
         </a:defRPr>
       </a:lvl1pPr>
-      <a:lvl2pPr lvl="1" marR="0" rtl="0" algn="l">
+      <a:lvl2pPr marR="0" lvl="1" algn="l" rtl="0">
         <a:lnSpc>
           <a:spcPct val="100000"/>
         </a:lnSpc>
@@ -5718,7 +6019,7 @@
           <a:srgbClr val="000000"/>
         </a:buClr>
         <a:buFont typeface="Arial"/>
-        <a:defRPr b="0" i="0" sz="1400" u="none" cap="none" strike="noStrike">
+        <a:defRPr sz="1400" b="0" i="0" u="none" strike="noStrike" cap="none">
           <a:solidFill>
             <a:srgbClr val="000000"/>
           </a:solidFill>
@@ -5728,7 +6029,7 @@
           <a:sym typeface="Arial"/>
         </a:defRPr>
       </a:lvl2pPr>
-      <a:lvl3pPr lvl="2" marR="0" rtl="0" algn="l">
+      <a:lvl3pPr marR="0" lvl="2" algn="l" rtl="0">
         <a:lnSpc>
           <a:spcPct val="100000"/>
         </a:lnSpc>
@@ -5742,7 +6043,7 @@
           <a:srgbClr val="000000"/>
         </a:buClr>
         <a:buFont typeface="Arial"/>
-        <a:defRPr b="0" i="0" sz="1400" u="none" cap="none" strike="noStrike">
+        <a:defRPr sz="1400" b="0" i="0" u="none" strike="noStrike" cap="none">
           <a:solidFill>
             <a:srgbClr val="000000"/>
           </a:solidFill>
@@ -5752,7 +6053,7 @@
           <a:sym typeface="Arial"/>
         </a:defRPr>
       </a:lvl3pPr>
-      <a:lvl4pPr lvl="3" marR="0" rtl="0" algn="l">
+      <a:lvl4pPr marR="0" lvl="3" algn="l" rtl="0">
         <a:lnSpc>
           <a:spcPct val="100000"/>
         </a:lnSpc>
@@ -5766,7 +6067,7 @@
           <a:srgbClr val="000000"/>
         </a:buClr>
         <a:buFont typeface="Arial"/>
-        <a:defRPr b="0" i="0" sz="1400" u="none" cap="none" strike="noStrike">
+        <a:defRPr sz="1400" b="0" i="0" u="none" strike="noStrike" cap="none">
           <a:solidFill>
             <a:srgbClr val="000000"/>
           </a:solidFill>
@@ -5776,7 +6077,7 @@
           <a:sym typeface="Arial"/>
         </a:defRPr>
       </a:lvl4pPr>
-      <a:lvl5pPr lvl="4" marR="0" rtl="0" algn="l">
+      <a:lvl5pPr marR="0" lvl="4" algn="l" rtl="0">
         <a:lnSpc>
           <a:spcPct val="100000"/>
         </a:lnSpc>
@@ -5790,7 +6091,7 @@
           <a:srgbClr val="000000"/>
         </a:buClr>
         <a:buFont typeface="Arial"/>
-        <a:defRPr b="0" i="0" sz="1400" u="none" cap="none" strike="noStrike">
+        <a:defRPr sz="1400" b="0" i="0" u="none" strike="noStrike" cap="none">
           <a:solidFill>
             <a:srgbClr val="000000"/>
           </a:solidFill>
@@ -5800,7 +6101,7 @@
           <a:sym typeface="Arial"/>
         </a:defRPr>
       </a:lvl5pPr>
-      <a:lvl6pPr lvl="5" marR="0" rtl="0" algn="l">
+      <a:lvl6pPr marR="0" lvl="5" algn="l" rtl="0">
         <a:lnSpc>
           <a:spcPct val="100000"/>
         </a:lnSpc>
@@ -5814,7 +6115,7 @@
           <a:srgbClr val="000000"/>
         </a:buClr>
         <a:buFont typeface="Arial"/>
-        <a:defRPr b="0" i="0" sz="1400" u="none" cap="none" strike="noStrike">
+        <a:defRPr sz="1400" b="0" i="0" u="none" strike="noStrike" cap="none">
           <a:solidFill>
             <a:srgbClr val="000000"/>
           </a:solidFill>
@@ -5824,7 +6125,7 @@
           <a:sym typeface="Arial"/>
         </a:defRPr>
       </a:lvl6pPr>
-      <a:lvl7pPr lvl="6" marR="0" rtl="0" algn="l">
+      <a:lvl7pPr marR="0" lvl="6" algn="l" rtl="0">
         <a:lnSpc>
           <a:spcPct val="100000"/>
         </a:lnSpc>
@@ -5838,7 +6139,7 @@
           <a:srgbClr val="000000"/>
         </a:buClr>
         <a:buFont typeface="Arial"/>
-        <a:defRPr b="0" i="0" sz="1400" u="none" cap="none" strike="noStrike">
+        <a:defRPr sz="1400" b="0" i="0" u="none" strike="noStrike" cap="none">
           <a:solidFill>
             <a:srgbClr val="000000"/>
           </a:solidFill>
@@ -5848,7 +6149,7 @@
           <a:sym typeface="Arial"/>
         </a:defRPr>
       </a:lvl7pPr>
-      <a:lvl8pPr lvl="7" marR="0" rtl="0" algn="l">
+      <a:lvl8pPr marR="0" lvl="7" algn="l" rtl="0">
         <a:lnSpc>
           <a:spcPct val="100000"/>
         </a:lnSpc>
@@ -5862,7 +6163,7 @@
           <a:srgbClr val="000000"/>
         </a:buClr>
         <a:buFont typeface="Arial"/>
-        <a:defRPr b="0" i="0" sz="1400" u="none" cap="none" strike="noStrike">
+        <a:defRPr sz="1400" b="0" i="0" u="none" strike="noStrike" cap="none">
           <a:solidFill>
             <a:srgbClr val="000000"/>
           </a:solidFill>
@@ -5872,7 +6173,7 @@
           <a:sym typeface="Arial"/>
         </a:defRPr>
       </a:lvl8pPr>
-      <a:lvl9pPr lvl="8" marR="0" rtl="0" algn="l">
+      <a:lvl9pPr marR="0" lvl="8" algn="l" rtl="0">
         <a:lnSpc>
           <a:spcPct val="100000"/>
         </a:lnSpc>
@@ -5886,7 +6187,7 @@
           <a:srgbClr val="000000"/>
         </a:buClr>
         <a:buFont typeface="Arial"/>
-        <a:defRPr b="0" i="0" sz="1400" u="none" cap="none" strike="noStrike">
+        <a:defRPr sz="1400" b="0" i="0" u="none" strike="noStrike" cap="none">
           <a:solidFill>
             <a:srgbClr val="000000"/>
           </a:solidFill>
@@ -5898,7 +6199,7 @@
       </a:lvl9pPr>
     </p:titleStyle>
     <p:bodyStyle>
-      <a:defPPr lvl="0" marR="0" rtl="0" algn="l">
+      <a:defPPr marR="0" lvl="0" algn="l" rtl="0">
         <a:lnSpc>
           <a:spcPct val="100000"/>
         </a:lnSpc>
@@ -5909,7 +6210,7 @@
           <a:spcPts val="0"/>
         </a:spcAft>
       </a:defPPr>
-      <a:lvl1pPr lvl="0" marR="0" rtl="0" algn="l">
+      <a:lvl1pPr marR="0" lvl="0" algn="l" rtl="0">
         <a:lnSpc>
           <a:spcPct val="100000"/>
         </a:lnSpc>
@@ -5923,7 +6224,7 @@
           <a:srgbClr val="000000"/>
         </a:buClr>
         <a:buFont typeface="Arial"/>
-        <a:defRPr b="0" i="0" sz="1400" u="none" cap="none" strike="noStrike">
+        <a:defRPr sz="1400" b="0" i="0" u="none" strike="noStrike" cap="none">
           <a:solidFill>
             <a:srgbClr val="000000"/>
           </a:solidFill>
@@ -5933,7 +6234,7 @@
           <a:sym typeface="Arial"/>
         </a:defRPr>
       </a:lvl1pPr>
-      <a:lvl2pPr lvl="1" marR="0" rtl="0" algn="l">
+      <a:lvl2pPr marR="0" lvl="1" algn="l" rtl="0">
         <a:lnSpc>
           <a:spcPct val="100000"/>
         </a:lnSpc>
@@ -5947,7 +6248,7 @@
           <a:srgbClr val="000000"/>
         </a:buClr>
         <a:buFont typeface="Arial"/>
-        <a:defRPr b="0" i="0" sz="1400" u="none" cap="none" strike="noStrike">
+        <a:defRPr sz="1400" b="0" i="0" u="none" strike="noStrike" cap="none">
           <a:solidFill>
             <a:srgbClr val="000000"/>
           </a:solidFill>
@@ -5957,7 +6258,7 @@
           <a:sym typeface="Arial"/>
         </a:defRPr>
       </a:lvl2pPr>
-      <a:lvl3pPr lvl="2" marR="0" rtl="0" algn="l">
+      <a:lvl3pPr marR="0" lvl="2" algn="l" rtl="0">
         <a:lnSpc>
           <a:spcPct val="100000"/>
         </a:lnSpc>
@@ -5971,7 +6272,7 @@
           <a:srgbClr val="000000"/>
         </a:buClr>
         <a:buFont typeface="Arial"/>
-        <a:defRPr b="0" i="0" sz="1400" u="none" cap="none" strike="noStrike">
+        <a:defRPr sz="1400" b="0" i="0" u="none" strike="noStrike" cap="none">
           <a:solidFill>
             <a:srgbClr val="000000"/>
           </a:solidFill>
@@ -5981,7 +6282,7 @@
           <a:sym typeface="Arial"/>
         </a:defRPr>
       </a:lvl3pPr>
-      <a:lvl4pPr lvl="3" marR="0" rtl="0" algn="l">
+      <a:lvl4pPr marR="0" lvl="3" algn="l" rtl="0">
         <a:lnSpc>
           <a:spcPct val="100000"/>
         </a:lnSpc>
@@ -5995,7 +6296,7 @@
           <a:srgbClr val="000000"/>
         </a:buClr>
         <a:buFont typeface="Arial"/>
-        <a:defRPr b="0" i="0" sz="1400" u="none" cap="none" strike="noStrike">
+        <a:defRPr sz="1400" b="0" i="0" u="none" strike="noStrike" cap="none">
           <a:solidFill>
             <a:srgbClr val="000000"/>
           </a:solidFill>
@@ -6005,7 +6306,7 @@
           <a:sym typeface="Arial"/>
         </a:defRPr>
       </a:lvl4pPr>
-      <a:lvl5pPr lvl="4" marR="0" rtl="0" algn="l">
+      <a:lvl5pPr marR="0" lvl="4" algn="l" rtl="0">
         <a:lnSpc>
           <a:spcPct val="100000"/>
         </a:lnSpc>
@@ -6019,7 +6320,7 @@
           <a:srgbClr val="000000"/>
         </a:buClr>
         <a:buFont typeface="Arial"/>
-        <a:defRPr b="0" i="0" sz="1400" u="none" cap="none" strike="noStrike">
+        <a:defRPr sz="1400" b="0" i="0" u="none" strike="noStrike" cap="none">
           <a:solidFill>
             <a:srgbClr val="000000"/>
           </a:solidFill>
@@ -6029,7 +6330,7 @@
           <a:sym typeface="Arial"/>
         </a:defRPr>
       </a:lvl5pPr>
-      <a:lvl6pPr lvl="5" marR="0" rtl="0" algn="l">
+      <a:lvl6pPr marR="0" lvl="5" algn="l" rtl="0">
         <a:lnSpc>
           <a:spcPct val="100000"/>
         </a:lnSpc>
@@ -6043,7 +6344,7 @@
           <a:srgbClr val="000000"/>
         </a:buClr>
         <a:buFont typeface="Arial"/>
-        <a:defRPr b="0" i="0" sz="1400" u="none" cap="none" strike="noStrike">
+        <a:defRPr sz="1400" b="0" i="0" u="none" strike="noStrike" cap="none">
           <a:solidFill>
             <a:srgbClr val="000000"/>
           </a:solidFill>
@@ -6053,7 +6354,7 @@
           <a:sym typeface="Arial"/>
         </a:defRPr>
       </a:lvl6pPr>
-      <a:lvl7pPr lvl="6" marR="0" rtl="0" algn="l">
+      <a:lvl7pPr marR="0" lvl="6" algn="l" rtl="0">
         <a:lnSpc>
           <a:spcPct val="100000"/>
         </a:lnSpc>
@@ -6067,7 +6368,7 @@
           <a:srgbClr val="000000"/>
         </a:buClr>
         <a:buFont typeface="Arial"/>
-        <a:defRPr b="0" i="0" sz="1400" u="none" cap="none" strike="noStrike">
+        <a:defRPr sz="1400" b="0" i="0" u="none" strike="noStrike" cap="none">
           <a:solidFill>
             <a:srgbClr val="000000"/>
           </a:solidFill>
@@ -6077,7 +6378,7 @@
           <a:sym typeface="Arial"/>
         </a:defRPr>
       </a:lvl7pPr>
-      <a:lvl8pPr lvl="7" marR="0" rtl="0" algn="l">
+      <a:lvl8pPr marR="0" lvl="7" algn="l" rtl="0">
         <a:lnSpc>
           <a:spcPct val="100000"/>
         </a:lnSpc>
@@ -6091,7 +6392,7 @@
           <a:srgbClr val="000000"/>
         </a:buClr>
         <a:buFont typeface="Arial"/>
-        <a:defRPr b="0" i="0" sz="1400" u="none" cap="none" strike="noStrike">
+        <a:defRPr sz="1400" b="0" i="0" u="none" strike="noStrike" cap="none">
           <a:solidFill>
             <a:srgbClr val="000000"/>
           </a:solidFill>
@@ -6101,7 +6402,7 @@
           <a:sym typeface="Arial"/>
         </a:defRPr>
       </a:lvl8pPr>
-      <a:lvl9pPr lvl="8" marR="0" rtl="0" algn="l">
+      <a:lvl9pPr marR="0" lvl="8" algn="l" rtl="0">
         <a:lnSpc>
           <a:spcPct val="100000"/>
         </a:lnSpc>
@@ -6115,7 +6416,7 @@
           <a:srgbClr val="000000"/>
         </a:buClr>
         <a:buFont typeface="Arial"/>
-        <a:defRPr b="0" i="0" sz="1400" u="none" cap="none" strike="noStrike">
+        <a:defRPr sz="1400" b="0" i="0" u="none" strike="noStrike" cap="none">
           <a:solidFill>
             <a:srgbClr val="000000"/>
           </a:solidFill>
@@ -6127,7 +6428,7 @@
       </a:lvl9pPr>
     </p:bodyStyle>
     <p:otherStyle>
-      <a:defPPr lvl="0" marR="0" rtl="0" algn="l">
+      <a:defPPr marR="0" lvl="0" algn="l" rtl="0">
         <a:lnSpc>
           <a:spcPct val="100000"/>
         </a:lnSpc>
@@ -6138,7 +6439,7 @@
           <a:spcPts val="0"/>
         </a:spcAft>
       </a:defPPr>
-      <a:lvl1pPr lvl="0" marR="0" rtl="0" algn="l">
+      <a:lvl1pPr marR="0" lvl="0" algn="l" rtl="0">
         <a:lnSpc>
           <a:spcPct val="100000"/>
         </a:lnSpc>
@@ -6152,7 +6453,7 @@
           <a:srgbClr val="000000"/>
         </a:buClr>
         <a:buFont typeface="Arial"/>
-        <a:defRPr b="0" i="0" sz="1400" u="none" cap="none" strike="noStrike">
+        <a:defRPr sz="1400" b="0" i="0" u="none" strike="noStrike" cap="none">
           <a:solidFill>
             <a:srgbClr val="000000"/>
           </a:solidFill>
@@ -6162,7 +6463,7 @@
           <a:sym typeface="Arial"/>
         </a:defRPr>
       </a:lvl1pPr>
-      <a:lvl2pPr lvl="1" marR="0" rtl="0" algn="l">
+      <a:lvl2pPr marR="0" lvl="1" algn="l" rtl="0">
         <a:lnSpc>
           <a:spcPct val="100000"/>
         </a:lnSpc>
@@ -6176,7 +6477,7 @@
           <a:srgbClr val="000000"/>
         </a:buClr>
         <a:buFont typeface="Arial"/>
-        <a:defRPr b="0" i="0" sz="1400" u="none" cap="none" strike="noStrike">
+        <a:defRPr sz="1400" b="0" i="0" u="none" strike="noStrike" cap="none">
           <a:solidFill>
             <a:srgbClr val="000000"/>
           </a:solidFill>
@@ -6186,7 +6487,7 @@
           <a:sym typeface="Arial"/>
         </a:defRPr>
       </a:lvl2pPr>
-      <a:lvl3pPr lvl="2" marR="0" rtl="0" algn="l">
+      <a:lvl3pPr marR="0" lvl="2" algn="l" rtl="0">
         <a:lnSpc>
           <a:spcPct val="100000"/>
         </a:lnSpc>
@@ -6200,7 +6501,7 @@
           <a:srgbClr val="000000"/>
         </a:buClr>
         <a:buFont typeface="Arial"/>
-        <a:defRPr b="0" i="0" sz="1400" u="none" cap="none" strike="noStrike">
+        <a:defRPr sz="1400" b="0" i="0" u="none" strike="noStrike" cap="none">
           <a:solidFill>
             <a:srgbClr val="000000"/>
           </a:solidFill>
@@ -6210,7 +6511,7 @@
           <a:sym typeface="Arial"/>
         </a:defRPr>
       </a:lvl3pPr>
-      <a:lvl4pPr lvl="3" marR="0" rtl="0" algn="l">
+      <a:lvl4pPr marR="0" lvl="3" algn="l" rtl="0">
         <a:lnSpc>
           <a:spcPct val="100000"/>
         </a:lnSpc>
@@ -6224,7 +6525,7 @@
           <a:srgbClr val="000000"/>
         </a:buClr>
         <a:buFont typeface="Arial"/>
-        <a:defRPr b="0" i="0" sz="1400" u="none" cap="none" strike="noStrike">
+        <a:defRPr sz="1400" b="0" i="0" u="none" strike="noStrike" cap="none">
           <a:solidFill>
             <a:srgbClr val="000000"/>
           </a:solidFill>
@@ -6234,7 +6535,7 @@
           <a:sym typeface="Arial"/>
         </a:defRPr>
       </a:lvl4pPr>
-      <a:lvl5pPr lvl="4" marR="0" rtl="0" algn="l">
+      <a:lvl5pPr marR="0" lvl="4" algn="l" rtl="0">
         <a:lnSpc>
           <a:spcPct val="100000"/>
         </a:lnSpc>
@@ -6248,7 +6549,7 @@
           <a:srgbClr val="000000"/>
         </a:buClr>
         <a:buFont typeface="Arial"/>
-        <a:defRPr b="0" i="0" sz="1400" u="none" cap="none" strike="noStrike">
+        <a:defRPr sz="1400" b="0" i="0" u="none" strike="noStrike" cap="none">
           <a:solidFill>
             <a:srgbClr val="000000"/>
           </a:solidFill>
@@ -6258,7 +6559,7 @@
           <a:sym typeface="Arial"/>
         </a:defRPr>
       </a:lvl5pPr>
-      <a:lvl6pPr lvl="5" marR="0" rtl="0" algn="l">
+      <a:lvl6pPr marR="0" lvl="5" algn="l" rtl="0">
         <a:lnSpc>
           <a:spcPct val="100000"/>
         </a:lnSpc>
@@ -6272,7 +6573,7 @@
           <a:srgbClr val="000000"/>
         </a:buClr>
         <a:buFont typeface="Arial"/>
-        <a:defRPr b="0" i="0" sz="1400" u="none" cap="none" strike="noStrike">
+        <a:defRPr sz="1400" b="0" i="0" u="none" strike="noStrike" cap="none">
           <a:solidFill>
             <a:srgbClr val="000000"/>
           </a:solidFill>
@@ -6282,7 +6583,7 @@
           <a:sym typeface="Arial"/>
         </a:defRPr>
       </a:lvl6pPr>
-      <a:lvl7pPr lvl="6" marR="0" rtl="0" algn="l">
+      <a:lvl7pPr marR="0" lvl="6" algn="l" rtl="0">
         <a:lnSpc>
           <a:spcPct val="100000"/>
         </a:lnSpc>
@@ -6296,7 +6597,7 @@
           <a:srgbClr val="000000"/>
         </a:buClr>
         <a:buFont typeface="Arial"/>
-        <a:defRPr b="0" i="0" sz="1400" u="none" cap="none" strike="noStrike">
+        <a:defRPr sz="1400" b="0" i="0" u="none" strike="noStrike" cap="none">
           <a:solidFill>
             <a:srgbClr val="000000"/>
           </a:solidFill>
@@ -6306,7 +6607,7 @@
           <a:sym typeface="Arial"/>
         </a:defRPr>
       </a:lvl7pPr>
-      <a:lvl8pPr lvl="7" marR="0" rtl="0" algn="l">
+      <a:lvl8pPr marR="0" lvl="7" algn="l" rtl="0">
         <a:lnSpc>
           <a:spcPct val="100000"/>
         </a:lnSpc>
@@ -6320,7 +6621,7 @@
           <a:srgbClr val="000000"/>
         </a:buClr>
         <a:buFont typeface="Arial"/>
-        <a:defRPr b="0" i="0" sz="1400" u="none" cap="none" strike="noStrike">
+        <a:defRPr sz="1400" b="0" i="0" u="none" strike="noStrike" cap="none">
           <a:solidFill>
             <a:srgbClr val="000000"/>
           </a:solidFill>
@@ -6330,7 +6631,7 @@
           <a:sym typeface="Arial"/>
         </a:defRPr>
       </a:lvl8pPr>
-      <a:lvl9pPr lvl="8" marR="0" rtl="0" algn="l">
+      <a:lvl9pPr marR="0" lvl="8" algn="l" rtl="0">
         <a:lnSpc>
           <a:spcPct val="100000"/>
         </a:lnSpc>
@@ -6344,7 +6645,7 @@
           <a:srgbClr val="000000"/>
         </a:buClr>
         <a:buFont typeface="Arial"/>
-        <a:defRPr b="0" i="0" sz="1400" u="none" cap="none" strike="noStrike">
+        <a:defRPr sz="1400" b="0" i="0" u="none" strike="noStrike" cap="none">
           <a:solidFill>
             <a:srgbClr val="000000"/>
           </a:solidFill>
@@ -6360,23 +6661,24 @@
 </file>
 
 <file path=ppt/slides/slide1.xml><?xml version="1.0" encoding="utf-8"?>
-<p:sld xmlns:a="http://schemas.openxmlformats.org/drawingml/2006/main" xmlns:r="http://schemas.openxmlformats.org/officeDocument/2006/relationships" xmlns:mc="http://schemas.openxmlformats.org/markup-compatibility/2006" xmlns:mv="urn:schemas-microsoft-com:mac:vml" xmlns:p="http://schemas.openxmlformats.org/presentationml/2006/main" xmlns:c="http://schemas.openxmlformats.org/drawingml/2006/chart" xmlns:dgm="http://schemas.openxmlformats.org/drawingml/2006/diagram" xmlns:o="urn:schemas-microsoft-com:office:office" xmlns:v="urn:schemas-microsoft-com:vml" xmlns:pvml="urn:schemas-microsoft-com:office:powerpoint" xmlns:com="http://schemas.openxmlformats.org/drawingml/2006/compatibility" xmlns:p14="http://schemas.microsoft.com/office/powerpoint/2010/main" xmlns:p15="http://schemas.microsoft.com/office/powerpoint/2012/main" xmlns:ahyp="http://schemas.microsoft.com/office/drawing/2018/hyperlinkcolor">
+<p:sld xmlns:a="http://schemas.openxmlformats.org/drawingml/2006/main" xmlns:r="http://schemas.openxmlformats.org/officeDocument/2006/relationships" xmlns:p="http://schemas.openxmlformats.org/presentationml/2006/main">
   <p:cSld>
     <p:bg>
       <p:bgPr>
         <a:blipFill>
-          <a:blip r:embed="rId3">
+          <a:blip r:embed="rId5">
             <a:alphaModFix/>
           </a:blip>
           <a:stretch>
             <a:fillRect/>
           </a:stretch>
         </a:blipFill>
+        <a:effectLst/>
       </p:bgPr>
     </p:bg>
     <p:spTree>
       <p:nvGrpSpPr>
-        <p:cNvPr id="53" name="Shape 53"/>
+        <p:cNvPr id="1" name="Shape 53"/>
         <p:cNvGrpSpPr/>
         <p:nvPr/>
       </p:nvGrpSpPr>
@@ -6403,14 +6705,14 @@
             <a:avLst/>
           </a:prstGeom>
           <a:noFill/>
-          <a:ln cap="flat" cmpd="sng" w="9525">
+          <a:ln w="9525" cap="flat" cmpd="sng">
             <a:solidFill>
               <a:schemeClr val="dk2"/>
             </a:solidFill>
             <a:prstDash val="solid"/>
             <a:round/>
-            <a:headEnd len="med" w="med" type="none"/>
-            <a:tailEnd len="med" w="med" type="none"/>
+            <a:headEnd type="none" w="med" len="med"/>
+            <a:tailEnd type="none" w="med" len="med"/>
           </a:ln>
         </p:spPr>
       </p:cxnSp>
@@ -6421,7 +6723,7 @@
           <p:nvPr/>
         </p:nvCxnSpPr>
         <p:spPr>
-          <a:xfrm flipH="1" rot="10800000">
+          <a:xfrm rot="10800000" flipH="1">
             <a:off x="8425150" y="26875"/>
             <a:ext cx="66900" cy="26700"/>
           </a:xfrm>
@@ -6429,14 +6731,14 @@
             <a:avLst/>
           </a:prstGeom>
           <a:noFill/>
-          <a:ln cap="flat" cmpd="sng" w="9525">
+          <a:ln w="9525" cap="flat" cmpd="sng">
             <a:solidFill>
               <a:schemeClr val="dk2"/>
             </a:solidFill>
             <a:prstDash val="solid"/>
             <a:round/>
-            <a:headEnd len="med" w="med" type="none"/>
-            <a:tailEnd len="med" w="med" type="none"/>
+            <a:headEnd type="none" w="med" len="med"/>
+            <a:tailEnd type="none" w="med" len="med"/>
           </a:ln>
         </p:spPr>
       </p:cxnSp>
@@ -6460,12 +6762,12 @@
           </a:ln>
         </p:spPr>
         <p:txBody>
-          <a:bodyPr anchorCtr="0" anchor="t" bIns="91425" lIns="91425" spcFirstLastPara="1" rIns="91425" wrap="square" tIns="91425">
+          <a:bodyPr spcFirstLastPara="1" wrap="square" lIns="91425" tIns="91425" rIns="91425" bIns="91425" anchor="t" anchorCtr="0">
             <a:spAutoFit/>
           </a:bodyPr>
           <a:lstStyle/>
           <a:p>
-            <a:pPr indent="0" lvl="0" marL="0" rtl="0" algn="l">
+            <a:pPr marL="0" lvl="0" indent="0" algn="l" rtl="0">
               <a:spcBef>
                 <a:spcPts val="0"/>
               </a:spcBef>
@@ -6474,9 +6776,6 @@
               </a:spcAft>
               <a:buNone/>
             </a:pPr>
-            <a:r>
-              <a:t/>
-            </a:r>
             <a:endParaRPr sz="1800">
               <a:solidFill>
                 <a:schemeClr val="dk2"/>
@@ -6502,23 +6801,23 @@
           <a:solidFill>
             <a:srgbClr val="BF9000"/>
           </a:solidFill>
-          <a:ln cap="flat" cmpd="sng" w="9525">
+          <a:ln w="9525" cap="flat" cmpd="sng">
             <a:solidFill>
               <a:schemeClr val="dk1"/>
             </a:solidFill>
             <a:prstDash val="solid"/>
             <a:round/>
-            <a:headEnd len="sm" w="sm" type="none"/>
-            <a:tailEnd len="sm" w="sm" type="none"/>
+            <a:headEnd type="none" w="sm" len="sm"/>
+            <a:tailEnd type="none" w="sm" len="sm"/>
           </a:ln>
         </p:spPr>
         <p:txBody>
-          <a:bodyPr anchorCtr="0" anchor="t" bIns="91425" lIns="91425" spcFirstLastPara="1" rIns="91425" wrap="square" tIns="91425">
+          <a:bodyPr spcFirstLastPara="1" wrap="square" lIns="91425" tIns="91425" rIns="91425" bIns="91425" anchor="t" anchorCtr="0">
             <a:spAutoFit/>
           </a:bodyPr>
           <a:lstStyle/>
           <a:p>
-            <a:pPr indent="0" lvl="0" marL="0" rtl="0" algn="l">
+            <a:pPr marL="0" lvl="0" indent="0" algn="l" rtl="0">
               <a:spcBef>
                 <a:spcPts val="0"/>
               </a:spcBef>
@@ -6528,7 +6827,7 @@
               <a:buNone/>
             </a:pPr>
             <a:r>
-              <a:rPr lang="en" sz="1800">
+              <a:rPr lang="en" sz="1800" dirty="0">
                 <a:solidFill>
                   <a:schemeClr val="dk1"/>
                 </a:solidFill>
@@ -6536,14 +6835,22 @@
               <a:t>         </a:t>
             </a:r>
             <a:r>
-              <a:rPr b="1" lang="en" sz="1800">
+              <a:rPr lang="en" sz="1800" b="1" dirty="0" smtClean="0">
                 <a:solidFill>
                   <a:schemeClr val="dk1"/>
                 </a:solidFill>
               </a:rPr>
-              <a:t>IDEA BY</a:t>
+              <a:t>IDEA  </a:t>
             </a:r>
-            <a:endParaRPr b="1" i="1" sz="1600" u="sng">
+            <a:r>
+              <a:rPr lang="en" sz="1800" b="1" dirty="0">
+                <a:solidFill>
+                  <a:schemeClr val="dk1"/>
+                </a:solidFill>
+              </a:rPr>
+              <a:t>BY</a:t>
+            </a:r>
+            <a:endParaRPr sz="1600" b="1" i="1" u="sng" dirty="0">
               <a:solidFill>
                 <a:schemeClr val="dk1"/>
               </a:solidFill>
@@ -6559,7 +6866,7 @@
         </p:nvSpPr>
         <p:spPr>
           <a:xfrm>
-            <a:off x="5391000" y="4057650"/>
+            <a:off x="5692700" y="4157600"/>
             <a:ext cx="3600600" cy="590700"/>
           </a:xfrm>
           <a:prstGeom prst="rect">
@@ -6568,23 +6875,23 @@
           <a:solidFill>
             <a:srgbClr val="BF9000"/>
           </a:solidFill>
-          <a:ln cap="flat" cmpd="sng" w="9525">
+          <a:ln w="9525" cap="flat" cmpd="sng">
             <a:solidFill>
               <a:srgbClr val="592424"/>
             </a:solidFill>
             <a:prstDash val="solid"/>
             <a:round/>
-            <a:headEnd len="sm" w="sm" type="none"/>
-            <a:tailEnd len="sm" w="sm" type="none"/>
+            <a:headEnd type="none" w="sm" len="sm"/>
+            <a:tailEnd type="none" w="sm" len="sm"/>
           </a:ln>
         </p:spPr>
         <p:txBody>
-          <a:bodyPr anchorCtr="0" anchor="t" bIns="91425" lIns="91425" spcFirstLastPara="1" rIns="91425" wrap="square" tIns="91425">
+          <a:bodyPr spcFirstLastPara="1" wrap="square" lIns="91425" tIns="91425" rIns="91425" bIns="91425" anchor="t" anchorCtr="0">
             <a:noAutofit/>
           </a:bodyPr>
           <a:lstStyle/>
           <a:p>
-            <a:pPr indent="0" lvl="0" marL="0" rtl="0" algn="l">
+            <a:pPr marL="0" lvl="0" indent="0" algn="l" rtl="0">
               <a:spcBef>
                 <a:spcPts val="0"/>
               </a:spcBef>
@@ -6594,7 +6901,7 @@
               <a:buNone/>
             </a:pPr>
             <a:r>
-              <a:rPr lang="en" sz="1800">
+              <a:rPr lang="en" sz="1800" dirty="0">
                 <a:solidFill>
                   <a:schemeClr val="dk2"/>
                 </a:solidFill>
@@ -6602,7 +6909,7 @@
               <a:t>         </a:t>
             </a:r>
             <a:r>
-              <a:rPr lang="en" sz="1800">
+              <a:rPr lang="en" sz="1800" dirty="0">
                 <a:solidFill>
                   <a:schemeClr val="dk2"/>
                 </a:solidFill>
@@ -6614,14 +6921,14 @@
               <a:t>SIR HAMZA AND SIR FAHAD</a:t>
             </a:r>
             <a:r>
-              <a:rPr lang="en" sz="1800">
+              <a:rPr lang="en" sz="1800" dirty="0">
                 <a:solidFill>
                   <a:schemeClr val="dk2"/>
                 </a:solidFill>
               </a:rPr>
               <a:t>   </a:t>
             </a:r>
-            <a:endParaRPr b="1" i="1" sz="1800"/>
+            <a:endParaRPr sz="1800" b="1" i="1" dirty="0"/>
           </a:p>
         </p:txBody>
       </p:sp>
@@ -6633,7 +6940,7 @@
         </p:nvSpPr>
         <p:spPr>
           <a:xfrm>
-            <a:off x="2540000" y="736600"/>
+            <a:off x="2362200" y="741250"/>
             <a:ext cx="6629400" cy="461700"/>
           </a:xfrm>
           <a:prstGeom prst="rect">
@@ -6645,12 +6952,12 @@
           </a:ln>
         </p:spPr>
         <p:txBody>
-          <a:bodyPr anchorCtr="0" anchor="t" bIns="91425" lIns="91425" spcFirstLastPara="1" rIns="91425" wrap="square" tIns="91425">
+          <a:bodyPr spcFirstLastPara="1" wrap="square" lIns="91425" tIns="91425" rIns="91425" bIns="91425" anchor="t" anchorCtr="0">
             <a:spAutoFit/>
           </a:bodyPr>
           <a:lstStyle/>
           <a:p>
-            <a:pPr indent="0" lvl="0" marL="0" rtl="0" algn="l">
+            <a:pPr marL="0" lvl="0" indent="0" algn="l" rtl="0">
               <a:spcBef>
                 <a:spcPts val="0"/>
               </a:spcBef>
@@ -6659,9 +6966,6 @@
               </a:spcAft>
               <a:buNone/>
             </a:pPr>
-            <a:r>
-              <a:t/>
-            </a:r>
             <a:endParaRPr sz="1800">
               <a:solidFill>
                 <a:schemeClr val="dk2"/>
@@ -6683,29 +6987,29 @@
           </a:xfrm>
           <a:prstGeom prst="roundRect">
             <a:avLst>
-              <a:gd fmla="val 16667" name="adj"/>
+              <a:gd name="adj" fmla="val 16667"/>
             </a:avLst>
           </a:prstGeom>
           <a:solidFill>
             <a:srgbClr val="BF9000"/>
           </a:solidFill>
-          <a:ln cap="flat" cmpd="sng" w="9525">
+          <a:ln w="9525" cap="flat" cmpd="sng">
             <a:solidFill>
               <a:schemeClr val="dk1"/>
             </a:solidFill>
             <a:prstDash val="solid"/>
             <a:round/>
-            <a:headEnd len="sm" w="sm" type="none"/>
-            <a:tailEnd len="sm" w="sm" type="none"/>
+            <a:headEnd type="none" w="sm" len="sm"/>
+            <a:tailEnd type="none" w="sm" len="sm"/>
           </a:ln>
         </p:spPr>
         <p:txBody>
-          <a:bodyPr anchorCtr="0" anchor="ctr" bIns="91425" lIns="91425" spcFirstLastPara="1" rIns="91425" wrap="square" tIns="91425">
+          <a:bodyPr spcFirstLastPara="1" wrap="square" lIns="91425" tIns="91425" rIns="91425" bIns="91425" anchor="ctr" anchorCtr="0">
             <a:noAutofit/>
           </a:bodyPr>
           <a:lstStyle/>
           <a:p>
-            <a:pPr indent="0" lvl="0" marL="0" rtl="0" algn="l">
+            <a:pPr marL="0" lvl="0" indent="0" algn="l" rtl="0">
               <a:spcBef>
                 <a:spcPts val="0"/>
               </a:spcBef>
@@ -6714,13 +7018,10 @@
               </a:spcAft>
               <a:buNone/>
             </a:pPr>
-            <a:r>
-              <a:t/>
-            </a:r>
             <a:endParaRPr/>
           </a:p>
           <a:p>
-            <a:pPr indent="0" lvl="0" marL="0" rtl="0" algn="l">
+            <a:pPr marL="0" lvl="0" indent="0" algn="l" rtl="0">
               <a:spcBef>
                 <a:spcPts val="0"/>
               </a:spcBef>
@@ -6729,13 +7030,10 @@
               </a:spcAft>
               <a:buNone/>
             </a:pPr>
-            <a:r>
-              <a:t/>
-            </a:r>
             <a:endParaRPr/>
           </a:p>
           <a:p>
-            <a:pPr indent="0" lvl="0" marL="0" rtl="0" algn="l">
+            <a:pPr marL="0" lvl="0" indent="0" algn="l" rtl="0">
               <a:spcBef>
                 <a:spcPts val="0"/>
               </a:spcBef>
@@ -6758,13 +7056,13 @@
               <a:t> </a:t>
             </a:r>
             <a:r>
-              <a:rPr b="1" lang="en" u="sng"/>
+              <a:rPr lang="en" b="1" u="sng"/>
               <a:t>AFSHEEN</a:t>
             </a:r>
             <a:endParaRPr b="1" u="sng"/>
           </a:p>
           <a:p>
-            <a:pPr indent="0" lvl="0" marL="0" rtl="0" algn="l">
+            <a:pPr marL="0" lvl="0" indent="0" algn="l" rtl="0">
               <a:spcBef>
                 <a:spcPts val="0"/>
               </a:spcBef>
@@ -6792,7 +7090,7 @@
             </a:endParaRPr>
           </a:p>
           <a:p>
-            <a:pPr indent="0" lvl="0" marL="0" rtl="0" algn="l">
+            <a:pPr marL="0" lvl="0" indent="0" algn="l" rtl="0">
               <a:spcBef>
                 <a:spcPts val="0"/>
               </a:spcBef>
@@ -6826,23 +7124,23 @@
           <a:solidFill>
             <a:schemeClr val="accent6"/>
           </a:solidFill>
-          <a:ln cap="flat" cmpd="sng" w="9525">
+          <a:ln w="9525" cap="flat" cmpd="sng">
             <a:solidFill>
               <a:schemeClr val="dk1"/>
             </a:solidFill>
             <a:prstDash val="solid"/>
             <a:round/>
-            <a:headEnd len="sm" w="sm" type="none"/>
-            <a:tailEnd len="sm" w="sm" type="none"/>
+            <a:headEnd type="none" w="sm" len="sm"/>
+            <a:tailEnd type="none" w="sm" len="sm"/>
           </a:ln>
         </p:spPr>
         <p:txBody>
-          <a:bodyPr anchorCtr="0" anchor="ctr" bIns="91425" lIns="91425" spcFirstLastPara="1" rIns="91425" wrap="square" tIns="91425">
+          <a:bodyPr spcFirstLastPara="1" wrap="square" lIns="91425" tIns="91425" rIns="91425" bIns="91425" anchor="ctr" anchorCtr="0">
             <a:noAutofit/>
           </a:bodyPr>
           <a:lstStyle/>
           <a:p>
-            <a:pPr indent="0" lvl="0" marL="0" rtl="0" algn="l">
+            <a:pPr marL="0" lvl="0" indent="0" algn="l" rtl="0">
               <a:spcBef>
                 <a:spcPts val="0"/>
               </a:spcBef>
@@ -6858,7 +7156,7 @@
             <a:endParaRPr/>
           </a:p>
           <a:p>
-            <a:pPr indent="0" lvl="0" marL="0" rtl="0" algn="l">
+            <a:pPr marL="0" lvl="0" indent="0" algn="l" rtl="0">
               <a:spcBef>
                 <a:spcPts val="0"/>
               </a:spcBef>
@@ -6874,7 +7172,7 @@
             <a:endParaRPr/>
           </a:p>
           <a:p>
-            <a:pPr indent="0" lvl="0" marL="0" rtl="0" algn="l">
+            <a:pPr marL="0" lvl="0" indent="0" algn="l" rtl="0">
               <a:spcBef>
                 <a:spcPts val="0"/>
               </a:spcBef>
@@ -6891,28 +7189,191 @@
           </a:p>
         </p:txBody>
       </p:sp>
+      <p:pic>
+        <p:nvPicPr>
+          <p:cNvPr id="2" name="Epic Spectrum - Pressure (freetouse.com)">
+            <a:hlinkClick r:id="" action="ppaction://media"/>
+          </p:cNvPr>
+          <p:cNvPicPr>
+            <a:picLocks noChangeAspect="1"/>
+          </p:cNvPicPr>
+          <p:nvPr>
+            <a:audioFile r:link="rId2"/>
+            <p:extLst>
+              <p:ext uri="{DAA4B4D4-6D71-4841-9C94-3DE7FCFB9230}">
+                <p14:media xmlns:p14="http://schemas.microsoft.com/office/powerpoint/2010/main" r:embed="rId1"/>
+              </p:ext>
+            </p:extLst>
+          </p:nvPr>
+        </p:nvPicPr>
+        <p:blipFill>
+          <a:blip r:embed="rId6"/>
+          <a:stretch>
+            <a:fillRect/>
+          </a:stretch>
+        </p:blipFill>
+        <p:spPr>
+          <a:xfrm>
+            <a:off x="7972286" y="3130399"/>
+            <a:ext cx="45719" cy="149520"/>
+          </a:xfrm>
+          <a:prstGeom prst="rect">
+            <a:avLst/>
+          </a:prstGeom>
+        </p:spPr>
+      </p:pic>
+      <p:pic>
+        <p:nvPicPr>
+          <p:cNvPr id="4" name="Epic Spectrum - Pressure (freetouse.com)">
+            <a:hlinkClick r:id="" action="ppaction://media"/>
+          </p:cNvPr>
+          <p:cNvPicPr>
+            <a:picLocks noChangeAspect="1"/>
+          </p:cNvPicPr>
+          <p:nvPr>
+            <a:audioFile r:link="rId2"/>
+            <p:extLst>
+              <p:ext uri="{DAA4B4D4-6D71-4841-9C94-3DE7FCFB9230}">
+                <p14:media xmlns:p14="http://schemas.microsoft.com/office/powerpoint/2010/main" r:embed="rId1"/>
+              </p:ext>
+            </p:extLst>
+          </p:nvPr>
+        </p:nvPicPr>
+        <p:blipFill>
+          <a:blip r:embed="rId6"/>
+          <a:stretch>
+            <a:fillRect/>
+          </a:stretch>
+        </p:blipFill>
+        <p:spPr>
+          <a:xfrm flipV="1">
+            <a:off x="7191300" y="2419919"/>
+            <a:ext cx="105582" cy="105582"/>
+          </a:xfrm>
+          <a:prstGeom prst="rect">
+            <a:avLst/>
+          </a:prstGeom>
+        </p:spPr>
+      </p:pic>
     </p:spTree>
   </p:cSld>
   <p:clrMapOvr>
     <a:masterClrMapping/>
   </p:clrMapOvr>
-  <mc:AlternateContent>
-    <mc:Choice Requires="p14">
-      <p:transition spd="slow" p14:dur="4500">
-        <p:push/>
-      </p:transition>
-    </mc:Choice>
-    <mc:Fallback>
-      <p:transition spd="slow">
-        <p:fade/>
-      </p:transition>
-    </mc:Fallback>
-  </mc:AlternateContent>
+  <p:transition spd="slow" advClick="0">
+    <p:push dir="u"/>
+  </p:transition>
+  <p:timing>
+    <p:tnLst>
+      <p:par>
+        <p:cTn id="1" dur="indefinite" restart="never" nodeType="tmRoot">
+          <p:childTnLst>
+            <p:seq concurrent="1" nextAc="seek">
+              <p:cTn id="2" dur="indefinite" nodeType="mainSeq">
+                <p:childTnLst>
+                  <p:par>
+                    <p:cTn id="3" fill="hold">
+                      <p:stCondLst>
+                        <p:cond delay="indefinite"/>
+                        <p:cond evt="onBegin" delay="0">
+                          <p:tn val="2"/>
+                        </p:cond>
+                      </p:stCondLst>
+                      <p:childTnLst>
+                        <p:par>
+                          <p:cTn id="4" fill="hold">
+                            <p:stCondLst>
+                              <p:cond delay="0"/>
+                            </p:stCondLst>
+                            <p:childTnLst>
+                              <p:par>
+                                <p:cTn id="5" presetID="1" presetClass="mediacall" presetSubtype="0" fill="hold" nodeType="afterEffect">
+                                  <p:stCondLst>
+                                    <p:cond delay="0"/>
+                                  </p:stCondLst>
+                                  <p:childTnLst>
+                                    <p:cmd type="call" cmd="playFrom(0.0)">
+                                      <p:cBhvr>
+                                        <p:cTn id="6" dur="1" fill="hold"/>
+                                        <p:tgtEl>
+                                          <p:spTgt spid="4"/>
+                                        </p:tgtEl>
+                                      </p:cBhvr>
+                                    </p:cmd>
+                                  </p:childTnLst>
+                                </p:cTn>
+                              </p:par>
+                            </p:childTnLst>
+                          </p:cTn>
+                        </p:par>
+                      </p:childTnLst>
+                    </p:cTn>
+                  </p:par>
+                </p:childTnLst>
+              </p:cTn>
+              <p:prevCondLst>
+                <p:cond evt="onPrev" delay="0">
+                  <p:tgtEl>
+                    <p:sldTgt/>
+                  </p:tgtEl>
+                </p:cond>
+              </p:prevCondLst>
+              <p:nextCondLst>
+                <p:cond evt="onNext" delay="0">
+                  <p:tgtEl>
+                    <p:sldTgt/>
+                  </p:tgtEl>
+                </p:cond>
+              </p:nextCondLst>
+            </p:seq>
+            <p:audio>
+              <p:cMediaNode vol="96970">
+                <p:cTn id="7" fill="hold" display="0">
+                  <p:stCondLst>
+                    <p:cond delay="indefinite"/>
+                  </p:stCondLst>
+                  <p:endCondLst>
+                    <p:cond evt="onStopAudio" delay="0">
+                      <p:tgtEl>
+                        <p:sldTgt/>
+                      </p:tgtEl>
+                    </p:cond>
+                  </p:endCondLst>
+                </p:cTn>
+                <p:tgtEl>
+                  <p:spTgt spid="2"/>
+                </p:tgtEl>
+              </p:cMediaNode>
+            </p:audio>
+            <p:audio>
+              <p:cMediaNode vol="80000" numSld="999" showWhenStopped="0">
+                <p:cTn id="8" repeatCount="indefinite" fill="remove" display="0">
+                  <p:stCondLst>
+                    <p:cond delay="indefinite"/>
+                  </p:stCondLst>
+                  <p:endCondLst>
+                    <p:cond evt="onStopAudio" delay="0">
+                      <p:tgtEl>
+                        <p:sldTgt/>
+                      </p:tgtEl>
+                    </p:cond>
+                  </p:endCondLst>
+                </p:cTn>
+                <p:tgtEl>
+                  <p:spTgt spid="4"/>
+                </p:tgtEl>
+              </p:cMediaNode>
+            </p:audio>
+          </p:childTnLst>
+        </p:cTn>
+      </p:par>
+    </p:tnLst>
+  </p:timing>
 </p:sld>
 </file>
 
 <file path=ppt/slides/slide10.xml><?xml version="1.0" encoding="utf-8"?>
-<p:sld xmlns:a="http://schemas.openxmlformats.org/drawingml/2006/main" xmlns:r="http://schemas.openxmlformats.org/officeDocument/2006/relationships" xmlns:mc="http://schemas.openxmlformats.org/markup-compatibility/2006" xmlns:mv="urn:schemas-microsoft-com:mac:vml" xmlns:p="http://schemas.openxmlformats.org/presentationml/2006/main" xmlns:c="http://schemas.openxmlformats.org/drawingml/2006/chart" xmlns:dgm="http://schemas.openxmlformats.org/drawingml/2006/diagram" xmlns:o="urn:schemas-microsoft-com:office:office" xmlns:v="urn:schemas-microsoft-com:vml" xmlns:pvml="urn:schemas-microsoft-com:office:powerpoint" xmlns:com="http://schemas.openxmlformats.org/drawingml/2006/compatibility" xmlns:p14="http://schemas.microsoft.com/office/powerpoint/2010/main" xmlns:p15="http://schemas.microsoft.com/office/powerpoint/2012/main" xmlns:ahyp="http://schemas.microsoft.com/office/drawing/2018/hyperlinkcolor">
+<p:sld xmlns:a="http://schemas.openxmlformats.org/drawingml/2006/main" xmlns:r="http://schemas.openxmlformats.org/officeDocument/2006/relationships" xmlns:p="http://schemas.openxmlformats.org/presentationml/2006/main">
   <p:cSld>
     <p:bg>
       <p:bgPr>
@@ -6924,11 +7385,12 @@
             <a:fillRect/>
           </a:stretch>
         </a:blipFill>
+        <a:effectLst/>
       </p:bgPr>
     </p:bg>
     <p:spTree>
       <p:nvGrpSpPr>
-        <p:cNvPr id="152" name="Shape 152"/>
+        <p:cNvPr id="1" name="Shape 152"/>
         <p:cNvGrpSpPr/>
         <p:nvPr/>
       </p:nvGrpSpPr>
@@ -6955,14 +7417,14 @@
             <a:avLst/>
           </a:prstGeom>
           <a:noFill/>
-          <a:ln cap="flat" cmpd="sng" w="9525">
+          <a:ln w="9525" cap="flat" cmpd="sng">
             <a:solidFill>
               <a:schemeClr val="dk2"/>
             </a:solidFill>
             <a:prstDash val="solid"/>
             <a:round/>
-            <a:headEnd len="med" w="med" type="none"/>
-            <a:tailEnd len="med" w="med" type="none"/>
+            <a:headEnd type="none" w="med" len="med"/>
+            <a:tailEnd type="none" w="med" len="med"/>
           </a:ln>
         </p:spPr>
       </p:cxnSp>
@@ -6973,7 +7435,7 @@
           <p:nvPr/>
         </p:nvCxnSpPr>
         <p:spPr>
-          <a:xfrm flipH="1" rot="10800000">
+          <a:xfrm rot="10800000" flipH="1">
             <a:off x="8425150" y="26875"/>
             <a:ext cx="66900" cy="26700"/>
           </a:xfrm>
@@ -6981,14 +7443,14 @@
             <a:avLst/>
           </a:prstGeom>
           <a:noFill/>
-          <a:ln cap="flat" cmpd="sng" w="9525">
+          <a:ln w="9525" cap="flat" cmpd="sng">
             <a:solidFill>
               <a:schemeClr val="dk2"/>
             </a:solidFill>
             <a:prstDash val="solid"/>
             <a:round/>
-            <a:headEnd len="med" w="med" type="none"/>
-            <a:tailEnd len="med" w="med" type="none"/>
+            <a:headEnd type="none" w="med" len="med"/>
+            <a:tailEnd type="none" w="med" len="med"/>
           </a:ln>
         </p:spPr>
       </p:cxnSp>
@@ -7012,12 +7474,12 @@
           </a:ln>
         </p:spPr>
         <p:txBody>
-          <a:bodyPr anchorCtr="0" anchor="t" bIns="91425" lIns="91425" spcFirstLastPara="1" rIns="91425" wrap="square" tIns="91425">
+          <a:bodyPr spcFirstLastPara="1" wrap="square" lIns="91425" tIns="91425" rIns="91425" bIns="91425" anchor="t" anchorCtr="0">
             <a:spAutoFit/>
           </a:bodyPr>
           <a:lstStyle/>
           <a:p>
-            <a:pPr indent="0" lvl="0" marL="0" rtl="0" algn="l">
+            <a:pPr marL="0" lvl="0" indent="0" algn="l" rtl="0">
               <a:spcBef>
                 <a:spcPts val="0"/>
               </a:spcBef>
@@ -7026,9 +7488,6 @@
               </a:spcAft>
               <a:buNone/>
             </a:pPr>
-            <a:r>
-              <a:t/>
-            </a:r>
             <a:endParaRPr sz="1800">
               <a:solidFill>
                 <a:schemeClr val="dk2"/>
@@ -7057,12 +7516,12 @@
           </a:ln>
         </p:spPr>
         <p:txBody>
-          <a:bodyPr anchorCtr="0" anchor="t" bIns="91425" lIns="91425" spcFirstLastPara="1" rIns="91425" wrap="square" tIns="91425">
+          <a:bodyPr spcFirstLastPara="1" wrap="square" lIns="91425" tIns="91425" rIns="91425" bIns="91425" anchor="t" anchorCtr="0">
             <a:spAutoFit/>
           </a:bodyPr>
           <a:lstStyle/>
           <a:p>
-            <a:pPr indent="0" lvl="0" marL="0" rtl="0" algn="l">
+            <a:pPr marL="0" lvl="0" indent="0" algn="l" rtl="0">
               <a:spcBef>
                 <a:spcPts val="0"/>
               </a:spcBef>
@@ -7071,9 +7530,6 @@
               </a:spcAft>
               <a:buNone/>
             </a:pPr>
-            <a:r>
-              <a:t/>
-            </a:r>
             <a:endParaRPr sz="1800">
               <a:solidFill>
                 <a:schemeClr val="dk2"/>
@@ -7095,30 +7551,30 @@
           </a:xfrm>
           <a:prstGeom prst="halfFrame">
             <a:avLst>
-              <a:gd fmla="val 33333" name="adj1"/>
-              <a:gd fmla="val 33333" name="adj2"/>
+              <a:gd name="adj1" fmla="val 33333"/>
+              <a:gd name="adj2" fmla="val 33333"/>
             </a:avLst>
           </a:prstGeom>
           <a:solidFill>
             <a:schemeClr val="dk1"/>
           </a:solidFill>
-          <a:ln cap="flat" cmpd="sng" w="9525">
+          <a:ln w="9525" cap="flat" cmpd="sng">
             <a:solidFill>
               <a:schemeClr val="dk2"/>
             </a:solidFill>
             <a:prstDash val="solid"/>
             <a:round/>
-            <a:headEnd len="sm" w="sm" type="none"/>
-            <a:tailEnd len="sm" w="sm" type="none"/>
+            <a:headEnd type="none" w="sm" len="sm"/>
+            <a:tailEnd type="none" w="sm" len="sm"/>
           </a:ln>
         </p:spPr>
         <p:txBody>
-          <a:bodyPr anchorCtr="0" anchor="ctr" bIns="91425" lIns="91425" spcFirstLastPara="1" rIns="91425" wrap="square" tIns="91425">
+          <a:bodyPr spcFirstLastPara="1" wrap="square" lIns="91425" tIns="91425" rIns="91425" bIns="91425" anchor="ctr" anchorCtr="0">
             <a:noAutofit/>
           </a:bodyPr>
           <a:lstStyle/>
           <a:p>
-            <a:pPr indent="0" lvl="0" marL="0" rtl="0" algn="ctr">
+            <a:pPr marL="0" lvl="0" indent="0" algn="ctr" rtl="0">
               <a:spcBef>
                 <a:spcPts val="0"/>
               </a:spcBef>
@@ -7127,9 +7583,6 @@
               </a:spcAft>
               <a:buNone/>
             </a:pPr>
-            <a:r>
-              <a:t/>
-            </a:r>
             <a:endParaRPr/>
           </a:p>
         </p:txBody>
@@ -7141,36 +7594,36 @@
           <p:nvPr/>
         </p:nvSpPr>
         <p:spPr>
-          <a:xfrm flipH="1" rot="5400000">
+          <a:xfrm rot="5400000" flipH="1">
             <a:off x="4940050" y="2222350"/>
             <a:ext cx="978000" cy="902100"/>
           </a:xfrm>
           <a:prstGeom prst="halfFrame">
             <a:avLst>
-              <a:gd fmla="val 33333" name="adj1"/>
-              <a:gd fmla="val 33333" name="adj2"/>
+              <a:gd name="adj1" fmla="val 33333"/>
+              <a:gd name="adj2" fmla="val 33333"/>
             </a:avLst>
           </a:prstGeom>
           <a:solidFill>
             <a:schemeClr val="dk1"/>
           </a:solidFill>
-          <a:ln cap="flat" cmpd="sng" w="9525">
+          <a:ln w="9525" cap="flat" cmpd="sng">
             <a:solidFill>
               <a:schemeClr val="dk2"/>
             </a:solidFill>
             <a:prstDash val="solid"/>
             <a:round/>
-            <a:headEnd len="sm" w="sm" type="none"/>
-            <a:tailEnd len="sm" w="sm" type="none"/>
+            <a:headEnd type="none" w="sm" len="sm"/>
+            <a:tailEnd type="none" w="sm" len="sm"/>
           </a:ln>
         </p:spPr>
         <p:txBody>
-          <a:bodyPr anchorCtr="0" anchor="ctr" bIns="91425" lIns="91425" spcFirstLastPara="1" rIns="91425" wrap="square" tIns="91425">
+          <a:bodyPr spcFirstLastPara="1" wrap="square" lIns="91425" tIns="91425" rIns="91425" bIns="91425" anchor="ctr" anchorCtr="0">
             <a:noAutofit/>
           </a:bodyPr>
           <a:lstStyle/>
           <a:p>
-            <a:pPr indent="0" lvl="0" marL="0" rtl="0" algn="ctr">
+            <a:pPr marL="0" lvl="0" indent="0" algn="ctr" rtl="0">
               <a:spcBef>
                 <a:spcPts val="0"/>
               </a:spcBef>
@@ -7179,9 +7632,6 @@
               </a:spcAft>
               <a:buNone/>
             </a:pPr>
-            <a:r>
-              <a:t/>
-            </a:r>
             <a:endParaRPr/>
           </a:p>
         </p:txBody>
@@ -7206,12 +7656,12 @@
           </a:ln>
         </p:spPr>
         <p:txBody>
-          <a:bodyPr anchorCtr="0" anchor="t" bIns="91425" lIns="91425" spcFirstLastPara="1" rIns="91425" wrap="square" tIns="91425">
+          <a:bodyPr spcFirstLastPara="1" wrap="square" lIns="91425" tIns="91425" rIns="91425" bIns="91425" anchor="t" anchorCtr="0">
             <a:noAutofit/>
           </a:bodyPr>
           <a:lstStyle/>
           <a:p>
-            <a:pPr indent="0" lvl="0" marL="0" rtl="0" algn="l">
+            <a:pPr marL="0" lvl="0" indent="0" algn="l" rtl="0">
               <a:spcBef>
                 <a:spcPts val="0"/>
               </a:spcBef>
@@ -7220,9 +7670,6 @@
               </a:spcAft>
               <a:buNone/>
             </a:pPr>
-            <a:r>
-              <a:t/>
-            </a:r>
             <a:endParaRPr sz="1800">
               <a:solidFill>
                 <a:schemeClr val="dk2"/>
@@ -7253,12 +7700,12 @@
           </a:ln>
         </p:spPr>
         <p:txBody>
-          <a:bodyPr anchorCtr="0" anchor="t" bIns="91425" lIns="91425" spcFirstLastPara="1" rIns="91425" wrap="square" tIns="91425">
+          <a:bodyPr spcFirstLastPara="1" wrap="square" lIns="91425" tIns="91425" rIns="91425" bIns="91425" anchor="t" anchorCtr="0">
             <a:noAutofit/>
           </a:bodyPr>
           <a:lstStyle/>
           <a:p>
-            <a:pPr indent="0" lvl="0" marL="0" rtl="0" algn="l">
+            <a:pPr marL="0" lvl="0" indent="0" algn="l" rtl="0">
               <a:spcBef>
                 <a:spcPts val="0"/>
               </a:spcBef>
@@ -7268,7 +7715,7 @@
               <a:buNone/>
             </a:pPr>
             <a:r>
-              <a:rPr b="1" lang="en" sz="1800">
+              <a:rPr lang="en" sz="1800" b="1">
                 <a:solidFill>
                   <a:schemeClr val="dk2"/>
                 </a:solidFill>
@@ -7279,7 +7726,7 @@
               </a:rPr>
               <a:t>   Thank you</a:t>
             </a:r>
-            <a:endParaRPr b="1" sz="1800" u="sng">
+            <a:endParaRPr sz="1800" b="1" u="sng">
               <a:solidFill>
                 <a:schemeClr val="dk2"/>
               </a:solidFill>
@@ -7304,29 +7751,29 @@
           </a:xfrm>
           <a:prstGeom prst="teardrop">
             <a:avLst>
-              <a:gd fmla="val 24518" name="adj"/>
+              <a:gd name="adj" fmla="val 24518"/>
             </a:avLst>
           </a:prstGeom>
           <a:solidFill>
             <a:schemeClr val="accent6"/>
           </a:solidFill>
-          <a:ln cap="flat" cmpd="sng" w="9525">
+          <a:ln w="9525" cap="flat" cmpd="sng">
             <a:solidFill>
               <a:schemeClr val="dk2"/>
             </a:solidFill>
             <a:prstDash val="solid"/>
             <a:round/>
-            <a:headEnd len="sm" w="sm" type="none"/>
-            <a:tailEnd len="sm" w="sm" type="none"/>
+            <a:headEnd type="none" w="sm" len="sm"/>
+            <a:tailEnd type="none" w="sm" len="sm"/>
           </a:ln>
         </p:spPr>
         <p:txBody>
-          <a:bodyPr anchorCtr="0" anchor="ctr" bIns="91425" lIns="91425" spcFirstLastPara="1" rIns="91425" wrap="square" tIns="91425">
+          <a:bodyPr spcFirstLastPara="1" wrap="square" lIns="91425" tIns="91425" rIns="91425" bIns="91425" anchor="ctr" anchorCtr="0">
             <a:noAutofit/>
           </a:bodyPr>
           <a:lstStyle/>
           <a:p>
-            <a:pPr indent="0" lvl="0" marL="0" rtl="0" algn="ctr">
+            <a:pPr marL="0" lvl="0" indent="0" algn="ctr" rtl="0">
               <a:spcBef>
                 <a:spcPts val="0"/>
               </a:spcBef>
@@ -7335,9 +7782,6 @@
               </a:spcAft>
               <a:buNone/>
             </a:pPr>
-            <a:r>
-              <a:t/>
-            </a:r>
             <a:endParaRPr/>
           </a:p>
         </p:txBody>
@@ -7355,30 +7799,30 @@
           </a:xfrm>
           <a:prstGeom prst="halfFrame">
             <a:avLst>
-              <a:gd fmla="val 33333" name="adj1"/>
-              <a:gd fmla="val 33333" name="adj2"/>
+              <a:gd name="adj1" fmla="val 33333"/>
+              <a:gd name="adj2" fmla="val 33333"/>
             </a:avLst>
           </a:prstGeom>
           <a:solidFill>
             <a:schemeClr val="lt2"/>
           </a:solidFill>
-          <a:ln cap="flat" cmpd="sng" w="9525">
+          <a:ln w="9525" cap="flat" cmpd="sng">
             <a:solidFill>
               <a:schemeClr val="dk2"/>
             </a:solidFill>
             <a:prstDash val="solid"/>
             <a:round/>
-            <a:headEnd len="sm" w="sm" type="none"/>
-            <a:tailEnd len="sm" w="sm" type="none"/>
+            <a:headEnd type="none" w="sm" len="sm"/>
+            <a:tailEnd type="none" w="sm" len="sm"/>
           </a:ln>
         </p:spPr>
         <p:txBody>
-          <a:bodyPr anchorCtr="0" anchor="ctr" bIns="91425" lIns="91425" spcFirstLastPara="1" rIns="91425" wrap="square" tIns="91425">
+          <a:bodyPr spcFirstLastPara="1" wrap="square" lIns="91425" tIns="91425" rIns="91425" bIns="91425" anchor="ctr" anchorCtr="0">
             <a:noAutofit/>
           </a:bodyPr>
           <a:lstStyle/>
           <a:p>
-            <a:pPr indent="0" lvl="0" marL="0" rtl="0" algn="ctr">
+            <a:pPr marL="0" lvl="0" indent="0" algn="ctr" rtl="0">
               <a:spcBef>
                 <a:spcPts val="0"/>
               </a:spcBef>
@@ -7387,9 +7831,6 @@
               </a:spcAft>
               <a:buNone/>
             </a:pPr>
-            <a:r>
-              <a:t/>
-            </a:r>
             <a:endParaRPr/>
           </a:p>
         </p:txBody>
@@ -7407,30 +7848,30 @@
           </a:xfrm>
           <a:prstGeom prst="halfFrame">
             <a:avLst>
-              <a:gd fmla="val 33333" name="adj1"/>
-              <a:gd fmla="val 33333" name="adj2"/>
+              <a:gd name="adj1" fmla="val 33333"/>
+              <a:gd name="adj2" fmla="val 33333"/>
             </a:avLst>
           </a:prstGeom>
           <a:solidFill>
             <a:schemeClr val="lt1"/>
           </a:solidFill>
-          <a:ln cap="flat" cmpd="sng" w="9525">
+          <a:ln w="9525" cap="flat" cmpd="sng">
             <a:solidFill>
               <a:schemeClr val="dk2"/>
             </a:solidFill>
             <a:prstDash val="solid"/>
             <a:round/>
-            <a:headEnd len="sm" w="sm" type="none"/>
-            <a:tailEnd len="sm" w="sm" type="none"/>
+            <a:headEnd type="none" w="sm" len="sm"/>
+            <a:tailEnd type="none" w="sm" len="sm"/>
           </a:ln>
         </p:spPr>
         <p:txBody>
-          <a:bodyPr anchorCtr="0" anchor="ctr" bIns="91425" lIns="91425" spcFirstLastPara="1" rIns="91425" wrap="square" tIns="91425">
+          <a:bodyPr spcFirstLastPara="1" wrap="square" lIns="91425" tIns="91425" rIns="91425" bIns="91425" anchor="ctr" anchorCtr="0">
             <a:noAutofit/>
           </a:bodyPr>
           <a:lstStyle/>
           <a:p>
-            <a:pPr indent="0" lvl="0" marL="0" rtl="0" algn="ctr">
+            <a:pPr marL="0" lvl="0" indent="0" algn="ctr" rtl="0">
               <a:spcBef>
                 <a:spcPts val="0"/>
               </a:spcBef>
@@ -7439,9 +7880,6 @@
               </a:spcAft>
               <a:buNone/>
             </a:pPr>
-            <a:r>
-              <a:t/>
-            </a:r>
             <a:endParaRPr/>
           </a:p>
         </p:txBody>
@@ -7451,11 +7889,21 @@
   <p:clrMapOvr>
     <a:masterClrMapping/>
   </p:clrMapOvr>
+  <p:transition spd="slow" advClick="0">
+    <p:push dir="u"/>
+  </p:transition>
+  <p:timing>
+    <p:tnLst>
+      <p:par>
+        <p:cTn id="1" dur="indefinite" restart="never" nodeType="tmRoot"/>
+      </p:par>
+    </p:tnLst>
+  </p:timing>
 </p:sld>
 </file>
 
 <file path=ppt/slides/slide2.xml><?xml version="1.0" encoding="utf-8"?>
-<p:sld xmlns:a="http://schemas.openxmlformats.org/drawingml/2006/main" xmlns:r="http://schemas.openxmlformats.org/officeDocument/2006/relationships" xmlns:mc="http://schemas.openxmlformats.org/markup-compatibility/2006" xmlns:mv="urn:schemas-microsoft-com:mac:vml" xmlns:p="http://schemas.openxmlformats.org/presentationml/2006/main" xmlns:c="http://schemas.openxmlformats.org/drawingml/2006/chart" xmlns:dgm="http://schemas.openxmlformats.org/drawingml/2006/diagram" xmlns:o="urn:schemas-microsoft-com:office:office" xmlns:v="urn:schemas-microsoft-com:vml" xmlns:pvml="urn:schemas-microsoft-com:office:powerpoint" xmlns:com="http://schemas.openxmlformats.org/drawingml/2006/compatibility" xmlns:p14="http://schemas.microsoft.com/office/powerpoint/2010/main" xmlns:p15="http://schemas.microsoft.com/office/powerpoint/2012/main" xmlns:ahyp="http://schemas.microsoft.com/office/drawing/2018/hyperlinkcolor">
+<p:sld xmlns:a="http://schemas.openxmlformats.org/drawingml/2006/main" xmlns:r="http://schemas.openxmlformats.org/officeDocument/2006/relationships" xmlns:p="http://schemas.openxmlformats.org/presentationml/2006/main">
   <p:cSld>
     <p:bg>
       <p:bgPr>
@@ -7467,11 +7915,12 @@
             <a:fillRect/>
           </a:stretch>
         </a:blipFill>
+        <a:effectLst/>
       </p:bgPr>
     </p:bg>
     <p:spTree>
       <p:nvGrpSpPr>
-        <p:cNvPr id="65" name="Shape 65"/>
+        <p:cNvPr id="1" name="Shape 65"/>
         <p:cNvGrpSpPr/>
         <p:nvPr/>
       </p:nvGrpSpPr>
@@ -7498,14 +7947,14 @@
             <a:avLst/>
           </a:prstGeom>
           <a:noFill/>
-          <a:ln cap="flat" cmpd="sng" w="9525">
+          <a:ln w="9525" cap="flat" cmpd="sng">
             <a:solidFill>
               <a:schemeClr val="dk2"/>
             </a:solidFill>
             <a:prstDash val="solid"/>
             <a:round/>
-            <a:headEnd len="med" w="med" type="none"/>
-            <a:tailEnd len="med" w="med" type="none"/>
+            <a:headEnd type="none" w="med" len="med"/>
+            <a:tailEnd type="none" w="med" len="med"/>
           </a:ln>
         </p:spPr>
       </p:cxnSp>
@@ -7516,7 +7965,7 @@
           <p:nvPr/>
         </p:nvCxnSpPr>
         <p:spPr>
-          <a:xfrm flipH="1" rot="10800000">
+          <a:xfrm rot="10800000" flipH="1">
             <a:off x="8425150" y="26875"/>
             <a:ext cx="66900" cy="26700"/>
           </a:xfrm>
@@ -7524,14 +7973,14 @@
             <a:avLst/>
           </a:prstGeom>
           <a:noFill/>
-          <a:ln cap="flat" cmpd="sng" w="9525">
+          <a:ln w="9525" cap="flat" cmpd="sng">
             <a:solidFill>
               <a:schemeClr val="dk2"/>
             </a:solidFill>
             <a:prstDash val="solid"/>
             <a:round/>
-            <a:headEnd len="med" w="med" type="none"/>
-            <a:tailEnd len="med" w="med" type="none"/>
+            <a:headEnd type="none" w="med" len="med"/>
+            <a:tailEnd type="none" w="med" len="med"/>
           </a:ln>
         </p:spPr>
       </p:cxnSp>
@@ -7555,12 +8004,12 @@
           </a:ln>
         </p:spPr>
         <p:txBody>
-          <a:bodyPr anchorCtr="0" anchor="t" bIns="91425" lIns="91425" spcFirstLastPara="1" rIns="91425" wrap="square" tIns="91425">
+          <a:bodyPr spcFirstLastPara="1" wrap="square" lIns="91425" tIns="91425" rIns="91425" bIns="91425" anchor="t" anchorCtr="0">
             <a:spAutoFit/>
           </a:bodyPr>
           <a:lstStyle/>
           <a:p>
-            <a:pPr indent="0" lvl="0" marL="0" rtl="0" algn="l">
+            <a:pPr marL="0" lvl="0" indent="0" algn="l" rtl="0">
               <a:spcBef>
                 <a:spcPts val="0"/>
               </a:spcBef>
@@ -7569,9 +8018,6 @@
               </a:spcAft>
               <a:buNone/>
             </a:pPr>
-            <a:r>
-              <a:t/>
-            </a:r>
             <a:endParaRPr sz="1800">
               <a:solidFill>
                 <a:schemeClr val="dk2"/>
@@ -7597,23 +8043,23 @@
           <a:solidFill>
             <a:srgbClr val="FFE599"/>
           </a:solidFill>
-          <a:ln cap="flat" cmpd="sng" w="9525">
+          <a:ln w="9525" cap="flat" cmpd="sng">
             <a:solidFill>
               <a:schemeClr val="lt1"/>
             </a:solidFill>
             <a:prstDash val="solid"/>
             <a:round/>
-            <a:headEnd len="sm" w="sm" type="none"/>
-            <a:tailEnd len="sm" w="sm" type="none"/>
+            <a:headEnd type="none" w="sm" len="sm"/>
+            <a:tailEnd type="none" w="sm" len="sm"/>
           </a:ln>
         </p:spPr>
         <p:txBody>
-          <a:bodyPr anchorCtr="0" anchor="t" bIns="91425" lIns="91425" spcFirstLastPara="1" rIns="91425" wrap="square" tIns="91425">
+          <a:bodyPr spcFirstLastPara="1" wrap="square" lIns="91425" tIns="91425" rIns="91425" bIns="91425" anchor="t" anchorCtr="0">
             <a:spAutoFit/>
           </a:bodyPr>
           <a:lstStyle/>
           <a:p>
-            <a:pPr indent="0" lvl="0" marL="0" rtl="0" algn="l">
+            <a:pPr marL="0" lvl="0" indent="0" algn="l" rtl="0">
               <a:spcBef>
                 <a:spcPts val="0"/>
               </a:spcBef>
@@ -7630,7 +8076,7 @@
               </a:rPr>
               <a:t>     PRESANTATION OF</a:t>
             </a:r>
-            <a:endParaRPr i="1" sz="1600" u="sng">
+            <a:endParaRPr sz="1600" i="1" u="sng">
               <a:solidFill>
                 <a:schemeClr val="dk1"/>
               </a:solidFill>
@@ -7660,12 +8106,12 @@
           </a:ln>
         </p:spPr>
         <p:txBody>
-          <a:bodyPr anchorCtr="0" anchor="t" bIns="91425" lIns="91425" spcFirstLastPara="1" rIns="91425" wrap="square" tIns="91425">
+          <a:bodyPr spcFirstLastPara="1" wrap="square" lIns="91425" tIns="91425" rIns="91425" bIns="91425" anchor="t" anchorCtr="0">
             <a:noAutofit/>
           </a:bodyPr>
           <a:lstStyle/>
           <a:p>
-            <a:pPr indent="0" lvl="0" marL="0" rtl="0" algn="l">
+            <a:pPr marL="0" lvl="0" indent="0" algn="l" rtl="0">
               <a:spcBef>
                 <a:spcPts val="0"/>
               </a:spcBef>
@@ -7686,7 +8132,7 @@
               <a:rPr lang="en" sz="1800"/>
               <a:t>NEXT.JS</a:t>
             </a:r>
-            <a:endParaRPr b="1" i="1" sz="1800"/>
+            <a:endParaRPr sz="1800" b="1" i="1"/>
           </a:p>
         </p:txBody>
       </p:sp>
@@ -7710,12 +8156,12 @@
           </a:ln>
         </p:spPr>
         <p:txBody>
-          <a:bodyPr anchorCtr="0" anchor="t" bIns="91425" lIns="91425" spcFirstLastPara="1" rIns="91425" wrap="square" tIns="91425">
+          <a:bodyPr spcFirstLastPara="1" wrap="square" lIns="91425" tIns="91425" rIns="91425" bIns="91425" anchor="t" anchorCtr="0">
             <a:spAutoFit/>
           </a:bodyPr>
           <a:lstStyle/>
           <a:p>
-            <a:pPr indent="0" lvl="0" marL="0" rtl="0" algn="l">
+            <a:pPr marL="0" lvl="0" indent="0" algn="l" rtl="0">
               <a:spcBef>
                 <a:spcPts val="0"/>
               </a:spcBef>
@@ -7724,9 +8170,6 @@
               </a:spcAft>
               <a:buNone/>
             </a:pPr>
-            <a:r>
-              <a:t/>
-            </a:r>
             <a:endParaRPr sz="1800">
               <a:solidFill>
                 <a:schemeClr val="dk2"/>
@@ -7740,11 +8183,21 @@
   <p:clrMapOvr>
     <a:masterClrMapping/>
   </p:clrMapOvr>
+  <p:transition spd="slow" advClick="0">
+    <p:push dir="u"/>
+  </p:transition>
+  <p:timing>
+    <p:tnLst>
+      <p:par>
+        <p:cTn id="1" dur="indefinite" restart="never" nodeType="tmRoot"/>
+      </p:par>
+    </p:tnLst>
+  </p:timing>
 </p:sld>
 </file>
 
 <file path=ppt/slides/slide3.xml><?xml version="1.0" encoding="utf-8"?>
-<p:sld xmlns:a="http://schemas.openxmlformats.org/drawingml/2006/main" xmlns:r="http://schemas.openxmlformats.org/officeDocument/2006/relationships" xmlns:mc="http://schemas.openxmlformats.org/markup-compatibility/2006" xmlns:mv="urn:schemas-microsoft-com:mac:vml" xmlns:p="http://schemas.openxmlformats.org/presentationml/2006/main" xmlns:c="http://schemas.openxmlformats.org/drawingml/2006/chart" xmlns:dgm="http://schemas.openxmlformats.org/drawingml/2006/diagram" xmlns:o="urn:schemas-microsoft-com:office:office" xmlns:v="urn:schemas-microsoft-com:vml" xmlns:pvml="urn:schemas-microsoft-com:office:powerpoint" xmlns:com="http://schemas.openxmlformats.org/drawingml/2006/compatibility" xmlns:p14="http://schemas.microsoft.com/office/powerpoint/2010/main" xmlns:p15="http://schemas.microsoft.com/office/powerpoint/2012/main" xmlns:ahyp="http://schemas.microsoft.com/office/drawing/2018/hyperlinkcolor">
+<p:sld xmlns:a="http://schemas.openxmlformats.org/drawingml/2006/main" xmlns:r="http://schemas.openxmlformats.org/officeDocument/2006/relationships" xmlns:p="http://schemas.openxmlformats.org/presentationml/2006/main">
   <p:cSld>
     <p:bg>
       <p:bgPr>
@@ -7756,11 +8209,12 @@
             <a:fillRect/>
           </a:stretch>
         </a:blipFill>
+        <a:effectLst/>
       </p:bgPr>
     </p:bg>
     <p:spTree>
       <p:nvGrpSpPr>
-        <p:cNvPr id="75" name="Shape 75"/>
+        <p:cNvPr id="1" name="Shape 75"/>
         <p:cNvGrpSpPr/>
         <p:nvPr/>
       </p:nvGrpSpPr>
@@ -7787,14 +8241,14 @@
             <a:avLst/>
           </a:prstGeom>
           <a:noFill/>
-          <a:ln cap="flat" cmpd="sng" w="9525">
+          <a:ln w="9525" cap="flat" cmpd="sng">
             <a:solidFill>
               <a:schemeClr val="dk2"/>
             </a:solidFill>
             <a:prstDash val="solid"/>
             <a:round/>
-            <a:headEnd len="med" w="med" type="none"/>
-            <a:tailEnd len="med" w="med" type="none"/>
+            <a:headEnd type="none" w="med" len="med"/>
+            <a:tailEnd type="none" w="med" len="med"/>
           </a:ln>
         </p:spPr>
       </p:cxnSp>
@@ -7805,7 +8259,7 @@
           <p:nvPr/>
         </p:nvCxnSpPr>
         <p:spPr>
-          <a:xfrm flipH="1" rot="10800000">
+          <a:xfrm rot="10800000" flipH="1">
             <a:off x="8425150" y="26875"/>
             <a:ext cx="66900" cy="26700"/>
           </a:xfrm>
@@ -7813,14 +8267,14 @@
             <a:avLst/>
           </a:prstGeom>
           <a:noFill/>
-          <a:ln cap="flat" cmpd="sng" w="9525">
+          <a:ln w="9525" cap="flat" cmpd="sng">
             <a:solidFill>
               <a:schemeClr val="dk2"/>
             </a:solidFill>
             <a:prstDash val="solid"/>
             <a:round/>
-            <a:headEnd len="med" w="med" type="none"/>
-            <a:tailEnd len="med" w="med" type="none"/>
+            <a:headEnd type="none" w="med" len="med"/>
+            <a:tailEnd type="none" w="med" len="med"/>
           </a:ln>
         </p:spPr>
       </p:cxnSp>
@@ -7844,12 +8298,12 @@
           </a:ln>
         </p:spPr>
         <p:txBody>
-          <a:bodyPr anchorCtr="0" anchor="t" bIns="91425" lIns="91425" spcFirstLastPara="1" rIns="91425" wrap="square" tIns="91425">
+          <a:bodyPr spcFirstLastPara="1" wrap="square" lIns="91425" tIns="91425" rIns="91425" bIns="91425" anchor="t" anchorCtr="0">
             <a:spAutoFit/>
           </a:bodyPr>
           <a:lstStyle/>
           <a:p>
-            <a:pPr indent="0" lvl="0" marL="0" rtl="0" algn="l">
+            <a:pPr marL="0" lvl="0" indent="0" algn="l" rtl="0">
               <a:spcBef>
                 <a:spcPts val="0"/>
               </a:spcBef>
@@ -7858,9 +8312,6 @@
               </a:spcAft>
               <a:buNone/>
             </a:pPr>
-            <a:r>
-              <a:t/>
-            </a:r>
             <a:endParaRPr sz="1800">
               <a:solidFill>
                 <a:schemeClr val="dk2"/>
@@ -7882,30 +8333,30 @@
           </a:xfrm>
           <a:prstGeom prst="round2DiagRect">
             <a:avLst>
-              <a:gd fmla="val 16667" name="adj1"/>
-              <a:gd fmla="val 0" name="adj2"/>
+              <a:gd name="adj1" fmla="val 16667"/>
+              <a:gd name="adj2" fmla="val 0"/>
             </a:avLst>
           </a:prstGeom>
           <a:solidFill>
             <a:schemeClr val="lt2"/>
           </a:solidFill>
-          <a:ln cap="flat" cmpd="sng" w="9525">
+          <a:ln w="9525" cap="flat" cmpd="sng">
             <a:solidFill>
               <a:schemeClr val="dk2"/>
             </a:solidFill>
             <a:prstDash val="solid"/>
             <a:round/>
-            <a:headEnd len="sm" w="sm" type="none"/>
-            <a:tailEnd len="sm" w="sm" type="none"/>
+            <a:headEnd type="none" w="sm" len="sm"/>
+            <a:tailEnd type="none" w="sm" len="sm"/>
           </a:ln>
         </p:spPr>
         <p:txBody>
-          <a:bodyPr anchorCtr="0" anchor="ctr" bIns="91425" lIns="91425" spcFirstLastPara="1" rIns="91425" wrap="square" tIns="91425">
+          <a:bodyPr spcFirstLastPara="1" wrap="square" lIns="91425" tIns="91425" rIns="91425" bIns="91425" anchor="ctr" anchorCtr="0">
             <a:noAutofit/>
           </a:bodyPr>
           <a:lstStyle/>
           <a:p>
-            <a:pPr indent="0" lvl="0" marL="0" rtl="0" algn="l">
+            <a:pPr marL="0" lvl="0" indent="0" algn="l" rtl="0">
               <a:spcBef>
                 <a:spcPts val="0"/>
               </a:spcBef>
@@ -7939,23 +8390,23 @@
           <a:solidFill>
             <a:schemeClr val="lt2"/>
           </a:solidFill>
-          <a:ln cap="flat" cmpd="sng" w="9525">
+          <a:ln w="9525" cap="flat" cmpd="sng">
             <a:solidFill>
               <a:schemeClr val="dk2"/>
             </a:solidFill>
             <a:prstDash val="solid"/>
             <a:round/>
-            <a:headEnd len="sm" w="sm" type="none"/>
-            <a:tailEnd len="sm" w="sm" type="none"/>
+            <a:headEnd type="none" w="sm" len="sm"/>
+            <a:tailEnd type="none" w="sm" len="sm"/>
           </a:ln>
         </p:spPr>
         <p:txBody>
-          <a:bodyPr anchorCtr="0" anchor="ctr" bIns="91425" lIns="91425" spcFirstLastPara="1" rIns="91425" wrap="square" tIns="91425">
+          <a:bodyPr spcFirstLastPara="1" wrap="square" lIns="91425" tIns="91425" rIns="91425" bIns="91425" anchor="ctr" anchorCtr="0">
             <a:noAutofit/>
           </a:bodyPr>
           <a:lstStyle/>
           <a:p>
-            <a:pPr indent="0" lvl="0" marL="0" rtl="0" algn="ctr">
+            <a:pPr marL="0" lvl="0" indent="0" algn="ctr" rtl="0">
               <a:spcBef>
                 <a:spcPts val="0"/>
               </a:spcBef>
@@ -7992,12 +8443,12 @@
           </a:ln>
         </p:spPr>
         <p:txBody>
-          <a:bodyPr anchorCtr="0" anchor="t" bIns="91425" lIns="91425" spcFirstLastPara="1" rIns="91425" wrap="square" tIns="91425">
+          <a:bodyPr spcFirstLastPara="1" wrap="square" lIns="91425" tIns="91425" rIns="91425" bIns="91425" anchor="t" anchorCtr="0">
             <a:spAutoFit/>
           </a:bodyPr>
           <a:lstStyle/>
           <a:p>
-            <a:pPr indent="0" lvl="0" marL="0" rtl="0" algn="l">
+            <a:pPr marL="0" lvl="0" indent="0" algn="l" rtl="0">
               <a:spcBef>
                 <a:spcPts val="0"/>
               </a:spcBef>
@@ -8006,9 +8457,6 @@
               </a:spcAft>
               <a:buNone/>
             </a:pPr>
-            <a:r>
-              <a:t/>
-            </a:r>
             <a:endParaRPr sz="1800">
               <a:solidFill>
                 <a:schemeClr val="dk2"/>
@@ -8030,30 +8478,30 @@
           </a:xfrm>
           <a:prstGeom prst="halfFrame">
             <a:avLst>
-              <a:gd fmla="val 33333" name="adj1"/>
-              <a:gd fmla="val 33333" name="adj2"/>
+              <a:gd name="adj1" fmla="val 33333"/>
+              <a:gd name="adj2" fmla="val 33333"/>
             </a:avLst>
           </a:prstGeom>
           <a:solidFill>
             <a:schemeClr val="dk1"/>
           </a:solidFill>
-          <a:ln cap="flat" cmpd="sng" w="9525">
+          <a:ln w="9525" cap="flat" cmpd="sng">
             <a:solidFill>
               <a:schemeClr val="dk2"/>
             </a:solidFill>
             <a:prstDash val="solid"/>
             <a:round/>
-            <a:headEnd len="sm" w="sm" type="none"/>
-            <a:tailEnd len="sm" w="sm" type="none"/>
+            <a:headEnd type="none" w="sm" len="sm"/>
+            <a:tailEnd type="none" w="sm" len="sm"/>
           </a:ln>
         </p:spPr>
         <p:txBody>
-          <a:bodyPr anchorCtr="0" anchor="ctr" bIns="91425" lIns="91425" spcFirstLastPara="1" rIns="91425" wrap="square" tIns="91425">
+          <a:bodyPr spcFirstLastPara="1" wrap="square" lIns="91425" tIns="91425" rIns="91425" bIns="91425" anchor="ctr" anchorCtr="0">
             <a:noAutofit/>
           </a:bodyPr>
           <a:lstStyle/>
           <a:p>
-            <a:pPr indent="0" lvl="0" marL="0" rtl="0" algn="ctr">
+            <a:pPr marL="0" lvl="0" indent="0" algn="ctr" rtl="0">
               <a:spcBef>
                 <a:spcPts val="0"/>
               </a:spcBef>
@@ -8062,9 +8510,6 @@
               </a:spcAft>
               <a:buNone/>
             </a:pPr>
-            <a:r>
-              <a:t/>
-            </a:r>
             <a:endParaRPr/>
           </a:p>
         </p:txBody>
@@ -8074,11 +8519,21 @@
   <p:clrMapOvr>
     <a:masterClrMapping/>
   </p:clrMapOvr>
+  <p:transition spd="slow" advClick="0">
+    <p:push dir="u"/>
+  </p:transition>
+  <p:timing>
+    <p:tnLst>
+      <p:par>
+        <p:cTn id="1" dur="indefinite" restart="never" nodeType="tmRoot"/>
+      </p:par>
+    </p:tnLst>
+  </p:timing>
 </p:sld>
 </file>
 
 <file path=ppt/slides/slide4.xml><?xml version="1.0" encoding="utf-8"?>
-<p:sld xmlns:a="http://schemas.openxmlformats.org/drawingml/2006/main" xmlns:r="http://schemas.openxmlformats.org/officeDocument/2006/relationships" xmlns:mc="http://schemas.openxmlformats.org/markup-compatibility/2006" xmlns:mv="urn:schemas-microsoft-com:mac:vml" xmlns:p="http://schemas.openxmlformats.org/presentationml/2006/main" xmlns:c="http://schemas.openxmlformats.org/drawingml/2006/chart" xmlns:dgm="http://schemas.openxmlformats.org/drawingml/2006/diagram" xmlns:o="urn:schemas-microsoft-com:office:office" xmlns:v="urn:schemas-microsoft-com:vml" xmlns:pvml="urn:schemas-microsoft-com:office:powerpoint" xmlns:com="http://schemas.openxmlformats.org/drawingml/2006/compatibility" xmlns:p14="http://schemas.microsoft.com/office/powerpoint/2010/main" xmlns:p15="http://schemas.microsoft.com/office/powerpoint/2012/main" xmlns:ahyp="http://schemas.microsoft.com/office/drawing/2018/hyperlinkcolor">
+<p:sld xmlns:a="http://schemas.openxmlformats.org/drawingml/2006/main" xmlns:r="http://schemas.openxmlformats.org/officeDocument/2006/relationships" xmlns:p="http://schemas.openxmlformats.org/presentationml/2006/main">
   <p:cSld>
     <p:bg>
       <p:bgPr>
@@ -8090,11 +8545,12 @@
             <a:fillRect/>
           </a:stretch>
         </a:blipFill>
+        <a:effectLst/>
       </p:bgPr>
     </p:bg>
     <p:spTree>
       <p:nvGrpSpPr>
-        <p:cNvPr id="86" name="Shape 86"/>
+        <p:cNvPr id="1" name="Shape 86"/>
         <p:cNvGrpSpPr/>
         <p:nvPr/>
       </p:nvGrpSpPr>
@@ -8121,14 +8577,14 @@
             <a:avLst/>
           </a:prstGeom>
           <a:noFill/>
-          <a:ln cap="flat" cmpd="sng" w="9525">
+          <a:ln w="9525" cap="flat" cmpd="sng">
             <a:solidFill>
               <a:schemeClr val="dk2"/>
             </a:solidFill>
             <a:prstDash val="solid"/>
             <a:round/>
-            <a:headEnd len="med" w="med" type="none"/>
-            <a:tailEnd len="med" w="med" type="none"/>
+            <a:headEnd type="none" w="med" len="med"/>
+            <a:tailEnd type="none" w="med" len="med"/>
           </a:ln>
         </p:spPr>
       </p:cxnSp>
@@ -8139,7 +8595,7 @@
           <p:nvPr/>
         </p:nvCxnSpPr>
         <p:spPr>
-          <a:xfrm flipH="1" rot="10800000">
+          <a:xfrm rot="10800000" flipH="1">
             <a:off x="8425150" y="26875"/>
             <a:ext cx="66900" cy="26700"/>
           </a:xfrm>
@@ -8147,14 +8603,14 @@
             <a:avLst/>
           </a:prstGeom>
           <a:noFill/>
-          <a:ln cap="flat" cmpd="sng" w="9525">
+          <a:ln w="9525" cap="flat" cmpd="sng">
             <a:solidFill>
               <a:schemeClr val="dk2"/>
             </a:solidFill>
             <a:prstDash val="solid"/>
             <a:round/>
-            <a:headEnd len="med" w="med" type="none"/>
-            <a:tailEnd len="med" w="med" type="none"/>
+            <a:headEnd type="none" w="med" len="med"/>
+            <a:tailEnd type="none" w="med" len="med"/>
           </a:ln>
         </p:spPr>
       </p:cxnSp>
@@ -8178,12 +8634,12 @@
           </a:ln>
         </p:spPr>
         <p:txBody>
-          <a:bodyPr anchorCtr="0" anchor="t" bIns="91425" lIns="91425" spcFirstLastPara="1" rIns="91425" wrap="square" tIns="91425">
+          <a:bodyPr spcFirstLastPara="1" wrap="square" lIns="91425" tIns="91425" rIns="91425" bIns="91425" anchor="t" anchorCtr="0">
             <a:spAutoFit/>
           </a:bodyPr>
           <a:lstStyle/>
           <a:p>
-            <a:pPr indent="0" lvl="0" marL="0" rtl="0" algn="l">
+            <a:pPr marL="0" lvl="0" indent="0" algn="l" rtl="0">
               <a:spcBef>
                 <a:spcPts val="0"/>
               </a:spcBef>
@@ -8192,9 +8648,6 @@
               </a:spcAft>
               <a:buNone/>
             </a:pPr>
-            <a:r>
-              <a:t/>
-            </a:r>
             <a:endParaRPr sz="1800">
               <a:solidFill>
                 <a:schemeClr val="dk2"/>
@@ -8216,30 +8669,30 @@
           </a:xfrm>
           <a:prstGeom prst="round2DiagRect">
             <a:avLst>
-              <a:gd fmla="val 16667" name="adj1"/>
-              <a:gd fmla="val 0" name="adj2"/>
+              <a:gd name="adj1" fmla="val 16667"/>
+              <a:gd name="adj2" fmla="val 0"/>
             </a:avLst>
           </a:prstGeom>
           <a:solidFill>
             <a:schemeClr val="lt2"/>
           </a:solidFill>
-          <a:ln cap="flat" cmpd="sng" w="9525">
+          <a:ln w="9525" cap="flat" cmpd="sng">
             <a:solidFill>
               <a:schemeClr val="dk2"/>
             </a:solidFill>
             <a:prstDash val="solid"/>
             <a:round/>
-            <a:headEnd len="sm" w="sm" type="none"/>
-            <a:tailEnd len="sm" w="sm" type="none"/>
+            <a:headEnd type="none" w="sm" len="sm"/>
+            <a:tailEnd type="none" w="sm" len="sm"/>
           </a:ln>
         </p:spPr>
         <p:txBody>
-          <a:bodyPr anchorCtr="0" anchor="ctr" bIns="91425" lIns="91425" spcFirstLastPara="1" rIns="91425" wrap="square" tIns="91425">
+          <a:bodyPr spcFirstLastPara="1" wrap="square" lIns="91425" tIns="91425" rIns="91425" bIns="91425" anchor="ctr" anchorCtr="0">
             <a:noAutofit/>
           </a:bodyPr>
           <a:lstStyle/>
           <a:p>
-            <a:pPr indent="0" lvl="0" marL="0" rtl="0" algn="l">
+            <a:pPr marL="0" lvl="0" indent="0" algn="l" rtl="0">
               <a:spcBef>
                 <a:spcPts val="0"/>
               </a:spcBef>
@@ -8273,23 +8726,23 @@
           <a:solidFill>
             <a:schemeClr val="lt2"/>
           </a:solidFill>
-          <a:ln cap="flat" cmpd="sng" w="9525">
+          <a:ln w="9525" cap="flat" cmpd="sng">
             <a:solidFill>
               <a:schemeClr val="dk2"/>
             </a:solidFill>
             <a:prstDash val="solid"/>
             <a:round/>
-            <a:headEnd len="sm" w="sm" type="none"/>
-            <a:tailEnd len="sm" w="sm" type="none"/>
+            <a:headEnd type="none" w="sm" len="sm"/>
+            <a:tailEnd type="none" w="sm" len="sm"/>
           </a:ln>
         </p:spPr>
         <p:txBody>
-          <a:bodyPr anchorCtr="0" anchor="ctr" bIns="91425" lIns="91425" spcFirstLastPara="1" rIns="91425" wrap="square" tIns="91425">
+          <a:bodyPr spcFirstLastPara="1" wrap="square" lIns="91425" tIns="91425" rIns="91425" bIns="91425" anchor="ctr" anchorCtr="0">
             <a:noAutofit/>
           </a:bodyPr>
           <a:lstStyle/>
           <a:p>
-            <a:pPr indent="0" lvl="0" marL="0" rtl="0" algn="ctr">
+            <a:pPr marL="0" lvl="0" indent="0" algn="ctr" rtl="0">
               <a:spcBef>
                 <a:spcPts val="0"/>
               </a:spcBef>
@@ -8326,12 +8779,12 @@
           </a:ln>
         </p:spPr>
         <p:txBody>
-          <a:bodyPr anchorCtr="0" anchor="t" bIns="91425" lIns="91425" spcFirstLastPara="1" rIns="91425" wrap="square" tIns="91425">
+          <a:bodyPr spcFirstLastPara="1" wrap="square" lIns="91425" tIns="91425" rIns="91425" bIns="91425" anchor="t" anchorCtr="0">
             <a:spAutoFit/>
           </a:bodyPr>
           <a:lstStyle/>
           <a:p>
-            <a:pPr indent="0" lvl="0" marL="0" rtl="0" algn="l">
+            <a:pPr marL="0" lvl="0" indent="0" algn="l" rtl="0">
               <a:spcBef>
                 <a:spcPts val="0"/>
               </a:spcBef>
@@ -8340,9 +8793,6 @@
               </a:spcAft>
               <a:buNone/>
             </a:pPr>
-            <a:r>
-              <a:t/>
-            </a:r>
             <a:endParaRPr sz="1800">
               <a:solidFill>
                 <a:schemeClr val="dk2"/>
@@ -8364,30 +8814,30 @@
           </a:xfrm>
           <a:prstGeom prst="halfFrame">
             <a:avLst>
-              <a:gd fmla="val 33333" name="adj1"/>
-              <a:gd fmla="val 33333" name="adj2"/>
+              <a:gd name="adj1" fmla="val 33333"/>
+              <a:gd name="adj2" fmla="val 33333"/>
             </a:avLst>
           </a:prstGeom>
           <a:solidFill>
             <a:schemeClr val="dk1"/>
           </a:solidFill>
-          <a:ln cap="flat" cmpd="sng" w="9525">
+          <a:ln w="9525" cap="flat" cmpd="sng">
             <a:solidFill>
               <a:schemeClr val="dk2"/>
             </a:solidFill>
             <a:prstDash val="solid"/>
             <a:round/>
-            <a:headEnd len="sm" w="sm" type="none"/>
-            <a:tailEnd len="sm" w="sm" type="none"/>
+            <a:headEnd type="none" w="sm" len="sm"/>
+            <a:tailEnd type="none" w="sm" len="sm"/>
           </a:ln>
         </p:spPr>
         <p:txBody>
-          <a:bodyPr anchorCtr="0" anchor="ctr" bIns="91425" lIns="91425" spcFirstLastPara="1" rIns="91425" wrap="square" tIns="91425">
+          <a:bodyPr spcFirstLastPara="1" wrap="square" lIns="91425" tIns="91425" rIns="91425" bIns="91425" anchor="ctr" anchorCtr="0">
             <a:noAutofit/>
           </a:bodyPr>
           <a:lstStyle/>
           <a:p>
-            <a:pPr indent="0" lvl="0" marL="0" rtl="0" algn="ctr">
+            <a:pPr marL="0" lvl="0" indent="0" algn="ctr" rtl="0">
               <a:spcBef>
                 <a:spcPts val="0"/>
               </a:spcBef>
@@ -8396,9 +8846,6 @@
               </a:spcAft>
               <a:buNone/>
             </a:pPr>
-            <a:r>
-              <a:t/>
-            </a:r>
             <a:endParaRPr/>
           </a:p>
         </p:txBody>
@@ -8408,11 +8855,21 @@
   <p:clrMapOvr>
     <a:masterClrMapping/>
   </p:clrMapOvr>
+  <p:transition spd="slow" advClick="0">
+    <p:push dir="u"/>
+  </p:transition>
+  <p:timing>
+    <p:tnLst>
+      <p:par>
+        <p:cTn id="1" dur="indefinite" restart="never" nodeType="tmRoot"/>
+      </p:par>
+    </p:tnLst>
+  </p:timing>
 </p:sld>
 </file>
 
 <file path=ppt/slides/slide5.xml><?xml version="1.0" encoding="utf-8"?>
-<p:sld xmlns:a="http://schemas.openxmlformats.org/drawingml/2006/main" xmlns:r="http://schemas.openxmlformats.org/officeDocument/2006/relationships" xmlns:mc="http://schemas.openxmlformats.org/markup-compatibility/2006" xmlns:mv="urn:schemas-microsoft-com:mac:vml" xmlns:p="http://schemas.openxmlformats.org/presentationml/2006/main" xmlns:c="http://schemas.openxmlformats.org/drawingml/2006/chart" xmlns:dgm="http://schemas.openxmlformats.org/drawingml/2006/diagram" xmlns:o="urn:schemas-microsoft-com:office:office" xmlns:v="urn:schemas-microsoft-com:vml" xmlns:pvml="urn:schemas-microsoft-com:office:powerpoint" xmlns:com="http://schemas.openxmlformats.org/drawingml/2006/compatibility" xmlns:p14="http://schemas.microsoft.com/office/powerpoint/2010/main" xmlns:p15="http://schemas.microsoft.com/office/powerpoint/2012/main" xmlns:ahyp="http://schemas.microsoft.com/office/drawing/2018/hyperlinkcolor">
+<p:sld xmlns:a="http://schemas.openxmlformats.org/drawingml/2006/main" xmlns:r="http://schemas.openxmlformats.org/officeDocument/2006/relationships" xmlns:p="http://schemas.openxmlformats.org/presentationml/2006/main">
   <p:cSld>
     <p:bg>
       <p:bgPr>
@@ -8424,11 +8881,12 @@
             <a:fillRect/>
           </a:stretch>
         </a:blipFill>
+        <a:effectLst/>
       </p:bgPr>
     </p:bg>
     <p:spTree>
       <p:nvGrpSpPr>
-        <p:cNvPr id="97" name="Shape 97"/>
+        <p:cNvPr id="1" name="Shape 97"/>
         <p:cNvGrpSpPr/>
         <p:nvPr/>
       </p:nvGrpSpPr>
@@ -8455,14 +8913,14 @@
             <a:avLst/>
           </a:prstGeom>
           <a:noFill/>
-          <a:ln cap="flat" cmpd="sng" w="9525">
+          <a:ln w="9525" cap="flat" cmpd="sng">
             <a:solidFill>
               <a:schemeClr val="dk2"/>
             </a:solidFill>
             <a:prstDash val="solid"/>
             <a:round/>
-            <a:headEnd len="med" w="med" type="none"/>
-            <a:tailEnd len="med" w="med" type="none"/>
+            <a:headEnd type="none" w="med" len="med"/>
+            <a:tailEnd type="none" w="med" len="med"/>
           </a:ln>
         </p:spPr>
       </p:cxnSp>
@@ -8473,7 +8931,7 @@
           <p:nvPr/>
         </p:nvCxnSpPr>
         <p:spPr>
-          <a:xfrm flipH="1" rot="10800000">
+          <a:xfrm rot="10800000" flipH="1">
             <a:off x="8425150" y="26875"/>
             <a:ext cx="66900" cy="26700"/>
           </a:xfrm>
@@ -8481,14 +8939,14 @@
             <a:avLst/>
           </a:prstGeom>
           <a:noFill/>
-          <a:ln cap="flat" cmpd="sng" w="9525">
+          <a:ln w="9525" cap="flat" cmpd="sng">
             <a:solidFill>
               <a:schemeClr val="dk2"/>
             </a:solidFill>
             <a:prstDash val="solid"/>
             <a:round/>
-            <a:headEnd len="med" w="med" type="none"/>
-            <a:tailEnd len="med" w="med" type="none"/>
+            <a:headEnd type="none" w="med" len="med"/>
+            <a:tailEnd type="none" w="med" len="med"/>
           </a:ln>
         </p:spPr>
       </p:cxnSp>
@@ -8512,12 +8970,12 @@
           </a:ln>
         </p:spPr>
         <p:txBody>
-          <a:bodyPr anchorCtr="0" anchor="t" bIns="91425" lIns="91425" spcFirstLastPara="1" rIns="91425" wrap="square" tIns="91425">
+          <a:bodyPr spcFirstLastPara="1" wrap="square" lIns="91425" tIns="91425" rIns="91425" bIns="91425" anchor="t" anchorCtr="0">
             <a:spAutoFit/>
           </a:bodyPr>
           <a:lstStyle/>
           <a:p>
-            <a:pPr indent="0" lvl="0" marL="0" rtl="0" algn="l">
+            <a:pPr marL="0" lvl="0" indent="0" algn="l" rtl="0">
               <a:spcBef>
                 <a:spcPts val="0"/>
               </a:spcBef>
@@ -8526,9 +8984,6 @@
               </a:spcAft>
               <a:buNone/>
             </a:pPr>
-            <a:r>
-              <a:t/>
-            </a:r>
             <a:endParaRPr sz="1800">
               <a:solidFill>
                 <a:schemeClr val="dk2"/>
@@ -8550,30 +9005,30 @@
           </a:xfrm>
           <a:prstGeom prst="round2DiagRect">
             <a:avLst>
-              <a:gd fmla="val 16667" name="adj1"/>
-              <a:gd fmla="val 0" name="adj2"/>
+              <a:gd name="adj1" fmla="val 16667"/>
+              <a:gd name="adj2" fmla="val 0"/>
             </a:avLst>
           </a:prstGeom>
           <a:solidFill>
             <a:schemeClr val="lt2"/>
           </a:solidFill>
-          <a:ln cap="flat" cmpd="sng" w="9525">
+          <a:ln w="9525" cap="flat" cmpd="sng">
             <a:solidFill>
               <a:schemeClr val="dk2"/>
             </a:solidFill>
             <a:prstDash val="solid"/>
             <a:round/>
-            <a:headEnd len="sm" w="sm" type="none"/>
-            <a:tailEnd len="sm" w="sm" type="none"/>
+            <a:headEnd type="none" w="sm" len="sm"/>
+            <a:tailEnd type="none" w="sm" len="sm"/>
           </a:ln>
         </p:spPr>
         <p:txBody>
-          <a:bodyPr anchorCtr="0" anchor="ctr" bIns="91425" lIns="91425" spcFirstLastPara="1" rIns="91425" wrap="square" tIns="91425">
+          <a:bodyPr spcFirstLastPara="1" wrap="square" lIns="91425" tIns="91425" rIns="91425" bIns="91425" anchor="ctr" anchorCtr="0">
             <a:noAutofit/>
           </a:bodyPr>
           <a:lstStyle/>
           <a:p>
-            <a:pPr indent="0" lvl="0" marL="0" rtl="0" algn="l">
+            <a:pPr marL="0" lvl="0" indent="0" algn="l" rtl="0">
               <a:spcBef>
                 <a:spcPts val="0"/>
               </a:spcBef>
@@ -8584,15 +9039,7 @@
             </a:pPr>
             <a:r>
               <a:rPr lang="en"/>
-              <a:t>     Link tag is a HTML element and its used to define relationship          between the current document and tag is  </a:t>
-            </a:r>
-            <a:r>
-              <a:rPr lang="en"/>
-              <a:t>essential</a:t>
-            </a:r>
-            <a:r>
-              <a:rPr lang="en"/>
-              <a:t> for linking external resources to an HTML document improving its functionality and performance.</a:t>
+              <a:t>     Link tag is a HTML element and its used to define relationship          between the current document and tag is  essential for linking external resources to an HTML document improving its functionality and performance.</a:t>
             </a:r>
             <a:endParaRPr/>
           </a:p>
@@ -8615,23 +9062,23 @@
           <a:solidFill>
             <a:schemeClr val="lt2"/>
           </a:solidFill>
-          <a:ln cap="flat" cmpd="sng" w="9525">
+          <a:ln w="9525" cap="flat" cmpd="sng">
             <a:solidFill>
               <a:schemeClr val="dk2"/>
             </a:solidFill>
             <a:prstDash val="solid"/>
             <a:round/>
-            <a:headEnd len="sm" w="sm" type="none"/>
-            <a:tailEnd len="sm" w="sm" type="none"/>
+            <a:headEnd type="none" w="sm" len="sm"/>
+            <a:tailEnd type="none" w="sm" len="sm"/>
           </a:ln>
         </p:spPr>
         <p:txBody>
-          <a:bodyPr anchorCtr="0" anchor="ctr" bIns="91425" lIns="91425" spcFirstLastPara="1" rIns="91425" wrap="square" tIns="91425">
+          <a:bodyPr spcFirstLastPara="1" wrap="square" lIns="91425" tIns="91425" rIns="91425" bIns="91425" anchor="ctr" anchorCtr="0">
             <a:noAutofit/>
           </a:bodyPr>
           <a:lstStyle/>
           <a:p>
-            <a:pPr indent="0" lvl="0" marL="0" rtl="0" algn="ctr">
+            <a:pPr marL="0" lvl="0" indent="0" algn="ctr" rtl="0">
               <a:spcBef>
                 <a:spcPts val="0"/>
               </a:spcBef>
@@ -8668,12 +9115,12 @@
           </a:ln>
         </p:spPr>
         <p:txBody>
-          <a:bodyPr anchorCtr="0" anchor="t" bIns="91425" lIns="91425" spcFirstLastPara="1" rIns="91425" wrap="square" tIns="91425">
+          <a:bodyPr spcFirstLastPara="1" wrap="square" lIns="91425" tIns="91425" rIns="91425" bIns="91425" anchor="t" anchorCtr="0">
             <a:spAutoFit/>
           </a:bodyPr>
           <a:lstStyle/>
           <a:p>
-            <a:pPr indent="0" lvl="0" marL="0" rtl="0" algn="l">
+            <a:pPr marL="0" lvl="0" indent="0" algn="l" rtl="0">
               <a:spcBef>
                 <a:spcPts val="0"/>
               </a:spcBef>
@@ -8682,9 +9129,6 @@
               </a:spcAft>
               <a:buNone/>
             </a:pPr>
-            <a:r>
-              <a:t/>
-            </a:r>
             <a:endParaRPr sz="1800">
               <a:solidFill>
                 <a:schemeClr val="dk2"/>
@@ -8706,30 +9150,30 @@
           </a:xfrm>
           <a:prstGeom prst="halfFrame">
             <a:avLst>
-              <a:gd fmla="val 33333" name="adj1"/>
-              <a:gd fmla="val 33333" name="adj2"/>
+              <a:gd name="adj1" fmla="val 33333"/>
+              <a:gd name="adj2" fmla="val 33333"/>
             </a:avLst>
           </a:prstGeom>
           <a:solidFill>
             <a:schemeClr val="dk1"/>
           </a:solidFill>
-          <a:ln cap="flat" cmpd="sng" w="9525">
+          <a:ln w="9525" cap="flat" cmpd="sng">
             <a:solidFill>
               <a:schemeClr val="dk2"/>
             </a:solidFill>
             <a:prstDash val="solid"/>
             <a:round/>
-            <a:headEnd len="sm" w="sm" type="none"/>
-            <a:tailEnd len="sm" w="sm" type="none"/>
+            <a:headEnd type="none" w="sm" len="sm"/>
+            <a:tailEnd type="none" w="sm" len="sm"/>
           </a:ln>
         </p:spPr>
         <p:txBody>
-          <a:bodyPr anchorCtr="0" anchor="ctr" bIns="91425" lIns="91425" spcFirstLastPara="1" rIns="91425" wrap="square" tIns="91425">
+          <a:bodyPr spcFirstLastPara="1" wrap="square" lIns="91425" tIns="91425" rIns="91425" bIns="91425" anchor="ctr" anchorCtr="0">
             <a:noAutofit/>
           </a:bodyPr>
           <a:lstStyle/>
           <a:p>
-            <a:pPr indent="0" lvl="0" marL="0" rtl="0" algn="ctr">
+            <a:pPr marL="0" lvl="0" indent="0" algn="ctr" rtl="0">
               <a:spcBef>
                 <a:spcPts val="0"/>
               </a:spcBef>
@@ -8738,9 +9182,6 @@
               </a:spcAft>
               <a:buNone/>
             </a:pPr>
-            <a:r>
-              <a:t/>
-            </a:r>
             <a:endParaRPr/>
           </a:p>
         </p:txBody>
@@ -8750,11 +9191,21 @@
   <p:clrMapOvr>
     <a:masterClrMapping/>
   </p:clrMapOvr>
+  <p:transition spd="slow" advClick="0">
+    <p:push dir="u"/>
+  </p:transition>
+  <p:timing>
+    <p:tnLst>
+      <p:par>
+        <p:cTn id="1" dur="indefinite" restart="never" nodeType="tmRoot"/>
+      </p:par>
+    </p:tnLst>
+  </p:timing>
 </p:sld>
 </file>
 
 <file path=ppt/slides/slide6.xml><?xml version="1.0" encoding="utf-8"?>
-<p:sld xmlns:a="http://schemas.openxmlformats.org/drawingml/2006/main" xmlns:r="http://schemas.openxmlformats.org/officeDocument/2006/relationships" xmlns:mc="http://schemas.openxmlformats.org/markup-compatibility/2006" xmlns:mv="urn:schemas-microsoft-com:mac:vml" xmlns:p="http://schemas.openxmlformats.org/presentationml/2006/main" xmlns:c="http://schemas.openxmlformats.org/drawingml/2006/chart" xmlns:dgm="http://schemas.openxmlformats.org/drawingml/2006/diagram" xmlns:o="urn:schemas-microsoft-com:office:office" xmlns:v="urn:schemas-microsoft-com:vml" xmlns:pvml="urn:schemas-microsoft-com:office:powerpoint" xmlns:com="http://schemas.openxmlformats.org/drawingml/2006/compatibility" xmlns:p14="http://schemas.microsoft.com/office/powerpoint/2010/main" xmlns:p15="http://schemas.microsoft.com/office/powerpoint/2012/main" xmlns:ahyp="http://schemas.microsoft.com/office/drawing/2018/hyperlinkcolor">
+<p:sld xmlns:a="http://schemas.openxmlformats.org/drawingml/2006/main" xmlns:r="http://schemas.openxmlformats.org/officeDocument/2006/relationships" xmlns:p="http://schemas.openxmlformats.org/presentationml/2006/main">
   <p:cSld>
     <p:bg>
       <p:bgPr>
@@ -8766,11 +9217,12 @@
             <a:fillRect/>
           </a:stretch>
         </a:blipFill>
+        <a:effectLst/>
       </p:bgPr>
     </p:bg>
     <p:spTree>
       <p:nvGrpSpPr>
-        <p:cNvPr id="108" name="Shape 108"/>
+        <p:cNvPr id="1" name="Shape 108"/>
         <p:cNvGrpSpPr/>
         <p:nvPr/>
       </p:nvGrpSpPr>
@@ -8797,14 +9249,14 @@
             <a:avLst/>
           </a:prstGeom>
           <a:noFill/>
-          <a:ln cap="flat" cmpd="sng" w="9525">
+          <a:ln w="9525" cap="flat" cmpd="sng">
             <a:solidFill>
               <a:schemeClr val="dk2"/>
             </a:solidFill>
             <a:prstDash val="solid"/>
             <a:round/>
-            <a:headEnd len="med" w="med" type="none"/>
-            <a:tailEnd len="med" w="med" type="none"/>
+            <a:headEnd type="none" w="med" len="med"/>
+            <a:tailEnd type="none" w="med" len="med"/>
           </a:ln>
         </p:spPr>
       </p:cxnSp>
@@ -8815,7 +9267,7 @@
           <p:nvPr/>
         </p:nvCxnSpPr>
         <p:spPr>
-          <a:xfrm flipH="1" rot="10800000">
+          <a:xfrm rot="10800000" flipH="1">
             <a:off x="8425150" y="26875"/>
             <a:ext cx="66900" cy="26700"/>
           </a:xfrm>
@@ -8823,14 +9275,14 @@
             <a:avLst/>
           </a:prstGeom>
           <a:noFill/>
-          <a:ln cap="flat" cmpd="sng" w="9525">
+          <a:ln w="9525" cap="flat" cmpd="sng">
             <a:solidFill>
               <a:schemeClr val="dk2"/>
             </a:solidFill>
             <a:prstDash val="solid"/>
             <a:round/>
-            <a:headEnd len="med" w="med" type="none"/>
-            <a:tailEnd len="med" w="med" type="none"/>
+            <a:headEnd type="none" w="med" len="med"/>
+            <a:tailEnd type="none" w="med" len="med"/>
           </a:ln>
         </p:spPr>
       </p:cxnSp>
@@ -8854,12 +9306,12 @@
           </a:ln>
         </p:spPr>
         <p:txBody>
-          <a:bodyPr anchorCtr="0" anchor="t" bIns="91425" lIns="91425" spcFirstLastPara="1" rIns="91425" wrap="square" tIns="91425">
+          <a:bodyPr spcFirstLastPara="1" wrap="square" lIns="91425" tIns="91425" rIns="91425" bIns="91425" anchor="t" anchorCtr="0">
             <a:spAutoFit/>
           </a:bodyPr>
           <a:lstStyle/>
           <a:p>
-            <a:pPr indent="0" lvl="0" marL="0" rtl="0" algn="l">
+            <a:pPr marL="0" lvl="0" indent="0" algn="l" rtl="0">
               <a:spcBef>
                 <a:spcPts val="0"/>
               </a:spcBef>
@@ -8868,9 +9320,6 @@
               </a:spcAft>
               <a:buNone/>
             </a:pPr>
-            <a:r>
-              <a:t/>
-            </a:r>
             <a:endParaRPr sz="1800">
               <a:solidFill>
                 <a:schemeClr val="dk2"/>
@@ -8892,30 +9341,30 @@
           </a:xfrm>
           <a:prstGeom prst="round2DiagRect">
             <a:avLst>
-              <a:gd fmla="val 16667" name="adj1"/>
-              <a:gd fmla="val 0" name="adj2"/>
+              <a:gd name="adj1" fmla="val 16667"/>
+              <a:gd name="adj2" fmla="val 0"/>
             </a:avLst>
           </a:prstGeom>
           <a:solidFill>
             <a:schemeClr val="lt2"/>
           </a:solidFill>
-          <a:ln cap="flat" cmpd="sng" w="9525">
+          <a:ln w="9525" cap="flat" cmpd="sng">
             <a:solidFill>
               <a:schemeClr val="dk2"/>
             </a:solidFill>
             <a:prstDash val="solid"/>
             <a:round/>
-            <a:headEnd len="sm" w="sm" type="none"/>
-            <a:tailEnd len="sm" w="sm" type="none"/>
+            <a:headEnd type="none" w="sm" len="sm"/>
+            <a:tailEnd type="none" w="sm" len="sm"/>
           </a:ln>
         </p:spPr>
         <p:txBody>
-          <a:bodyPr anchorCtr="0" anchor="ctr" bIns="91425" lIns="91425" spcFirstLastPara="1" rIns="91425" wrap="square" tIns="91425">
+          <a:bodyPr spcFirstLastPara="1" wrap="square" lIns="91425" tIns="91425" rIns="91425" bIns="91425" anchor="ctr" anchorCtr="0">
             <a:noAutofit/>
           </a:bodyPr>
           <a:lstStyle/>
           <a:p>
-            <a:pPr indent="0" lvl="0" marL="0" rtl="0" algn="l">
+            <a:pPr marL="0" lvl="0" indent="0" algn="l" rtl="0">
               <a:spcBef>
                 <a:spcPts val="0"/>
               </a:spcBef>
@@ -9013,23 +9462,23 @@
           <a:solidFill>
             <a:schemeClr val="lt2"/>
           </a:solidFill>
-          <a:ln cap="flat" cmpd="sng" w="9525">
+          <a:ln w="9525" cap="flat" cmpd="sng">
             <a:solidFill>
               <a:schemeClr val="dk2"/>
             </a:solidFill>
             <a:prstDash val="solid"/>
             <a:round/>
-            <a:headEnd len="sm" w="sm" type="none"/>
-            <a:tailEnd len="sm" w="sm" type="none"/>
+            <a:headEnd type="none" w="sm" len="sm"/>
+            <a:tailEnd type="none" w="sm" len="sm"/>
           </a:ln>
         </p:spPr>
         <p:txBody>
-          <a:bodyPr anchorCtr="0" anchor="ctr" bIns="91425" lIns="91425" spcFirstLastPara="1" rIns="91425" wrap="square" tIns="91425">
+          <a:bodyPr spcFirstLastPara="1" wrap="square" lIns="91425" tIns="91425" rIns="91425" bIns="91425" anchor="ctr" anchorCtr="0">
             <a:noAutofit/>
           </a:bodyPr>
           <a:lstStyle/>
           <a:p>
-            <a:pPr indent="0" lvl="0" marL="0" rtl="0" algn="l">
+            <a:pPr marL="0" lvl="0" indent="0" algn="l" rtl="0">
               <a:spcBef>
                 <a:spcPts val="0"/>
               </a:spcBef>
@@ -9066,12 +9515,12 @@
           </a:ln>
         </p:spPr>
         <p:txBody>
-          <a:bodyPr anchorCtr="0" anchor="t" bIns="91425" lIns="91425" spcFirstLastPara="1" rIns="91425" wrap="square" tIns="91425">
+          <a:bodyPr spcFirstLastPara="1" wrap="square" lIns="91425" tIns="91425" rIns="91425" bIns="91425" anchor="t" anchorCtr="0">
             <a:spAutoFit/>
           </a:bodyPr>
           <a:lstStyle/>
           <a:p>
-            <a:pPr indent="0" lvl="0" marL="0" rtl="0" algn="l">
+            <a:pPr marL="0" lvl="0" indent="0" algn="l" rtl="0">
               <a:spcBef>
                 <a:spcPts val="0"/>
               </a:spcBef>
@@ -9080,9 +9529,6 @@
               </a:spcAft>
               <a:buNone/>
             </a:pPr>
-            <a:r>
-              <a:t/>
-            </a:r>
             <a:endParaRPr sz="1800">
               <a:solidFill>
                 <a:schemeClr val="dk2"/>
@@ -9104,30 +9550,30 @@
           </a:xfrm>
           <a:prstGeom prst="halfFrame">
             <a:avLst>
-              <a:gd fmla="val 33333" name="adj1"/>
-              <a:gd fmla="val 33333" name="adj2"/>
+              <a:gd name="adj1" fmla="val 33333"/>
+              <a:gd name="adj2" fmla="val 33333"/>
             </a:avLst>
           </a:prstGeom>
           <a:solidFill>
             <a:schemeClr val="dk1"/>
           </a:solidFill>
-          <a:ln cap="flat" cmpd="sng" w="9525">
+          <a:ln w="9525" cap="flat" cmpd="sng">
             <a:solidFill>
               <a:schemeClr val="dk2"/>
             </a:solidFill>
             <a:prstDash val="solid"/>
             <a:round/>
-            <a:headEnd len="sm" w="sm" type="none"/>
-            <a:tailEnd len="sm" w="sm" type="none"/>
+            <a:headEnd type="none" w="sm" len="sm"/>
+            <a:tailEnd type="none" w="sm" len="sm"/>
           </a:ln>
         </p:spPr>
         <p:txBody>
-          <a:bodyPr anchorCtr="0" anchor="ctr" bIns="91425" lIns="91425" spcFirstLastPara="1" rIns="91425" wrap="square" tIns="91425">
+          <a:bodyPr spcFirstLastPara="1" wrap="square" lIns="91425" tIns="91425" rIns="91425" bIns="91425" anchor="ctr" anchorCtr="0">
             <a:noAutofit/>
           </a:bodyPr>
           <a:lstStyle/>
           <a:p>
-            <a:pPr indent="0" lvl="0" marL="0" rtl="0" algn="ctr">
+            <a:pPr marL="0" lvl="0" indent="0" algn="ctr" rtl="0">
               <a:spcBef>
                 <a:spcPts val="0"/>
               </a:spcBef>
@@ -9136,9 +9582,6 @@
               </a:spcAft>
               <a:buNone/>
             </a:pPr>
-            <a:r>
-              <a:t/>
-            </a:r>
             <a:endParaRPr/>
           </a:p>
         </p:txBody>
@@ -9148,11 +9591,21 @@
   <p:clrMapOvr>
     <a:masterClrMapping/>
   </p:clrMapOvr>
+  <p:transition spd="slow" advClick="0">
+    <p:push dir="u"/>
+  </p:transition>
+  <p:timing>
+    <p:tnLst>
+      <p:par>
+        <p:cTn id="1" dur="indefinite" restart="never" nodeType="tmRoot"/>
+      </p:par>
+    </p:tnLst>
+  </p:timing>
 </p:sld>
 </file>
 
 <file path=ppt/slides/slide7.xml><?xml version="1.0" encoding="utf-8"?>
-<p:sld xmlns:a="http://schemas.openxmlformats.org/drawingml/2006/main" xmlns:r="http://schemas.openxmlformats.org/officeDocument/2006/relationships" xmlns:mc="http://schemas.openxmlformats.org/markup-compatibility/2006" xmlns:mv="urn:schemas-microsoft-com:mac:vml" xmlns:p="http://schemas.openxmlformats.org/presentationml/2006/main" xmlns:c="http://schemas.openxmlformats.org/drawingml/2006/chart" xmlns:dgm="http://schemas.openxmlformats.org/drawingml/2006/diagram" xmlns:o="urn:schemas-microsoft-com:office:office" xmlns:v="urn:schemas-microsoft-com:vml" xmlns:pvml="urn:schemas-microsoft-com:office:powerpoint" xmlns:com="http://schemas.openxmlformats.org/drawingml/2006/compatibility" xmlns:p14="http://schemas.microsoft.com/office/powerpoint/2010/main" xmlns:p15="http://schemas.microsoft.com/office/powerpoint/2012/main" xmlns:ahyp="http://schemas.microsoft.com/office/drawing/2018/hyperlinkcolor">
+<p:sld xmlns:a="http://schemas.openxmlformats.org/drawingml/2006/main" xmlns:r="http://schemas.openxmlformats.org/officeDocument/2006/relationships" xmlns:p="http://schemas.openxmlformats.org/presentationml/2006/main">
   <p:cSld>
     <p:bg>
       <p:bgPr>
@@ -9164,11 +9617,12 @@
             <a:fillRect/>
           </a:stretch>
         </a:blipFill>
+        <a:effectLst/>
       </p:bgPr>
     </p:bg>
     <p:spTree>
       <p:nvGrpSpPr>
-        <p:cNvPr id="119" name="Shape 119"/>
+        <p:cNvPr id="1" name="Shape 119"/>
         <p:cNvGrpSpPr/>
         <p:nvPr/>
       </p:nvGrpSpPr>
@@ -9195,14 +9649,14 @@
             <a:avLst/>
           </a:prstGeom>
           <a:noFill/>
-          <a:ln cap="flat" cmpd="sng" w="9525">
+          <a:ln w="9525" cap="flat" cmpd="sng">
             <a:solidFill>
               <a:schemeClr val="dk2"/>
             </a:solidFill>
             <a:prstDash val="solid"/>
             <a:round/>
-            <a:headEnd len="med" w="med" type="none"/>
-            <a:tailEnd len="med" w="med" type="none"/>
+            <a:headEnd type="none" w="med" len="med"/>
+            <a:tailEnd type="none" w="med" len="med"/>
           </a:ln>
         </p:spPr>
       </p:cxnSp>
@@ -9213,7 +9667,7 @@
           <p:nvPr/>
         </p:nvCxnSpPr>
         <p:spPr>
-          <a:xfrm flipH="1" rot="10800000">
+          <a:xfrm rot="10800000" flipH="1">
             <a:off x="8425150" y="26875"/>
             <a:ext cx="66900" cy="26700"/>
           </a:xfrm>
@@ -9221,14 +9675,14 @@
             <a:avLst/>
           </a:prstGeom>
           <a:noFill/>
-          <a:ln cap="flat" cmpd="sng" w="9525">
+          <a:ln w="9525" cap="flat" cmpd="sng">
             <a:solidFill>
               <a:schemeClr val="dk2"/>
             </a:solidFill>
             <a:prstDash val="solid"/>
             <a:round/>
-            <a:headEnd len="med" w="med" type="none"/>
-            <a:tailEnd len="med" w="med" type="none"/>
+            <a:headEnd type="none" w="med" len="med"/>
+            <a:tailEnd type="none" w="med" len="med"/>
           </a:ln>
         </p:spPr>
       </p:cxnSp>
@@ -9252,12 +9706,12 @@
           </a:ln>
         </p:spPr>
         <p:txBody>
-          <a:bodyPr anchorCtr="0" anchor="t" bIns="91425" lIns="91425" spcFirstLastPara="1" rIns="91425" wrap="square" tIns="91425">
+          <a:bodyPr spcFirstLastPara="1" wrap="square" lIns="91425" tIns="91425" rIns="91425" bIns="91425" anchor="t" anchorCtr="0">
             <a:spAutoFit/>
           </a:bodyPr>
           <a:lstStyle/>
           <a:p>
-            <a:pPr indent="0" lvl="0" marL="0" rtl="0" algn="l">
+            <a:pPr marL="0" lvl="0" indent="0" algn="l" rtl="0">
               <a:spcBef>
                 <a:spcPts val="0"/>
               </a:spcBef>
@@ -9266,9 +9720,6 @@
               </a:spcAft>
               <a:buNone/>
             </a:pPr>
-            <a:r>
-              <a:t/>
-            </a:r>
             <a:endParaRPr sz="1800">
               <a:solidFill>
                 <a:schemeClr val="dk2"/>
@@ -9290,30 +9741,30 @@
           </a:xfrm>
           <a:prstGeom prst="round2DiagRect">
             <a:avLst>
-              <a:gd fmla="val 16667" name="adj1"/>
-              <a:gd fmla="val 0" name="adj2"/>
+              <a:gd name="adj1" fmla="val 16667"/>
+              <a:gd name="adj2" fmla="val 0"/>
             </a:avLst>
           </a:prstGeom>
           <a:solidFill>
             <a:schemeClr val="lt2"/>
           </a:solidFill>
-          <a:ln cap="flat" cmpd="sng" w="9525">
+          <a:ln w="9525" cap="flat" cmpd="sng">
             <a:solidFill>
               <a:schemeClr val="dk2"/>
             </a:solidFill>
             <a:prstDash val="solid"/>
             <a:round/>
-            <a:headEnd len="sm" w="sm" type="none"/>
-            <a:tailEnd len="sm" w="sm" type="none"/>
+            <a:headEnd type="none" w="sm" len="sm"/>
+            <a:tailEnd type="none" w="sm" len="sm"/>
           </a:ln>
         </p:spPr>
         <p:txBody>
-          <a:bodyPr anchorCtr="0" anchor="ctr" bIns="91425" lIns="91425" spcFirstLastPara="1" rIns="91425" wrap="square" tIns="91425">
+          <a:bodyPr spcFirstLastPara="1" wrap="square" lIns="91425" tIns="91425" rIns="91425" bIns="91425" anchor="ctr" anchorCtr="0">
             <a:noAutofit/>
           </a:bodyPr>
           <a:lstStyle/>
           <a:p>
-            <a:pPr indent="0" lvl="0" marL="0" rtl="0" algn="l">
+            <a:pPr marL="0" lvl="0" indent="0" algn="l" rtl="0">
               <a:spcBef>
                 <a:spcPts val="0"/>
               </a:spcBef>
@@ -9324,11 +9775,7 @@
             </a:pPr>
             <a:r>
               <a:rPr lang="en"/>
-              <a:t>  </a:t>
-            </a:r>
-            <a:r>
-              <a:rPr lang="en"/>
-              <a:t>Components are reusable pieces of code that represent a part of a user interface (UI) in applications, especially in frameworks like React and Next.js. </a:t>
+              <a:t>  Components are reusable pieces of code that represent a part of a user interface (UI) in applications, especially in frameworks like React and Next.js. </a:t>
             </a:r>
             <a:endParaRPr/>
           </a:p>
@@ -9351,23 +9798,23 @@
           <a:solidFill>
             <a:schemeClr val="lt2"/>
           </a:solidFill>
-          <a:ln cap="flat" cmpd="sng" w="9525">
+          <a:ln w="9525" cap="flat" cmpd="sng">
             <a:solidFill>
               <a:schemeClr val="dk2"/>
             </a:solidFill>
             <a:prstDash val="solid"/>
             <a:round/>
-            <a:headEnd len="sm" w="sm" type="none"/>
-            <a:tailEnd len="sm" w="sm" type="none"/>
+            <a:headEnd type="none" w="sm" len="sm"/>
+            <a:tailEnd type="none" w="sm" len="sm"/>
           </a:ln>
         </p:spPr>
         <p:txBody>
-          <a:bodyPr anchorCtr="0" anchor="ctr" bIns="91425" lIns="91425" spcFirstLastPara="1" rIns="91425" wrap="square" tIns="91425">
+          <a:bodyPr spcFirstLastPara="1" wrap="square" lIns="91425" tIns="91425" rIns="91425" bIns="91425" anchor="ctr" anchorCtr="0">
             <a:noAutofit/>
           </a:bodyPr>
           <a:lstStyle/>
           <a:p>
-            <a:pPr indent="0" lvl="0" marL="0" rtl="0" algn="l">
+            <a:pPr marL="0" lvl="0" indent="0" algn="l" rtl="0">
               <a:spcBef>
                 <a:spcPts val="0"/>
               </a:spcBef>
@@ -9378,11 +9825,7 @@
             </a:pPr>
             <a:r>
               <a:rPr lang="en"/>
-              <a:t>what are component and why do we use them in short?</a:t>
-            </a:r>
-            <a:r>
-              <a:rPr lang="en"/>
-              <a:t>   </a:t>
+              <a:t>what are component and why do we use them in short?   </a:t>
             </a:r>
             <a:endParaRPr/>
           </a:p>
@@ -9408,12 +9851,12 @@
           </a:ln>
         </p:spPr>
         <p:txBody>
-          <a:bodyPr anchorCtr="0" anchor="t" bIns="91425" lIns="91425" spcFirstLastPara="1" rIns="91425" wrap="square" tIns="91425">
+          <a:bodyPr spcFirstLastPara="1" wrap="square" lIns="91425" tIns="91425" rIns="91425" bIns="91425" anchor="t" anchorCtr="0">
             <a:spAutoFit/>
           </a:bodyPr>
           <a:lstStyle/>
           <a:p>
-            <a:pPr indent="0" lvl="0" marL="0" rtl="0" algn="l">
+            <a:pPr marL="0" lvl="0" indent="0" algn="l" rtl="0">
               <a:spcBef>
                 <a:spcPts val="0"/>
               </a:spcBef>
@@ -9422,9 +9865,6 @@
               </a:spcAft>
               <a:buNone/>
             </a:pPr>
-            <a:r>
-              <a:t/>
-            </a:r>
             <a:endParaRPr sz="1800">
               <a:solidFill>
                 <a:schemeClr val="dk2"/>
@@ -9446,30 +9886,30 @@
           </a:xfrm>
           <a:prstGeom prst="halfFrame">
             <a:avLst>
-              <a:gd fmla="val 33333" name="adj1"/>
-              <a:gd fmla="val 33333" name="adj2"/>
+              <a:gd name="adj1" fmla="val 33333"/>
+              <a:gd name="adj2" fmla="val 33333"/>
             </a:avLst>
           </a:prstGeom>
           <a:solidFill>
             <a:schemeClr val="dk1"/>
           </a:solidFill>
-          <a:ln cap="flat" cmpd="sng" w="9525">
+          <a:ln w="9525" cap="flat" cmpd="sng">
             <a:solidFill>
               <a:schemeClr val="dk2"/>
             </a:solidFill>
             <a:prstDash val="solid"/>
             <a:round/>
-            <a:headEnd len="sm" w="sm" type="none"/>
-            <a:tailEnd len="sm" w="sm" type="none"/>
+            <a:headEnd type="none" w="sm" len="sm"/>
+            <a:tailEnd type="none" w="sm" len="sm"/>
           </a:ln>
         </p:spPr>
         <p:txBody>
-          <a:bodyPr anchorCtr="0" anchor="ctr" bIns="91425" lIns="91425" spcFirstLastPara="1" rIns="91425" wrap="square" tIns="91425">
+          <a:bodyPr spcFirstLastPara="1" wrap="square" lIns="91425" tIns="91425" rIns="91425" bIns="91425" anchor="ctr" anchorCtr="0">
             <a:noAutofit/>
           </a:bodyPr>
           <a:lstStyle/>
           <a:p>
-            <a:pPr indent="0" lvl="0" marL="0" rtl="0" algn="ctr">
+            <a:pPr marL="0" lvl="0" indent="0" algn="ctr" rtl="0">
               <a:spcBef>
                 <a:spcPts val="0"/>
               </a:spcBef>
@@ -9478,9 +9918,6 @@
               </a:spcAft>
               <a:buNone/>
             </a:pPr>
-            <a:r>
-              <a:t/>
-            </a:r>
             <a:endParaRPr/>
           </a:p>
         </p:txBody>
@@ -9490,11 +9927,21 @@
   <p:clrMapOvr>
     <a:masterClrMapping/>
   </p:clrMapOvr>
+  <p:transition spd="slow" advClick="0">
+    <p:push dir="u"/>
+  </p:transition>
+  <p:timing>
+    <p:tnLst>
+      <p:par>
+        <p:cTn id="1" dur="indefinite" restart="never" nodeType="tmRoot"/>
+      </p:par>
+    </p:tnLst>
+  </p:timing>
 </p:sld>
 </file>
 
 <file path=ppt/slides/slide8.xml><?xml version="1.0" encoding="utf-8"?>
-<p:sld xmlns:a="http://schemas.openxmlformats.org/drawingml/2006/main" xmlns:r="http://schemas.openxmlformats.org/officeDocument/2006/relationships" xmlns:mc="http://schemas.openxmlformats.org/markup-compatibility/2006" xmlns:mv="urn:schemas-microsoft-com:mac:vml" xmlns:p="http://schemas.openxmlformats.org/presentationml/2006/main" xmlns:c="http://schemas.openxmlformats.org/drawingml/2006/chart" xmlns:dgm="http://schemas.openxmlformats.org/drawingml/2006/diagram" xmlns:o="urn:schemas-microsoft-com:office:office" xmlns:v="urn:schemas-microsoft-com:vml" xmlns:pvml="urn:schemas-microsoft-com:office:powerpoint" xmlns:com="http://schemas.openxmlformats.org/drawingml/2006/compatibility" xmlns:p14="http://schemas.microsoft.com/office/powerpoint/2010/main" xmlns:p15="http://schemas.microsoft.com/office/powerpoint/2012/main" xmlns:ahyp="http://schemas.microsoft.com/office/drawing/2018/hyperlinkcolor">
+<p:sld xmlns:a="http://schemas.openxmlformats.org/drawingml/2006/main" xmlns:r="http://schemas.openxmlformats.org/officeDocument/2006/relationships" xmlns:p="http://schemas.openxmlformats.org/presentationml/2006/main">
   <p:cSld>
     <p:bg>
       <p:bgPr>
@@ -9506,11 +9953,12 @@
             <a:fillRect/>
           </a:stretch>
         </a:blipFill>
+        <a:effectLst/>
       </p:bgPr>
     </p:bg>
     <p:spTree>
       <p:nvGrpSpPr>
-        <p:cNvPr id="130" name="Shape 130"/>
+        <p:cNvPr id="1" name="Shape 130"/>
         <p:cNvGrpSpPr/>
         <p:nvPr/>
       </p:nvGrpSpPr>
@@ -9537,14 +9985,14 @@
             <a:avLst/>
           </a:prstGeom>
           <a:noFill/>
-          <a:ln cap="flat" cmpd="sng" w="9525">
+          <a:ln w="9525" cap="flat" cmpd="sng">
             <a:solidFill>
               <a:schemeClr val="dk2"/>
             </a:solidFill>
             <a:prstDash val="solid"/>
             <a:round/>
-            <a:headEnd len="med" w="med" type="none"/>
-            <a:tailEnd len="med" w="med" type="none"/>
+            <a:headEnd type="none" w="med" len="med"/>
+            <a:tailEnd type="none" w="med" len="med"/>
           </a:ln>
         </p:spPr>
       </p:cxnSp>
@@ -9555,7 +10003,7 @@
           <p:nvPr/>
         </p:nvCxnSpPr>
         <p:spPr>
-          <a:xfrm flipH="1" rot="10800000">
+          <a:xfrm rot="10800000" flipH="1">
             <a:off x="8425150" y="26875"/>
             <a:ext cx="66900" cy="26700"/>
           </a:xfrm>
@@ -9563,14 +10011,14 @@
             <a:avLst/>
           </a:prstGeom>
           <a:noFill/>
-          <a:ln cap="flat" cmpd="sng" w="9525">
+          <a:ln w="9525" cap="flat" cmpd="sng">
             <a:solidFill>
               <a:schemeClr val="dk2"/>
             </a:solidFill>
             <a:prstDash val="solid"/>
             <a:round/>
-            <a:headEnd len="med" w="med" type="none"/>
-            <a:tailEnd len="med" w="med" type="none"/>
+            <a:headEnd type="none" w="med" len="med"/>
+            <a:tailEnd type="none" w="med" len="med"/>
           </a:ln>
         </p:spPr>
       </p:cxnSp>
@@ -9594,12 +10042,12 @@
           </a:ln>
         </p:spPr>
         <p:txBody>
-          <a:bodyPr anchorCtr="0" anchor="t" bIns="91425" lIns="91425" spcFirstLastPara="1" rIns="91425" wrap="square" tIns="91425">
+          <a:bodyPr spcFirstLastPara="1" wrap="square" lIns="91425" tIns="91425" rIns="91425" bIns="91425" anchor="t" anchorCtr="0">
             <a:spAutoFit/>
           </a:bodyPr>
           <a:lstStyle/>
           <a:p>
-            <a:pPr indent="0" lvl="0" marL="0" rtl="0" algn="l">
+            <a:pPr marL="0" lvl="0" indent="0" algn="l" rtl="0">
               <a:spcBef>
                 <a:spcPts val="0"/>
               </a:spcBef>
@@ -9608,9 +10056,6 @@
               </a:spcAft>
               <a:buNone/>
             </a:pPr>
-            <a:r>
-              <a:t/>
-            </a:r>
             <a:endParaRPr sz="1800">
               <a:solidFill>
                 <a:schemeClr val="dk2"/>
@@ -9632,30 +10077,30 @@
           </a:xfrm>
           <a:prstGeom prst="round2DiagRect">
             <a:avLst>
-              <a:gd fmla="val 16667" name="adj1"/>
-              <a:gd fmla="val 0" name="adj2"/>
+              <a:gd name="adj1" fmla="val 16667"/>
+              <a:gd name="adj2" fmla="val 0"/>
             </a:avLst>
           </a:prstGeom>
           <a:solidFill>
             <a:schemeClr val="lt2"/>
           </a:solidFill>
-          <a:ln cap="flat" cmpd="sng" w="9525">
+          <a:ln w="9525" cap="flat" cmpd="sng">
             <a:solidFill>
               <a:schemeClr val="dk2"/>
             </a:solidFill>
             <a:prstDash val="solid"/>
             <a:round/>
-            <a:headEnd len="sm" w="sm" type="none"/>
-            <a:tailEnd len="sm" w="sm" type="none"/>
+            <a:headEnd type="none" w="sm" len="sm"/>
+            <a:tailEnd type="none" w="sm" len="sm"/>
           </a:ln>
         </p:spPr>
         <p:txBody>
-          <a:bodyPr anchorCtr="0" anchor="ctr" bIns="91425" lIns="91425" spcFirstLastPara="1" rIns="91425" wrap="square" tIns="91425">
+          <a:bodyPr spcFirstLastPara="1" wrap="square" lIns="91425" tIns="91425" rIns="91425" bIns="91425" anchor="ctr" anchorCtr="0">
             <a:noAutofit/>
           </a:bodyPr>
           <a:lstStyle/>
           <a:p>
-            <a:pPr indent="0" lvl="0" marL="0" rtl="0" algn="l">
+            <a:pPr marL="0" lvl="0" indent="0" algn="l" rtl="0">
               <a:spcBef>
                 <a:spcPts val="0"/>
               </a:spcBef>
@@ -9689,23 +10134,23 @@
           <a:solidFill>
             <a:schemeClr val="lt2"/>
           </a:solidFill>
-          <a:ln cap="flat" cmpd="sng" w="9525">
+          <a:ln w="9525" cap="flat" cmpd="sng">
             <a:solidFill>
               <a:schemeClr val="dk2"/>
             </a:solidFill>
             <a:prstDash val="solid"/>
             <a:round/>
-            <a:headEnd len="sm" w="sm" type="none"/>
-            <a:tailEnd len="sm" w="sm" type="none"/>
+            <a:headEnd type="none" w="sm" len="sm"/>
+            <a:tailEnd type="none" w="sm" len="sm"/>
           </a:ln>
         </p:spPr>
         <p:txBody>
-          <a:bodyPr anchorCtr="0" anchor="ctr" bIns="91425" lIns="91425" spcFirstLastPara="1" rIns="91425" wrap="square" tIns="91425">
+          <a:bodyPr spcFirstLastPara="1" wrap="square" lIns="91425" tIns="91425" rIns="91425" bIns="91425" anchor="ctr" anchorCtr="0">
             <a:noAutofit/>
           </a:bodyPr>
           <a:lstStyle/>
           <a:p>
-            <a:pPr indent="0" lvl="0" marL="0" rtl="0" algn="l">
+            <a:pPr marL="0" lvl="0" indent="0" algn="l" rtl="0">
               <a:spcBef>
                 <a:spcPts val="0"/>
               </a:spcBef>
@@ -9742,12 +10187,12 @@
           </a:ln>
         </p:spPr>
         <p:txBody>
-          <a:bodyPr anchorCtr="0" anchor="t" bIns="91425" lIns="91425" spcFirstLastPara="1" rIns="91425" wrap="square" tIns="91425">
+          <a:bodyPr spcFirstLastPara="1" wrap="square" lIns="91425" tIns="91425" rIns="91425" bIns="91425" anchor="t" anchorCtr="0">
             <a:spAutoFit/>
           </a:bodyPr>
           <a:lstStyle/>
           <a:p>
-            <a:pPr indent="0" lvl="0" marL="0" rtl="0" algn="l">
+            <a:pPr marL="0" lvl="0" indent="0" algn="l" rtl="0">
               <a:spcBef>
                 <a:spcPts val="0"/>
               </a:spcBef>
@@ -9756,9 +10201,6 @@
               </a:spcAft>
               <a:buNone/>
             </a:pPr>
-            <a:r>
-              <a:t/>
-            </a:r>
             <a:endParaRPr sz="1800">
               <a:solidFill>
                 <a:schemeClr val="dk2"/>
@@ -9780,30 +10222,30 @@
           </a:xfrm>
           <a:prstGeom prst="halfFrame">
             <a:avLst>
-              <a:gd fmla="val 33333" name="adj1"/>
-              <a:gd fmla="val 33333" name="adj2"/>
+              <a:gd name="adj1" fmla="val 33333"/>
+              <a:gd name="adj2" fmla="val 33333"/>
             </a:avLst>
           </a:prstGeom>
           <a:solidFill>
             <a:schemeClr val="dk1"/>
           </a:solidFill>
-          <a:ln cap="flat" cmpd="sng" w="9525">
+          <a:ln w="9525" cap="flat" cmpd="sng">
             <a:solidFill>
               <a:schemeClr val="dk2"/>
             </a:solidFill>
             <a:prstDash val="solid"/>
             <a:round/>
-            <a:headEnd len="sm" w="sm" type="none"/>
-            <a:tailEnd len="sm" w="sm" type="none"/>
+            <a:headEnd type="none" w="sm" len="sm"/>
+            <a:tailEnd type="none" w="sm" len="sm"/>
           </a:ln>
         </p:spPr>
         <p:txBody>
-          <a:bodyPr anchorCtr="0" anchor="ctr" bIns="91425" lIns="91425" spcFirstLastPara="1" rIns="91425" wrap="square" tIns="91425">
+          <a:bodyPr spcFirstLastPara="1" wrap="square" lIns="91425" tIns="91425" rIns="91425" bIns="91425" anchor="ctr" anchorCtr="0">
             <a:noAutofit/>
           </a:bodyPr>
           <a:lstStyle/>
           <a:p>
-            <a:pPr indent="0" lvl="0" marL="0" rtl="0" algn="ctr">
+            <a:pPr marL="0" lvl="0" indent="0" algn="ctr" rtl="0">
               <a:spcBef>
                 <a:spcPts val="0"/>
               </a:spcBef>
@@ -9812,9 +10254,6 @@
               </a:spcAft>
               <a:buNone/>
             </a:pPr>
-            <a:r>
-              <a:t/>
-            </a:r>
             <a:endParaRPr/>
           </a:p>
         </p:txBody>
@@ -9824,11 +10263,21 @@
   <p:clrMapOvr>
     <a:masterClrMapping/>
   </p:clrMapOvr>
+  <p:transition spd="slow" advClick="0">
+    <p:push dir="u"/>
+  </p:transition>
+  <p:timing>
+    <p:tnLst>
+      <p:par>
+        <p:cTn id="1" dur="indefinite" restart="never" nodeType="tmRoot"/>
+      </p:par>
+    </p:tnLst>
+  </p:timing>
 </p:sld>
 </file>
 
 <file path=ppt/slides/slide9.xml><?xml version="1.0" encoding="utf-8"?>
-<p:sld xmlns:a="http://schemas.openxmlformats.org/drawingml/2006/main" xmlns:r="http://schemas.openxmlformats.org/officeDocument/2006/relationships" xmlns:mc="http://schemas.openxmlformats.org/markup-compatibility/2006" xmlns:mv="urn:schemas-microsoft-com:mac:vml" xmlns:p="http://schemas.openxmlformats.org/presentationml/2006/main" xmlns:c="http://schemas.openxmlformats.org/drawingml/2006/chart" xmlns:dgm="http://schemas.openxmlformats.org/drawingml/2006/diagram" xmlns:o="urn:schemas-microsoft-com:office:office" xmlns:v="urn:schemas-microsoft-com:vml" xmlns:pvml="urn:schemas-microsoft-com:office:powerpoint" xmlns:com="http://schemas.openxmlformats.org/drawingml/2006/compatibility" xmlns:p14="http://schemas.microsoft.com/office/powerpoint/2010/main" xmlns:p15="http://schemas.microsoft.com/office/powerpoint/2012/main" xmlns:ahyp="http://schemas.microsoft.com/office/drawing/2018/hyperlinkcolor">
+<p:sld xmlns:a="http://schemas.openxmlformats.org/drawingml/2006/main" xmlns:r="http://schemas.openxmlformats.org/officeDocument/2006/relationships" xmlns:p="http://schemas.openxmlformats.org/presentationml/2006/main">
   <p:cSld>
     <p:bg>
       <p:bgPr>
@@ -9840,11 +10289,12 @@
             <a:fillRect/>
           </a:stretch>
         </a:blipFill>
+        <a:effectLst/>
       </p:bgPr>
     </p:bg>
     <p:spTree>
       <p:nvGrpSpPr>
-        <p:cNvPr id="141" name="Shape 141"/>
+        <p:cNvPr id="1" name="Shape 141"/>
         <p:cNvGrpSpPr/>
         <p:nvPr/>
       </p:nvGrpSpPr>
@@ -9871,14 +10321,14 @@
             <a:avLst/>
           </a:prstGeom>
           <a:noFill/>
-          <a:ln cap="flat" cmpd="sng" w="9525">
+          <a:ln w="9525" cap="flat" cmpd="sng">
             <a:solidFill>
               <a:schemeClr val="dk2"/>
             </a:solidFill>
             <a:prstDash val="solid"/>
             <a:round/>
-            <a:headEnd len="med" w="med" type="none"/>
-            <a:tailEnd len="med" w="med" type="none"/>
+            <a:headEnd type="none" w="med" len="med"/>
+            <a:tailEnd type="none" w="med" len="med"/>
           </a:ln>
         </p:spPr>
       </p:cxnSp>
@@ -9889,7 +10339,7 @@
           <p:nvPr/>
         </p:nvCxnSpPr>
         <p:spPr>
-          <a:xfrm flipH="1" rot="10800000">
+          <a:xfrm rot="10800000" flipH="1">
             <a:off x="8425150" y="26875"/>
             <a:ext cx="66900" cy="26700"/>
           </a:xfrm>
@@ -9897,14 +10347,14 @@
             <a:avLst/>
           </a:prstGeom>
           <a:noFill/>
-          <a:ln cap="flat" cmpd="sng" w="9525">
+          <a:ln w="9525" cap="flat" cmpd="sng">
             <a:solidFill>
               <a:schemeClr val="dk2"/>
             </a:solidFill>
             <a:prstDash val="solid"/>
             <a:round/>
-            <a:headEnd len="med" w="med" type="none"/>
-            <a:tailEnd len="med" w="med" type="none"/>
+            <a:headEnd type="none" w="med" len="med"/>
+            <a:tailEnd type="none" w="med" len="med"/>
           </a:ln>
         </p:spPr>
       </p:cxnSp>
@@ -9928,12 +10378,12 @@
           </a:ln>
         </p:spPr>
         <p:txBody>
-          <a:bodyPr anchorCtr="0" anchor="t" bIns="91425" lIns="91425" spcFirstLastPara="1" rIns="91425" wrap="square" tIns="91425">
+          <a:bodyPr spcFirstLastPara="1" wrap="square" lIns="91425" tIns="91425" rIns="91425" bIns="91425" anchor="t" anchorCtr="0">
             <a:spAutoFit/>
           </a:bodyPr>
           <a:lstStyle/>
           <a:p>
-            <a:pPr indent="0" lvl="0" marL="0" rtl="0" algn="l">
+            <a:pPr marL="0" lvl="0" indent="0" algn="l" rtl="0">
               <a:spcBef>
                 <a:spcPts val="0"/>
               </a:spcBef>
@@ -9942,9 +10392,6 @@
               </a:spcAft>
               <a:buNone/>
             </a:pPr>
-            <a:r>
-              <a:t/>
-            </a:r>
             <a:endParaRPr sz="1800">
               <a:solidFill>
                 <a:schemeClr val="dk2"/>
@@ -9966,30 +10413,30 @@
           </a:xfrm>
           <a:prstGeom prst="round2DiagRect">
             <a:avLst>
-              <a:gd fmla="val 16667" name="adj1"/>
-              <a:gd fmla="val 0" name="adj2"/>
+              <a:gd name="adj1" fmla="val 16667"/>
+              <a:gd name="adj2" fmla="val 0"/>
             </a:avLst>
           </a:prstGeom>
           <a:solidFill>
             <a:schemeClr val="lt2"/>
           </a:solidFill>
-          <a:ln cap="flat" cmpd="sng" w="9525">
+          <a:ln w="9525" cap="flat" cmpd="sng">
             <a:solidFill>
               <a:schemeClr val="dk2"/>
             </a:solidFill>
             <a:prstDash val="solid"/>
             <a:round/>
-            <a:headEnd len="sm" w="sm" type="none"/>
-            <a:tailEnd len="sm" w="sm" type="none"/>
+            <a:headEnd type="none" w="sm" len="sm"/>
+            <a:tailEnd type="none" w="sm" len="sm"/>
           </a:ln>
         </p:spPr>
         <p:txBody>
-          <a:bodyPr anchorCtr="0" anchor="ctr" bIns="91425" lIns="91425" spcFirstLastPara="1" rIns="91425" wrap="square" tIns="91425">
+          <a:bodyPr spcFirstLastPara="1" wrap="square" lIns="91425" tIns="91425" rIns="91425" bIns="91425" anchor="ctr" anchorCtr="0">
             <a:noAutofit/>
           </a:bodyPr>
           <a:lstStyle/>
           <a:p>
-            <a:pPr indent="0" lvl="0" marL="0" rtl="0" algn="l">
+            <a:pPr marL="0" lvl="0" indent="0" algn="l" rtl="0">
               <a:spcBef>
                 <a:spcPts val="0"/>
               </a:spcBef>
@@ -10009,7 +10456,7 @@
             </a:endParaRPr>
           </a:p>
           <a:p>
-            <a:pPr indent="0" lvl="0" marL="0" rtl="0" algn="l">
+            <a:pPr marL="0" lvl="0" indent="0" algn="l" rtl="0">
               <a:spcBef>
                 <a:spcPts val="0"/>
               </a:spcBef>
@@ -10025,7 +10472,7 @@
             <a:endParaRPr/>
           </a:p>
           <a:p>
-            <a:pPr indent="0" lvl="0" marL="0" rtl="0" algn="l">
+            <a:pPr marL="0" lvl="0" indent="0" algn="l" rtl="0">
               <a:spcBef>
                 <a:spcPts val="0"/>
               </a:spcBef>
@@ -10041,7 +10488,7 @@
             <a:endParaRPr/>
           </a:p>
           <a:p>
-            <a:pPr indent="0" lvl="0" marL="0" rtl="0" algn="l">
+            <a:pPr marL="0" lvl="0" indent="0" algn="l" rtl="0">
               <a:spcBef>
                 <a:spcPts val="0"/>
               </a:spcBef>
@@ -10050,13 +10497,10 @@
               </a:spcAft>
               <a:buNone/>
             </a:pPr>
-            <a:r>
-              <a:t/>
-            </a:r>
             <a:endParaRPr/>
           </a:p>
           <a:p>
-            <a:pPr indent="0" lvl="0" marL="0" rtl="0" algn="l">
+            <a:pPr marL="0" lvl="0" indent="0" algn="l" rtl="0">
               <a:spcBef>
                 <a:spcPts val="0"/>
               </a:spcBef>
@@ -10072,7 +10516,7 @@
             <a:endParaRPr/>
           </a:p>
           <a:p>
-            <a:pPr indent="0" lvl="0" marL="0" rtl="0" algn="l">
+            <a:pPr marL="0" lvl="0" indent="0" algn="l" rtl="0">
               <a:spcBef>
                 <a:spcPts val="0"/>
               </a:spcBef>
@@ -10088,7 +10532,7 @@
             <a:endParaRPr/>
           </a:p>
           <a:p>
-            <a:pPr indent="0" lvl="0" marL="0" rtl="0" algn="l">
+            <a:pPr marL="0" lvl="0" indent="0" algn="l" rtl="0">
               <a:spcBef>
                 <a:spcPts val="0"/>
               </a:spcBef>
@@ -10104,7 +10548,7 @@
             <a:endParaRPr/>
           </a:p>
           <a:p>
-            <a:pPr indent="0" lvl="0" marL="0" rtl="0" algn="l">
+            <a:pPr marL="0" lvl="0" indent="0" algn="l" rtl="0">
               <a:spcBef>
                 <a:spcPts val="0"/>
               </a:spcBef>
@@ -10138,23 +10582,23 @@
           <a:solidFill>
             <a:schemeClr val="lt2"/>
           </a:solidFill>
-          <a:ln cap="flat" cmpd="sng" w="9525">
+          <a:ln w="9525" cap="flat" cmpd="sng">
             <a:solidFill>
               <a:schemeClr val="dk2"/>
             </a:solidFill>
             <a:prstDash val="solid"/>
             <a:round/>
-            <a:headEnd len="sm" w="sm" type="none"/>
-            <a:tailEnd len="sm" w="sm" type="none"/>
+            <a:headEnd type="none" w="sm" len="sm"/>
+            <a:tailEnd type="none" w="sm" len="sm"/>
           </a:ln>
         </p:spPr>
         <p:txBody>
-          <a:bodyPr anchorCtr="0" anchor="ctr" bIns="91425" lIns="91425" spcFirstLastPara="1" rIns="91425" wrap="square" tIns="91425">
+          <a:bodyPr spcFirstLastPara="1" wrap="square" lIns="91425" tIns="91425" rIns="91425" bIns="91425" anchor="ctr" anchorCtr="0">
             <a:noAutofit/>
           </a:bodyPr>
           <a:lstStyle/>
           <a:p>
-            <a:pPr indent="0" lvl="0" marL="0" rtl="0" algn="l">
+            <a:pPr marL="0" lvl="0" indent="0" algn="l" rtl="0">
               <a:spcBef>
                 <a:spcPts val="0"/>
               </a:spcBef>
@@ -10191,12 +10635,12 @@
           </a:ln>
         </p:spPr>
         <p:txBody>
-          <a:bodyPr anchorCtr="0" anchor="t" bIns="91425" lIns="91425" spcFirstLastPara="1" rIns="91425" wrap="square" tIns="91425">
+          <a:bodyPr spcFirstLastPara="1" wrap="square" lIns="91425" tIns="91425" rIns="91425" bIns="91425" anchor="t" anchorCtr="0">
             <a:spAutoFit/>
           </a:bodyPr>
           <a:lstStyle/>
           <a:p>
-            <a:pPr indent="0" lvl="0" marL="0" rtl="0" algn="l">
+            <a:pPr marL="0" lvl="0" indent="0" algn="l" rtl="0">
               <a:spcBef>
                 <a:spcPts val="0"/>
               </a:spcBef>
@@ -10205,9 +10649,6 @@
               </a:spcAft>
               <a:buNone/>
             </a:pPr>
-            <a:r>
-              <a:t/>
-            </a:r>
             <a:endParaRPr sz="1800">
               <a:solidFill>
                 <a:schemeClr val="dk2"/>
@@ -10229,30 +10670,30 @@
           </a:xfrm>
           <a:prstGeom prst="halfFrame">
             <a:avLst>
-              <a:gd fmla="val 33333" name="adj1"/>
-              <a:gd fmla="val 33333" name="adj2"/>
+              <a:gd name="adj1" fmla="val 33333"/>
+              <a:gd name="adj2" fmla="val 33333"/>
             </a:avLst>
           </a:prstGeom>
           <a:solidFill>
             <a:schemeClr val="dk1"/>
           </a:solidFill>
-          <a:ln cap="flat" cmpd="sng" w="9525">
+          <a:ln w="9525" cap="flat" cmpd="sng">
             <a:solidFill>
               <a:schemeClr val="dk2"/>
             </a:solidFill>
             <a:prstDash val="solid"/>
             <a:round/>
-            <a:headEnd len="sm" w="sm" type="none"/>
-            <a:tailEnd len="sm" w="sm" type="none"/>
+            <a:headEnd type="none" w="sm" len="sm"/>
+            <a:tailEnd type="none" w="sm" len="sm"/>
           </a:ln>
         </p:spPr>
         <p:txBody>
-          <a:bodyPr anchorCtr="0" anchor="ctr" bIns="91425" lIns="91425" spcFirstLastPara="1" rIns="91425" wrap="square" tIns="91425">
+          <a:bodyPr spcFirstLastPara="1" wrap="square" lIns="91425" tIns="91425" rIns="91425" bIns="91425" anchor="ctr" anchorCtr="0">
             <a:noAutofit/>
           </a:bodyPr>
           <a:lstStyle/>
           <a:p>
-            <a:pPr indent="0" lvl="0" marL="0" rtl="0" algn="ctr">
+            <a:pPr marL="0" lvl="0" indent="0" algn="ctr" rtl="0">
               <a:spcBef>
                 <a:spcPts val="0"/>
               </a:spcBef>
@@ -10261,9 +10702,6 @@
               </a:spcAft>
               <a:buNone/>
             </a:pPr>
-            <a:r>
-              <a:t/>
-            </a:r>
             <a:endParaRPr/>
           </a:p>
         </p:txBody>
@@ -10273,11 +10711,302 @@
   <p:clrMapOvr>
     <a:masterClrMapping/>
   </p:clrMapOvr>
+  <p:transition spd="slow" advClick="0">
+    <p:push dir="u"/>
+  </p:transition>
+  <p:timing>
+    <p:tnLst>
+      <p:par>
+        <p:cTn id="1" dur="indefinite" restart="never" nodeType="tmRoot"/>
+      </p:par>
+    </p:tnLst>
+  </p:timing>
 </p:sld>
 </file>
 
 <file path=ppt/theme/theme1.xml><?xml version="1.0" encoding="utf-8"?>
-<a:theme xmlns:a="http://schemas.openxmlformats.org/drawingml/2006/main" xmlns:r="http://schemas.openxmlformats.org/officeDocument/2006/relationships">
+<a:theme xmlns:a="http://schemas.openxmlformats.org/drawingml/2006/main" name="Simple Light">
+  <a:themeElements>
+    <a:clrScheme name="Simple Light">
+      <a:dk1>
+        <a:srgbClr val="000000"/>
+      </a:dk1>
+      <a:lt1>
+        <a:srgbClr val="FFFFFF"/>
+      </a:lt1>
+      <a:dk2>
+        <a:srgbClr val="595959"/>
+      </a:dk2>
+      <a:lt2>
+        <a:srgbClr val="EEEEEE"/>
+      </a:lt2>
+      <a:accent1>
+        <a:srgbClr val="4285F4"/>
+      </a:accent1>
+      <a:accent2>
+        <a:srgbClr val="212121"/>
+      </a:accent2>
+      <a:accent3>
+        <a:srgbClr val="78909C"/>
+      </a:accent3>
+      <a:accent4>
+        <a:srgbClr val="FFAB40"/>
+      </a:accent4>
+      <a:accent5>
+        <a:srgbClr val="0097A7"/>
+      </a:accent5>
+      <a:accent6>
+        <a:srgbClr val="EEFF41"/>
+      </a:accent6>
+      <a:hlink>
+        <a:srgbClr val="0097A7"/>
+      </a:hlink>
+      <a:folHlink>
+        <a:srgbClr val="0097A7"/>
+      </a:folHlink>
+    </a:clrScheme>
+    <a:fontScheme name="Office">
+      <a:majorFont>
+        <a:latin typeface="Arial"/>
+        <a:ea typeface=""/>
+        <a:cs typeface=""/>
+        <a:font script="Jpan" typeface="ＭＳ Ｐゴシック"/>
+        <a:font script="Hang" typeface="맑은 고딕"/>
+        <a:font script="Hans" typeface="宋体"/>
+        <a:font script="Hant" typeface="新細明體"/>
+        <a:font script="Arab" typeface="Times New Roman"/>
+        <a:font script="Hebr" typeface="Times New Roman"/>
+        <a:font script="Thai" typeface="Angsana New"/>
+        <a:font script="Ethi" typeface="Nyala"/>
+        <a:font script="Beng" typeface="Vrinda"/>
+        <a:font script="Gujr" typeface="Shruti"/>
+        <a:font script="Khmr" typeface="MoolBoran"/>
+        <a:font script="Knda" typeface="Tunga"/>
+        <a:font script="Guru" typeface="Raavi"/>
+        <a:font script="Cans" typeface="Euphemia"/>
+        <a:font script="Cher" typeface="Plantagenet Cherokee"/>
+        <a:font script="Yiii" typeface="Microsoft Yi Baiti"/>
+        <a:font script="Tibt" typeface="Microsoft Himalaya"/>
+        <a:font script="Thaa" typeface="MV Boli"/>
+        <a:font script="Deva" typeface="Mangal"/>
+        <a:font script="Telu" typeface="Gautami"/>
+        <a:font script="Taml" typeface="Latha"/>
+        <a:font script="Syrc" typeface="Estrangelo Edessa"/>
+        <a:font script="Orya" typeface="Kalinga"/>
+        <a:font script="Mlym" typeface="Kartika"/>
+        <a:font script="Laoo" typeface="DokChampa"/>
+        <a:font script="Sinh" typeface="Iskoola Pota"/>
+        <a:font script="Mong" typeface="Mongolian Baiti"/>
+        <a:font script="Viet" typeface="Times New Roman"/>
+        <a:font script="Uigh" typeface="Microsoft Uighur"/>
+        <a:font script="Geor" typeface="Sylfaen"/>
+      </a:majorFont>
+      <a:minorFont>
+        <a:latin typeface="Arial"/>
+        <a:ea typeface=""/>
+        <a:cs typeface=""/>
+        <a:font script="Jpan" typeface="ＭＳ Ｐゴシック"/>
+        <a:font script="Hang" typeface="맑은 고딕"/>
+        <a:font script="Hans" typeface="宋体"/>
+        <a:font script="Hant" typeface="新細明體"/>
+        <a:font script="Arab" typeface="Arial"/>
+        <a:font script="Hebr" typeface="Arial"/>
+        <a:font script="Thai" typeface="Cordia New"/>
+        <a:font script="Ethi" typeface="Nyala"/>
+        <a:font script="Beng" typeface="Vrinda"/>
+        <a:font script="Gujr" typeface="Shruti"/>
+        <a:font script="Khmr" typeface="DaunPenh"/>
+        <a:font script="Knda" typeface="Tunga"/>
+        <a:font script="Guru" typeface="Raavi"/>
+        <a:font script="Cans" typeface="Euphemia"/>
+        <a:font script="Cher" typeface="Plantagenet Cherokee"/>
+        <a:font script="Yiii" typeface="Microsoft Yi Baiti"/>
+        <a:font script="Tibt" typeface="Microsoft Himalaya"/>
+        <a:font script="Thaa" typeface="MV Boli"/>
+        <a:font script="Deva" typeface="Mangal"/>
+        <a:font script="Telu" typeface="Gautami"/>
+        <a:font script="Taml" typeface="Latha"/>
+        <a:font script="Syrc" typeface="Estrangelo Edessa"/>
+        <a:font script="Orya" typeface="Kalinga"/>
+        <a:font script="Mlym" typeface="Kartika"/>
+        <a:font script="Laoo" typeface="DokChampa"/>
+        <a:font script="Sinh" typeface="Iskoola Pota"/>
+        <a:font script="Mong" typeface="Mongolian Baiti"/>
+        <a:font script="Viet" typeface="Arial"/>
+        <a:font script="Uigh" typeface="Microsoft Uighur"/>
+        <a:font script="Geor" typeface="Sylfaen"/>
+      </a:minorFont>
+    </a:fontScheme>
+    <a:fmtScheme name="Office">
+      <a:fillStyleLst>
+        <a:solidFill>
+          <a:schemeClr val="phClr"/>
+        </a:solidFill>
+        <a:gradFill rotWithShape="1">
+          <a:gsLst>
+            <a:gs pos="0">
+              <a:schemeClr val="phClr">
+                <a:tint val="50000"/>
+                <a:satMod val="300000"/>
+              </a:schemeClr>
+            </a:gs>
+            <a:gs pos="35000">
+              <a:schemeClr val="phClr">
+                <a:tint val="37000"/>
+                <a:satMod val="300000"/>
+              </a:schemeClr>
+            </a:gs>
+            <a:gs pos="100000">
+              <a:schemeClr val="phClr">
+                <a:tint val="15000"/>
+                <a:satMod val="350000"/>
+              </a:schemeClr>
+            </a:gs>
+          </a:gsLst>
+          <a:lin ang="16200000" scaled="1"/>
+        </a:gradFill>
+        <a:gradFill rotWithShape="1">
+          <a:gsLst>
+            <a:gs pos="0">
+              <a:schemeClr val="phClr">
+                <a:tint val="100000"/>
+                <a:shade val="100000"/>
+                <a:satMod val="130000"/>
+              </a:schemeClr>
+            </a:gs>
+            <a:gs pos="100000">
+              <a:schemeClr val="phClr">
+                <a:tint val="50000"/>
+                <a:shade val="100000"/>
+                <a:satMod val="350000"/>
+              </a:schemeClr>
+            </a:gs>
+          </a:gsLst>
+          <a:lin ang="16200000" scaled="0"/>
+        </a:gradFill>
+      </a:fillStyleLst>
+      <a:lnStyleLst>
+        <a:ln w="9525" cap="flat" cmpd="sng" algn="ctr">
+          <a:solidFill>
+            <a:schemeClr val="phClr">
+              <a:shade val="95000"/>
+              <a:satMod val="105000"/>
+            </a:schemeClr>
+          </a:solidFill>
+          <a:prstDash val="solid"/>
+        </a:ln>
+        <a:ln w="25400" cap="flat" cmpd="sng" algn="ctr">
+          <a:solidFill>
+            <a:schemeClr val="phClr"/>
+          </a:solidFill>
+          <a:prstDash val="solid"/>
+        </a:ln>
+        <a:ln w="38100" cap="flat" cmpd="sng" algn="ctr">
+          <a:solidFill>
+            <a:schemeClr val="phClr"/>
+          </a:solidFill>
+          <a:prstDash val="solid"/>
+        </a:ln>
+      </a:lnStyleLst>
+      <a:effectStyleLst>
+        <a:effectStyle>
+          <a:effectLst>
+            <a:outerShdw blurRad="40000" dist="20000" dir="5400000" rotWithShape="0">
+              <a:srgbClr val="000000">
+                <a:alpha val="38000"/>
+              </a:srgbClr>
+            </a:outerShdw>
+          </a:effectLst>
+        </a:effectStyle>
+        <a:effectStyle>
+          <a:effectLst>
+            <a:outerShdw blurRad="40000" dist="23000" dir="5400000" rotWithShape="0">
+              <a:srgbClr val="000000">
+                <a:alpha val="35000"/>
+              </a:srgbClr>
+            </a:outerShdw>
+          </a:effectLst>
+        </a:effectStyle>
+        <a:effectStyle>
+          <a:effectLst>
+            <a:outerShdw blurRad="40000" dist="23000" dir="5400000" rotWithShape="0">
+              <a:srgbClr val="000000">
+                <a:alpha val="35000"/>
+              </a:srgbClr>
+            </a:outerShdw>
+          </a:effectLst>
+          <a:scene3d>
+            <a:camera prst="orthographicFront">
+              <a:rot lat="0" lon="0" rev="0"/>
+            </a:camera>
+            <a:lightRig rig="threePt" dir="t">
+              <a:rot lat="0" lon="0" rev="1200000"/>
+            </a:lightRig>
+          </a:scene3d>
+          <a:sp3d>
+            <a:bevelT w="63500" h="25400"/>
+          </a:sp3d>
+        </a:effectStyle>
+      </a:effectStyleLst>
+      <a:bgFillStyleLst>
+        <a:solidFill>
+          <a:schemeClr val="phClr"/>
+        </a:solidFill>
+        <a:gradFill rotWithShape="1">
+          <a:gsLst>
+            <a:gs pos="0">
+              <a:schemeClr val="phClr">
+                <a:tint val="40000"/>
+                <a:satMod val="350000"/>
+              </a:schemeClr>
+            </a:gs>
+            <a:gs pos="40000">
+              <a:schemeClr val="phClr">
+                <a:tint val="45000"/>
+                <a:shade val="99000"/>
+                <a:satMod val="350000"/>
+              </a:schemeClr>
+            </a:gs>
+            <a:gs pos="100000">
+              <a:schemeClr val="phClr">
+                <a:shade val="20000"/>
+                <a:satMod val="255000"/>
+              </a:schemeClr>
+            </a:gs>
+          </a:gsLst>
+          <a:path path="circle">
+            <a:fillToRect l="50000" t="-80000" r="50000" b="180000"/>
+          </a:path>
+        </a:gradFill>
+        <a:gradFill rotWithShape="1">
+          <a:gsLst>
+            <a:gs pos="0">
+              <a:schemeClr val="phClr">
+                <a:tint val="80000"/>
+                <a:satMod val="300000"/>
+              </a:schemeClr>
+            </a:gs>
+            <a:gs pos="100000">
+              <a:schemeClr val="phClr">
+                <a:shade val="30000"/>
+                <a:satMod val="200000"/>
+              </a:schemeClr>
+            </a:gs>
+          </a:gsLst>
+          <a:path path="circle">
+            <a:fillToRect l="50000" t="50000" r="50000" b="50000"/>
+          </a:path>
+        </a:gradFill>
+      </a:bgFillStyleLst>
+    </a:fmtScheme>
+  </a:themeElements>
+  <a:objectDefaults/>
+  <a:extraClrSchemeLst/>
+</a:theme>
+</file>
+
+<file path=ppt/theme/theme2.xml><?xml version="1.0" encoding="utf-8"?>
+<a:theme xmlns:a="http://schemas.openxmlformats.org/drawingml/2006/main">
   <a:themeElements>
     <a:clrScheme name="Default">
       <a:dk1>
@@ -10552,284 +11281,7 @@
       </a:bgFillStyleLst>
     </a:fmtScheme>
   </a:themeElements>
-</a:theme>
-</file>
-
-<file path=ppt/theme/theme2.xml><?xml version="1.0" encoding="utf-8"?>
-<a:theme xmlns:a="http://schemas.openxmlformats.org/drawingml/2006/main" xmlns:r="http://schemas.openxmlformats.org/officeDocument/2006/relationships" name="Simple Light">
-  <a:themeElements>
-    <a:clrScheme name="Simple Light">
-      <a:dk1>
-        <a:srgbClr val="000000"/>
-      </a:dk1>
-      <a:lt1>
-        <a:srgbClr val="FFFFFF"/>
-      </a:lt1>
-      <a:dk2>
-        <a:srgbClr val="595959"/>
-      </a:dk2>
-      <a:lt2>
-        <a:srgbClr val="EEEEEE"/>
-      </a:lt2>
-      <a:accent1>
-        <a:srgbClr val="4285F4"/>
-      </a:accent1>
-      <a:accent2>
-        <a:srgbClr val="212121"/>
-      </a:accent2>
-      <a:accent3>
-        <a:srgbClr val="78909C"/>
-      </a:accent3>
-      <a:accent4>
-        <a:srgbClr val="FFAB40"/>
-      </a:accent4>
-      <a:accent5>
-        <a:srgbClr val="0097A7"/>
-      </a:accent5>
-      <a:accent6>
-        <a:srgbClr val="EEFF41"/>
-      </a:accent6>
-      <a:hlink>
-        <a:srgbClr val="0097A7"/>
-      </a:hlink>
-      <a:folHlink>
-        <a:srgbClr val="0097A7"/>
-      </a:folHlink>
-    </a:clrScheme>
-    <a:fontScheme name="Office">
-      <a:majorFont>
-        <a:latin typeface="Arial"/>
-        <a:ea typeface=""/>
-        <a:cs typeface=""/>
-        <a:font script="Jpan" typeface="ＭＳ Ｐゴシック"/>
-        <a:font script="Hang" typeface="맑은 고딕"/>
-        <a:font script="Hans" typeface="宋体"/>
-        <a:font script="Hant" typeface="新細明體"/>
-        <a:font script="Arab" typeface="Times New Roman"/>
-        <a:font script="Hebr" typeface="Times New Roman"/>
-        <a:font script="Thai" typeface="Angsana New"/>
-        <a:font script="Ethi" typeface="Nyala"/>
-        <a:font script="Beng" typeface="Vrinda"/>
-        <a:font script="Gujr" typeface="Shruti"/>
-        <a:font script="Khmr" typeface="MoolBoran"/>
-        <a:font script="Knda" typeface="Tunga"/>
-        <a:font script="Guru" typeface="Raavi"/>
-        <a:font script="Cans" typeface="Euphemia"/>
-        <a:font script="Cher" typeface="Plantagenet Cherokee"/>
-        <a:font script="Yiii" typeface="Microsoft Yi Baiti"/>
-        <a:font script="Tibt" typeface="Microsoft Himalaya"/>
-        <a:font script="Thaa" typeface="MV Boli"/>
-        <a:font script="Deva" typeface="Mangal"/>
-        <a:font script="Telu" typeface="Gautami"/>
-        <a:font script="Taml" typeface="Latha"/>
-        <a:font script="Syrc" typeface="Estrangelo Edessa"/>
-        <a:font script="Orya" typeface="Kalinga"/>
-        <a:font script="Mlym" typeface="Kartika"/>
-        <a:font script="Laoo" typeface="DokChampa"/>
-        <a:font script="Sinh" typeface="Iskoola Pota"/>
-        <a:font script="Mong" typeface="Mongolian Baiti"/>
-        <a:font script="Viet" typeface="Times New Roman"/>
-        <a:font script="Uigh" typeface="Microsoft Uighur"/>
-        <a:font script="Geor" typeface="Sylfaen"/>
-      </a:majorFont>
-      <a:minorFont>
-        <a:latin typeface="Arial"/>
-        <a:ea typeface=""/>
-        <a:cs typeface=""/>
-        <a:font script="Jpan" typeface="ＭＳ Ｐゴシック"/>
-        <a:font script="Hang" typeface="맑은 고딕"/>
-        <a:font script="Hans" typeface="宋体"/>
-        <a:font script="Hant" typeface="新細明體"/>
-        <a:font script="Arab" typeface="Arial"/>
-        <a:font script="Hebr" typeface="Arial"/>
-        <a:font script="Thai" typeface="Cordia New"/>
-        <a:font script="Ethi" typeface="Nyala"/>
-        <a:font script="Beng" typeface="Vrinda"/>
-        <a:font script="Gujr" typeface="Shruti"/>
-        <a:font script="Khmr" typeface="DaunPenh"/>
-        <a:font script="Knda" typeface="Tunga"/>
-        <a:font script="Guru" typeface="Raavi"/>
-        <a:font script="Cans" typeface="Euphemia"/>
-        <a:font script="Cher" typeface="Plantagenet Cherokee"/>
-        <a:font script="Yiii" typeface="Microsoft Yi Baiti"/>
-        <a:font script="Tibt" typeface="Microsoft Himalaya"/>
-        <a:font script="Thaa" typeface="MV Boli"/>
-        <a:font script="Deva" typeface="Mangal"/>
-        <a:font script="Telu" typeface="Gautami"/>
-        <a:font script="Taml" typeface="Latha"/>
-        <a:font script="Syrc" typeface="Estrangelo Edessa"/>
-        <a:font script="Orya" typeface="Kalinga"/>
-        <a:font script="Mlym" typeface="Kartika"/>
-        <a:font script="Laoo" typeface="DokChampa"/>
-        <a:font script="Sinh" typeface="Iskoola Pota"/>
-        <a:font script="Mong" typeface="Mongolian Baiti"/>
-        <a:font script="Viet" typeface="Arial"/>
-        <a:font script="Uigh" typeface="Microsoft Uighur"/>
-        <a:font script="Geor" typeface="Sylfaen"/>
-      </a:minorFont>
-    </a:fontScheme>
-    <a:fmtScheme name="Office">
-      <a:fillStyleLst>
-        <a:solidFill>
-          <a:schemeClr val="phClr"/>
-        </a:solidFill>
-        <a:gradFill rotWithShape="1">
-          <a:gsLst>
-            <a:gs pos="0">
-              <a:schemeClr val="phClr">
-                <a:tint val="50000"/>
-                <a:satMod val="300000"/>
-              </a:schemeClr>
-            </a:gs>
-            <a:gs pos="35000">
-              <a:schemeClr val="phClr">
-                <a:tint val="37000"/>
-                <a:satMod val="300000"/>
-              </a:schemeClr>
-            </a:gs>
-            <a:gs pos="100000">
-              <a:schemeClr val="phClr">
-                <a:tint val="15000"/>
-                <a:satMod val="350000"/>
-              </a:schemeClr>
-            </a:gs>
-          </a:gsLst>
-          <a:lin ang="16200000" scaled="1"/>
-        </a:gradFill>
-        <a:gradFill rotWithShape="1">
-          <a:gsLst>
-            <a:gs pos="0">
-              <a:schemeClr val="phClr">
-                <a:tint val="100000"/>
-                <a:shade val="100000"/>
-                <a:satMod val="130000"/>
-              </a:schemeClr>
-            </a:gs>
-            <a:gs pos="100000">
-              <a:schemeClr val="phClr">
-                <a:tint val="50000"/>
-                <a:shade val="100000"/>
-                <a:satMod val="350000"/>
-              </a:schemeClr>
-            </a:gs>
-          </a:gsLst>
-          <a:lin ang="16200000" scaled="0"/>
-        </a:gradFill>
-      </a:fillStyleLst>
-      <a:lnStyleLst>
-        <a:ln w="9525" cap="flat" cmpd="sng" algn="ctr">
-          <a:solidFill>
-            <a:schemeClr val="phClr">
-              <a:shade val="95000"/>
-              <a:satMod val="105000"/>
-            </a:schemeClr>
-          </a:solidFill>
-          <a:prstDash val="solid"/>
-        </a:ln>
-        <a:ln w="25400" cap="flat" cmpd="sng" algn="ctr">
-          <a:solidFill>
-            <a:schemeClr val="phClr"/>
-          </a:solidFill>
-          <a:prstDash val="solid"/>
-        </a:ln>
-        <a:ln w="38100" cap="flat" cmpd="sng" algn="ctr">
-          <a:solidFill>
-            <a:schemeClr val="phClr"/>
-          </a:solidFill>
-          <a:prstDash val="solid"/>
-        </a:ln>
-      </a:lnStyleLst>
-      <a:effectStyleLst>
-        <a:effectStyle>
-          <a:effectLst>
-            <a:outerShdw blurRad="40000" dist="20000" dir="5400000" rotWithShape="0">
-              <a:srgbClr val="000000">
-                <a:alpha val="38000"/>
-              </a:srgbClr>
-            </a:outerShdw>
-          </a:effectLst>
-        </a:effectStyle>
-        <a:effectStyle>
-          <a:effectLst>
-            <a:outerShdw blurRad="40000" dist="23000" dir="5400000" rotWithShape="0">
-              <a:srgbClr val="000000">
-                <a:alpha val="35000"/>
-              </a:srgbClr>
-            </a:outerShdw>
-          </a:effectLst>
-        </a:effectStyle>
-        <a:effectStyle>
-          <a:effectLst>
-            <a:outerShdw blurRad="40000" dist="23000" dir="5400000" rotWithShape="0">
-              <a:srgbClr val="000000">
-                <a:alpha val="35000"/>
-              </a:srgbClr>
-            </a:outerShdw>
-          </a:effectLst>
-          <a:scene3d>
-            <a:camera prst="orthographicFront">
-              <a:rot lat="0" lon="0" rev="0"/>
-            </a:camera>
-            <a:lightRig rig="threePt" dir="t">
-              <a:rot lat="0" lon="0" rev="1200000"/>
-            </a:lightRig>
-          </a:scene3d>
-          <a:sp3d>
-            <a:bevelT w="63500" h="25400"/>
-          </a:sp3d>
-        </a:effectStyle>
-      </a:effectStyleLst>
-      <a:bgFillStyleLst>
-        <a:solidFill>
-          <a:schemeClr val="phClr"/>
-        </a:solidFill>
-        <a:gradFill rotWithShape="1">
-          <a:gsLst>
-            <a:gs pos="0">
-              <a:schemeClr val="phClr">
-                <a:tint val="40000"/>
-                <a:satMod val="350000"/>
-              </a:schemeClr>
-            </a:gs>
-            <a:gs pos="40000">
-              <a:schemeClr val="phClr">
-                <a:tint val="45000"/>
-                <a:shade val="99000"/>
-                <a:satMod val="350000"/>
-              </a:schemeClr>
-            </a:gs>
-            <a:gs pos="100000">
-              <a:schemeClr val="phClr">
-                <a:shade val="20000"/>
-                <a:satMod val="255000"/>
-              </a:schemeClr>
-            </a:gs>
-          </a:gsLst>
-          <a:path path="circle">
-            <a:fillToRect l="50000" t="-80000" r="50000" b="180000"/>
-          </a:path>
-        </a:gradFill>
-        <a:gradFill rotWithShape="1">
-          <a:gsLst>
-            <a:gs pos="0">
-              <a:schemeClr val="phClr">
-                <a:tint val="80000"/>
-                <a:satMod val="300000"/>
-              </a:schemeClr>
-            </a:gs>
-            <a:gs pos="100000">
-              <a:schemeClr val="phClr">
-                <a:shade val="30000"/>
-                <a:satMod val="200000"/>
-              </a:schemeClr>
-            </a:gs>
-          </a:gsLst>
-          <a:path path="circle">
-            <a:fillToRect l="50000" t="50000" r="50000" b="50000"/>
-          </a:path>
-        </a:gradFill>
-      </a:bgFillStyleLst>
-    </a:fmtScheme>
-  </a:themeElements>
+  <a:objectDefaults/>
+  <a:extraClrSchemeLst/>
 </a:theme>
 </file>